--- a/Clojure in 10 minutes.pptx
+++ b/Clojure in 10 minutes.pptx
@@ -5,23 +5,24 @@
     <p:sldMasterId id="2147483669" r:id="rId4"/>
   </p:sldMasterIdLst>
   <p:notesMasterIdLst>
-    <p:notesMasterId r:id="rId16"/>
+    <p:notesMasterId r:id="rId17"/>
   </p:notesMasterIdLst>
   <p:handoutMasterIdLst>
-    <p:handoutMasterId r:id="rId17"/>
+    <p:handoutMasterId r:id="rId18"/>
   </p:handoutMasterIdLst>
   <p:sldIdLst>
     <p:sldId id="258" r:id="rId5"/>
     <p:sldId id="261" r:id="rId6"/>
     <p:sldId id="263" r:id="rId7"/>
     <p:sldId id="269" r:id="rId8"/>
-    <p:sldId id="266" r:id="rId9"/>
-    <p:sldId id="259" r:id="rId10"/>
-    <p:sldId id="264" r:id="rId11"/>
-    <p:sldId id="267" r:id="rId12"/>
-    <p:sldId id="268" r:id="rId13"/>
-    <p:sldId id="260" r:id="rId14"/>
-    <p:sldId id="265" r:id="rId15"/>
+    <p:sldId id="270" r:id="rId9"/>
+    <p:sldId id="266" r:id="rId10"/>
+    <p:sldId id="259" r:id="rId11"/>
+    <p:sldId id="264" r:id="rId12"/>
+    <p:sldId id="267" r:id="rId13"/>
+    <p:sldId id="268" r:id="rId14"/>
+    <p:sldId id="260" r:id="rId15"/>
+    <p:sldId id="265" r:id="rId16"/>
   </p:sldIdLst>
   <p:sldSz cx="9144000" cy="6858000" type="screen4x3"/>
   <p:notesSz cx="6858000" cy="9144000"/>
@@ -982,7 +983,7 @@
               <a:pPr>
                 <a:defRPr/>
               </a:pPr>
-              <a:t>5</a:t>
+              <a:t>6</a:t>
             </a:fld>
             <a:endParaRPr lang="da-DK" dirty="0"/>
           </a:p>
@@ -3667,6 +3668,13 @@
   <p:clrMapOvr>
     <a:masterClrMapping/>
   </p:clrMapOvr>
+  <p:timing>
+    <p:tnLst>
+      <p:par>
+        <p:cTn id="1" dur="indefinite" restart="never" nodeType="tmRoot"/>
+      </p:par>
+    </p:tnLst>
+  </p:timing>
 </p:sld>
 </file>
 
@@ -3700,7 +3708,7 @@
         <p:spPr>
           <a:xfrm>
             <a:off x="533400" y="1066800"/>
-            <a:ext cx="7543800" cy="685800"/>
+            <a:ext cx="6858000" cy="685800"/>
           </a:xfrm>
         </p:spPr>
         <p:txBody>
@@ -3709,155 +3717,180 @@
           <a:p>
             <a:r>
               <a:rPr lang="en-US" dirty="0" smtClean="0"/>
-              <a:t>The </a:t>
-            </a:r>
-            <a:r>
-              <a:rPr lang="en-US" dirty="0" err="1" smtClean="0"/>
-              <a:t>Clojure</a:t>
-            </a:r>
-            <a:r>
-              <a:rPr lang="en-US" dirty="0" smtClean="0"/>
-              <a:t> Compiler</a:t>
+              <a:t>Multi-methods</a:t>
             </a:r>
             <a:endParaRPr lang="en-US" dirty="0"/>
           </a:p>
         </p:txBody>
       </p:sp>
-      <p:sp>
-        <p:nvSpPr>
-          <p:cNvPr id="4" name="Rectangle 3"/>
+      <p:pic>
+        <p:nvPicPr>
+          <p:cNvPr id="4" name="Picture 3"/>
+          <p:cNvPicPr>
+            <a:picLocks noChangeAspect="1"/>
+          </p:cNvPicPr>
+          <p:nvPr/>
+        </p:nvPicPr>
+        <p:blipFill>
+          <a:blip r:embed="rId2"/>
+          <a:stretch>
+            <a:fillRect/>
+          </a:stretch>
+        </p:blipFill>
+        <p:spPr>
+          <a:xfrm>
+            <a:off x="1447800" y="5257800"/>
+            <a:ext cx="6540500" cy="838200"/>
+          </a:xfrm>
+          <a:prstGeom prst="rect">
+            <a:avLst/>
+          </a:prstGeom>
+        </p:spPr>
+      </p:pic>
+      <p:sp>
+        <p:nvSpPr>
+          <p:cNvPr id="6" name="TextBox 5"/>
+          <p:cNvSpPr txBox="1"/>
+          <p:nvPr/>
+        </p:nvSpPr>
+        <p:spPr>
+          <a:xfrm rot="188625">
+            <a:off x="4130516" y="4797022"/>
+            <a:ext cx="2666181" cy="646331"/>
+          </a:xfrm>
+          <a:prstGeom prst="rect">
+            <a:avLst/>
+          </a:prstGeom>
+          <a:noFill/>
+        </p:spPr>
+        <p:txBody>
+          <a:bodyPr wrap="square" rtlCol="0">
+            <a:spAutoFit/>
+          </a:bodyPr>
+          <a:lstStyle/>
+          <a:p>
+            <a:r>
+              <a:rPr lang="en-US" sz="1800" dirty="0" smtClean="0">
+                <a:solidFill>
+                  <a:srgbClr val="808080"/>
+                </a:solidFill>
+                <a:latin typeface="Handwriting - Dakota"/>
+                <a:cs typeface="Handwriting - Dakota"/>
+              </a:rPr>
+              <a:t>Not your mother’s dispatch</a:t>
+            </a:r>
+            <a:endParaRPr lang="en-US" sz="1800" dirty="0">
+              <a:solidFill>
+                <a:srgbClr val="808080"/>
+              </a:solidFill>
+              <a:latin typeface="Handwriting - Dakota"/>
+              <a:cs typeface="Handwriting - Dakota"/>
+            </a:endParaRPr>
+          </a:p>
+        </p:txBody>
+      </p:sp>
+      <p:pic>
+        <p:nvPicPr>
+          <p:cNvPr id="8" name="Picture 7"/>
+          <p:cNvPicPr>
+            <a:picLocks noChangeAspect="1"/>
+          </p:cNvPicPr>
+          <p:nvPr/>
+        </p:nvPicPr>
+        <p:blipFill>
+          <a:blip r:embed="rId3"/>
+          <a:stretch>
+            <a:fillRect/>
+          </a:stretch>
+        </p:blipFill>
+        <p:spPr>
+          <a:xfrm>
+            <a:off x="2057400" y="3505200"/>
+            <a:ext cx="4686300" cy="952500"/>
+          </a:xfrm>
+          <a:prstGeom prst="rect">
+            <a:avLst/>
+          </a:prstGeom>
+        </p:spPr>
+      </p:pic>
+      <p:pic>
+        <p:nvPicPr>
+          <p:cNvPr id="9" name="Picture 8"/>
+          <p:cNvPicPr>
+            <a:picLocks noChangeAspect="1"/>
+          </p:cNvPicPr>
+          <p:nvPr/>
+        </p:nvPicPr>
+        <p:blipFill>
+          <a:blip r:embed="rId4"/>
+          <a:stretch>
+            <a:fillRect/>
+          </a:stretch>
+        </p:blipFill>
+        <p:spPr>
+          <a:xfrm>
+            <a:off x="533400" y="1981200"/>
+            <a:ext cx="5765800" cy="1206500"/>
+          </a:xfrm>
+          <a:prstGeom prst="rect">
+            <a:avLst/>
+          </a:prstGeom>
+        </p:spPr>
+      </p:pic>
+      <p:sp>
+        <p:nvSpPr>
+          <p:cNvPr id="5" name="TextBox 4"/>
+          <p:cNvSpPr txBox="1"/>
+          <p:nvPr/>
+        </p:nvSpPr>
+        <p:spPr>
+          <a:xfrm rot="1123954">
+            <a:off x="6205368" y="2392204"/>
+            <a:ext cx="2666181" cy="646331"/>
+          </a:xfrm>
+          <a:prstGeom prst="rect">
+            <a:avLst/>
+          </a:prstGeom>
+          <a:noFill/>
+        </p:spPr>
+        <p:txBody>
+          <a:bodyPr wrap="square" rtlCol="0">
+            <a:spAutoFit/>
+          </a:bodyPr>
+          <a:lstStyle/>
+          <a:p>
+            <a:r>
+              <a:rPr lang="en-US" sz="1800" dirty="0" smtClean="0">
+                <a:solidFill>
+                  <a:srgbClr val="808080"/>
+                </a:solidFill>
+                <a:latin typeface="Handwriting - Dakota"/>
+                <a:cs typeface="Handwriting - Dakota"/>
+              </a:rPr>
+              <a:t>Open-Closed Principle goodness</a:t>
+            </a:r>
+            <a:endParaRPr lang="en-US" sz="1800" dirty="0">
+              <a:solidFill>
+                <a:srgbClr val="808080"/>
+              </a:solidFill>
+              <a:latin typeface="Handwriting - Dakota"/>
+              <a:cs typeface="Handwriting - Dakota"/>
+            </a:endParaRPr>
+          </a:p>
+        </p:txBody>
+      </p:sp>
+      <p:sp>
+        <p:nvSpPr>
+          <p:cNvPr id="10" name="Right Arrow 9"/>
           <p:cNvSpPr/>
           <p:nvPr/>
         </p:nvSpPr>
         <p:spPr bwMode="auto">
-          <a:xfrm>
-            <a:off x="762000" y="3358896"/>
-            <a:ext cx="1232318" cy="914400"/>
-          </a:xfrm>
-          <a:prstGeom prst="rect">
-            <a:avLst/>
-          </a:prstGeom>
-          <a:solidFill>
-            <a:srgbClr val="D1E318"/>
-          </a:solidFill>
-          <a:ln w="9525" cap="flat" cmpd="sng" algn="ctr">
-            <a:solidFill>
-              <a:schemeClr val="tx1"/>
-            </a:solidFill>
-            <a:prstDash val="solid"/>
-            <a:round/>
-            <a:headEnd type="none" w="med" len="med"/>
-            <a:tailEnd type="none" w="med" len="med"/>
-          </a:ln>
-          <a:effectLst/>
-        </p:spPr>
-        <p:txBody>
-          <a:bodyPr/>
-          <a:lstStyle/>
-          <a:p>
-            <a:r>
-              <a:rPr lang="en-US" dirty="0" smtClean="0">
-                <a:latin typeface="Neo Sans Std"/>
-              </a:rPr>
-              <a:t>Reader</a:t>
-            </a:r>
-          </a:p>
-        </p:txBody>
-      </p:sp>
-      <p:sp>
-        <p:nvSpPr>
-          <p:cNvPr id="5" name="Rectangle 4"/>
-          <p:cNvSpPr/>
-          <p:nvPr/>
-        </p:nvSpPr>
-        <p:spPr bwMode="auto">
-          <a:xfrm>
-            <a:off x="3505200" y="3358896"/>
-            <a:ext cx="1689518" cy="914400"/>
-          </a:xfrm>
-          <a:prstGeom prst="rect">
-            <a:avLst/>
-          </a:prstGeom>
-          <a:solidFill>
-            <a:srgbClr val="D1E318"/>
-          </a:solidFill>
-          <a:ln w="9525" cap="flat" cmpd="sng" algn="ctr">
-            <a:solidFill>
-              <a:schemeClr val="tx1"/>
-            </a:solidFill>
-            <a:prstDash val="solid"/>
-            <a:round/>
-            <a:headEnd type="none" w="med" len="med"/>
-            <a:tailEnd type="none" w="med" len="med"/>
-          </a:ln>
-          <a:effectLst/>
-        </p:spPr>
-        <p:txBody>
-          <a:bodyPr/>
-          <a:lstStyle/>
-          <a:p>
-            <a:r>
-              <a:rPr lang="en-US" dirty="0" smtClean="0">
-                <a:latin typeface="Neo Sans Std"/>
-              </a:rPr>
-              <a:t>Macro evaluation</a:t>
-            </a:r>
-          </a:p>
-        </p:txBody>
-      </p:sp>
-      <p:sp>
-        <p:nvSpPr>
-          <p:cNvPr id="6" name="Rectangle 5"/>
-          <p:cNvSpPr/>
-          <p:nvPr/>
-        </p:nvSpPr>
-        <p:spPr bwMode="auto">
-          <a:xfrm>
-            <a:off x="6629400" y="3358896"/>
-            <a:ext cx="1828800" cy="914400"/>
-          </a:xfrm>
-          <a:prstGeom prst="rect">
-            <a:avLst/>
-          </a:prstGeom>
-          <a:solidFill>
-            <a:srgbClr val="D1E318"/>
-          </a:solidFill>
-          <a:ln w="9525" cap="flat" cmpd="sng" algn="ctr">
-            <a:solidFill>
-              <a:schemeClr val="tx1"/>
-            </a:solidFill>
-            <a:prstDash val="solid"/>
-            <a:round/>
-            <a:headEnd type="none" w="med" len="med"/>
-            <a:tailEnd type="none" w="med" len="med"/>
-          </a:ln>
-          <a:effectLst/>
-        </p:spPr>
-        <p:txBody>
-          <a:bodyPr/>
-          <a:lstStyle/>
-          <a:p>
-            <a:r>
-              <a:rPr lang="en-US" dirty="0" smtClean="0">
-                <a:latin typeface="Neo Sans Std"/>
-              </a:rPr>
-              <a:t>Compiler</a:t>
-            </a:r>
-          </a:p>
-        </p:txBody>
-      </p:sp>
-      <p:sp>
-        <p:nvSpPr>
-          <p:cNvPr id="7" name="Cube 6"/>
-          <p:cNvSpPr/>
-          <p:nvPr/>
-        </p:nvSpPr>
-        <p:spPr bwMode="auto">
-          <a:xfrm>
-            <a:off x="6858000" y="5032248"/>
-            <a:ext cx="1292352" cy="1216152"/>
-          </a:xfrm>
-          <a:prstGeom prst="cube">
+          <a:xfrm rot="7864782">
+            <a:off x="2690226" y="1923168"/>
+            <a:ext cx="351052" cy="221315"/>
+          </a:xfrm>
+          <a:prstGeom prst="rightArrow">
             <a:avLst/>
           </a:prstGeom>
           <a:solidFill>
@@ -3877,58 +3910,27 @@
           <a:effectLst/>
         </p:spPr>
         <p:txBody>
-          <a:bodyPr vert="horz" wrap="square" lIns="91440" tIns="45720" rIns="91440" bIns="45720" numCol="1" rtlCol="0" anchor="t" anchorCtr="0" compatLnSpc="1">
-            <a:prstTxWarp prst="textNoShape">
-              <a:avLst/>
-            </a:prstTxWarp>
-          </a:bodyPr>
+          <a:bodyPr/>
           <a:lstStyle/>
           <a:p>
-            <a:pPr marL="0" marR="0" indent="0" algn="l" defTabSz="914400" rtl="0" eaLnBrk="0" fontAlgn="base" latinLnBrk="0" hangingPunct="0">
-              <a:lnSpc>
-                <a:spcPct val="100000"/>
-              </a:lnSpc>
-              <a:spcBef>
-                <a:spcPct val="0"/>
-              </a:spcBef>
-              <a:spcAft>
-                <a:spcPct val="0"/>
-              </a:spcAft>
-              <a:buClrTx/>
-              <a:buSzTx/>
-              <a:buFontTx/>
-              <a:buNone/>
-              <a:tabLst/>
-            </a:pPr>
-            <a:r>
-              <a:rPr kumimoji="0" lang="en-US" sz="2400" b="0" i="0" u="none" strike="noStrike" cap="none" normalizeH="0" baseline="0" dirty="0" smtClean="0">
-                <a:ln>
-                  <a:noFill/>
-                </a:ln>
-                <a:solidFill>
-                  <a:schemeClr val="tx1"/>
-                </a:solidFill>
-                <a:effectLst/>
-                <a:latin typeface="Neo Sans Std"/>
-                <a:ea typeface="ヒラギノ角ゴ Pro W3" pitchFamily="-80" charset="-128"/>
-              </a:rPr>
-              <a:t>Byte code</a:t>
-            </a:r>
-          </a:p>
-        </p:txBody>
-      </p:sp>
-      <p:sp>
-        <p:nvSpPr>
-          <p:cNvPr id="8" name="Down Arrow 7"/>
+            <a:endParaRPr lang="en-US" sz="1400" dirty="0" smtClean="0">
+              <a:latin typeface="Neo Sans Std"/>
+            </a:endParaRPr>
+          </a:p>
+        </p:txBody>
+      </p:sp>
+      <p:sp>
+        <p:nvSpPr>
+          <p:cNvPr id="11" name="Right Arrow 10"/>
           <p:cNvSpPr/>
           <p:nvPr/>
         </p:nvSpPr>
         <p:spPr bwMode="auto">
-          <a:xfrm>
-            <a:off x="7086600" y="4425696"/>
-            <a:ext cx="822960" cy="530352"/>
-          </a:xfrm>
-          <a:prstGeom prst="downArrow">
+          <a:xfrm rot="7864782">
+            <a:off x="3757027" y="5123568"/>
+            <a:ext cx="351052" cy="221315"/>
+          </a:xfrm>
+          <a:prstGeom prst="rightArrow">
             <a:avLst/>
           </a:prstGeom>
           <a:solidFill>
@@ -3947,48 +3949,11 @@
           </a:ln>
           <a:effectLst/>
         </p:spPr>
-      </p:sp>
-      <p:sp>
-        <p:nvSpPr>
-          <p:cNvPr id="10" name="Right Arrow 9"/>
-          <p:cNvSpPr/>
-          <p:nvPr/>
-        </p:nvSpPr>
-        <p:spPr bwMode="auto">
-          <a:xfrm>
-            <a:off x="2209800" y="3358896"/>
-            <a:ext cx="1219200" cy="914400"/>
-          </a:xfrm>
-          <a:prstGeom prst="rightArrow">
-            <a:avLst/>
-          </a:prstGeom>
-          <a:solidFill>
-            <a:schemeClr val="accent3">
-              <a:lumMod val="85000"/>
-            </a:schemeClr>
-          </a:solidFill>
-          <a:ln w="9525" cap="flat" cmpd="sng" algn="ctr">
-            <a:solidFill>
-              <a:schemeClr val="tx1"/>
-            </a:solidFill>
-            <a:prstDash val="solid"/>
-            <a:round/>
-            <a:headEnd type="none" w="med" len="med"/>
-            <a:tailEnd type="none" w="med" len="med"/>
-          </a:ln>
-          <a:effectLst/>
-        </p:spPr>
         <p:txBody>
           <a:bodyPr/>
           <a:lstStyle/>
           <a:p>
-            <a:r>
-              <a:rPr lang="en-US" dirty="0" smtClean="0">
-                <a:latin typeface="Neo Sans Std"/>
-              </a:rPr>
-              <a:t>AST</a:t>
-            </a:r>
-            <a:endParaRPr lang="en-US" dirty="0">
+            <a:endParaRPr lang="en-US" sz="1400" dirty="0" smtClean="0">
               <a:latin typeface="Neo Sans Std"/>
             </a:endParaRPr>
           </a:p>
@@ -3996,312 +3961,14 @@
       </p:sp>
       <p:sp>
         <p:nvSpPr>
-          <p:cNvPr id="12" name="Right Arrow 11"/>
-          <p:cNvSpPr/>
-          <p:nvPr/>
-        </p:nvSpPr>
-        <p:spPr bwMode="auto">
-          <a:xfrm>
-            <a:off x="5334000" y="3435096"/>
-            <a:ext cx="1143000" cy="822960"/>
-          </a:xfrm>
-          <a:prstGeom prst="rightArrow">
-            <a:avLst/>
-          </a:prstGeom>
-          <a:solidFill>
-            <a:schemeClr val="accent3">
-              <a:lumMod val="85000"/>
-            </a:schemeClr>
-          </a:solidFill>
-          <a:ln w="9525" cap="flat" cmpd="sng" algn="ctr">
-            <a:solidFill>
-              <a:schemeClr val="tx1"/>
-            </a:solidFill>
-            <a:prstDash val="solid"/>
-            <a:round/>
-            <a:headEnd type="none" w="med" len="med"/>
-            <a:tailEnd type="none" w="med" len="med"/>
-          </a:ln>
-          <a:effectLst/>
-        </p:spPr>
-        <p:txBody>
-          <a:bodyPr/>
-          <a:lstStyle/>
-          <a:p>
-            <a:r>
-              <a:rPr lang="en-US" dirty="0" smtClean="0">
-                <a:latin typeface="Neo Sans Std"/>
-              </a:rPr>
-              <a:t>AST</a:t>
-            </a:r>
-            <a:endParaRPr lang="en-US" dirty="0">
-              <a:latin typeface="Neo Sans Std"/>
-            </a:endParaRPr>
-          </a:p>
-        </p:txBody>
-      </p:sp>
-      <p:sp>
-        <p:nvSpPr>
-          <p:cNvPr id="13" name="TextBox 12"/>
+          <p:cNvPr id="12" name="TextBox 11"/>
           <p:cNvSpPr txBox="1"/>
           <p:nvPr/>
         </p:nvSpPr>
         <p:spPr>
           <a:xfrm>
-            <a:off x="3657600" y="2292096"/>
-            <a:ext cx="3229498" cy="461665"/>
-          </a:xfrm>
-          <a:prstGeom prst="rect">
-            <a:avLst/>
-          </a:prstGeom>
-          <a:noFill/>
-        </p:spPr>
-        <p:txBody>
-          <a:bodyPr wrap="none" rtlCol="0">
-            <a:spAutoFit/>
-          </a:bodyPr>
-          <a:lstStyle/>
-          <a:p>
-            <a:r>
-              <a:rPr lang="en-US" dirty="0" err="1" smtClean="0">
-                <a:latin typeface="Neo Sans Std"/>
-              </a:rPr>
-              <a:t>Clojure</a:t>
-            </a:r>
-            <a:r>
-              <a:rPr lang="en-US" dirty="0" smtClean="0">
-                <a:latin typeface="Neo Sans Std"/>
-              </a:rPr>
-              <a:t> data structures</a:t>
-            </a:r>
-            <a:endParaRPr lang="en-US" dirty="0">
-              <a:latin typeface="Neo Sans Std"/>
-            </a:endParaRPr>
-          </a:p>
-        </p:txBody>
-      </p:sp>
-      <p:cxnSp>
-        <p:nvCxnSpPr>
-          <p:cNvPr id="21" name="Straight Arrow Connector 20"/>
-          <p:cNvCxnSpPr/>
-          <p:nvPr/>
-        </p:nvCxnSpPr>
-        <p:spPr bwMode="auto">
-          <a:xfrm rot="10800000" flipV="1">
-            <a:off x="2743200" y="2749295"/>
-            <a:ext cx="1828800" cy="609599"/>
-          </a:xfrm>
-          <a:prstGeom prst="straightConnector1">
-            <a:avLst/>
-          </a:prstGeom>
-          <a:solidFill>
-            <a:schemeClr val="accent1"/>
-          </a:solidFill>
-          <a:ln w="9525" cap="flat" cmpd="sng" algn="ctr">
-            <a:solidFill>
-              <a:schemeClr val="tx1"/>
-            </a:solidFill>
-            <a:prstDash val="solid"/>
-            <a:round/>
-            <a:headEnd type="none" w="med" len="med"/>
-            <a:tailEnd type="arrow"/>
-          </a:ln>
-          <a:effectLst/>
-        </p:spPr>
-      </p:cxnSp>
-      <p:cxnSp>
-        <p:nvCxnSpPr>
-          <p:cNvPr id="24" name="Straight Arrow Connector 23"/>
-          <p:cNvCxnSpPr>
-            <a:stCxn id="13" idx="2"/>
-          </p:cNvCxnSpPr>
-          <p:nvPr/>
-        </p:nvCxnSpPr>
-        <p:spPr bwMode="auto">
-          <a:xfrm rot="16200000" flipH="1">
-            <a:off x="5114907" y="2911203"/>
-            <a:ext cx="605134" cy="290250"/>
-          </a:xfrm>
-          <a:prstGeom prst="straightConnector1">
-            <a:avLst/>
-          </a:prstGeom>
-          <a:solidFill>
-            <a:schemeClr val="accent1"/>
-          </a:solidFill>
-          <a:ln w="9525" cap="flat" cmpd="sng" algn="ctr">
-            <a:solidFill>
-              <a:schemeClr val="tx1"/>
-            </a:solidFill>
-            <a:prstDash val="solid"/>
-            <a:round/>
-            <a:headEnd type="none" w="med" len="med"/>
-            <a:tailEnd type="arrow"/>
-          </a:ln>
-          <a:effectLst/>
-        </p:spPr>
-      </p:cxnSp>
-      <p:sp>
-        <p:nvSpPr>
-          <p:cNvPr id="28" name="Down Arrow 27"/>
-          <p:cNvSpPr/>
-          <p:nvPr/>
-        </p:nvSpPr>
-        <p:spPr bwMode="auto">
-          <a:xfrm>
-            <a:off x="914400" y="2746248"/>
-            <a:ext cx="822960" cy="530352"/>
-          </a:xfrm>
-          <a:prstGeom prst="downArrow">
-            <a:avLst/>
-          </a:prstGeom>
-          <a:solidFill>
-            <a:schemeClr val="accent3">
-              <a:lumMod val="85000"/>
-            </a:schemeClr>
-          </a:solidFill>
-          <a:ln w="9525" cap="flat" cmpd="sng" algn="ctr">
-            <a:solidFill>
-              <a:schemeClr val="tx1"/>
-            </a:solidFill>
-            <a:prstDash val="solid"/>
-            <a:round/>
-            <a:headEnd type="none" w="med" len="med"/>
-            <a:tailEnd type="none" w="med" len="med"/>
-          </a:ln>
-          <a:effectLst/>
-        </p:spPr>
-      </p:sp>
-      <p:sp>
-        <p:nvSpPr>
-          <p:cNvPr id="29" name="TextBox 28"/>
-          <p:cNvSpPr txBox="1"/>
-          <p:nvPr/>
-        </p:nvSpPr>
-        <p:spPr>
-          <a:xfrm>
-            <a:off x="2743200" y="4572000"/>
-            <a:ext cx="1028447" cy="338554"/>
-          </a:xfrm>
-          <a:prstGeom prst="rect">
-            <a:avLst/>
-          </a:prstGeom>
-          <a:noFill/>
-        </p:spPr>
-        <p:txBody>
-          <a:bodyPr wrap="none" rtlCol="0">
-            <a:spAutoFit/>
-          </a:bodyPr>
-          <a:lstStyle/>
-          <a:p>
-            <a:r>
-              <a:rPr lang="en-US" sz="1600" dirty="0" smtClean="0">
-                <a:latin typeface="Neo Sans Std"/>
-              </a:rPr>
-              <a:t>(</a:t>
-            </a:r>
-            <a:r>
-              <a:rPr lang="en-US" sz="1600" dirty="0" err="1" smtClean="0">
-                <a:latin typeface="Neo Sans Std"/>
-              </a:rPr>
-              <a:t>eval</a:t>
-            </a:r>
-            <a:r>
-              <a:rPr lang="en-US" sz="1600" dirty="0" smtClean="0">
-                <a:latin typeface="Neo Sans Std"/>
-              </a:rPr>
-              <a:t> </a:t>
-            </a:r>
-            <a:r>
-              <a:rPr lang="en-US" sz="1600" dirty="0" err="1" smtClean="0">
-                <a:latin typeface="Neo Sans Std"/>
-              </a:rPr>
-              <a:t>ast</a:t>
-            </a:r>
-            <a:r>
-              <a:rPr lang="en-US" sz="1600" dirty="0" smtClean="0">
-                <a:latin typeface="Neo Sans Std"/>
-              </a:rPr>
-              <a:t>)</a:t>
-            </a:r>
-            <a:endParaRPr lang="en-US" sz="1600" dirty="0">
-              <a:latin typeface="Neo Sans Std"/>
-            </a:endParaRPr>
-          </a:p>
-        </p:txBody>
-      </p:sp>
-      <p:sp>
-        <p:nvSpPr>
-          <p:cNvPr id="30" name="TextBox 29"/>
-          <p:cNvSpPr txBox="1"/>
-          <p:nvPr/>
-        </p:nvSpPr>
-        <p:spPr>
-          <a:xfrm>
-            <a:off x="1524000" y="2667000"/>
-            <a:ext cx="1416073" cy="338554"/>
-          </a:xfrm>
-          <a:prstGeom prst="rect">
-            <a:avLst/>
-          </a:prstGeom>
-          <a:noFill/>
-        </p:spPr>
-        <p:txBody>
-          <a:bodyPr wrap="none" rtlCol="0">
-            <a:spAutoFit/>
-          </a:bodyPr>
-          <a:lstStyle/>
-          <a:p>
-            <a:r>
-              <a:rPr lang="en-US" sz="1600" dirty="0" smtClean="0">
-                <a:latin typeface="Neo Sans Std"/>
-              </a:rPr>
-              <a:t>(read stream)</a:t>
-            </a:r>
-            <a:endParaRPr lang="en-US" sz="1600" dirty="0">
-              <a:latin typeface="Neo Sans Std"/>
-            </a:endParaRPr>
-          </a:p>
-        </p:txBody>
-      </p:sp>
-      <p:cxnSp>
-        <p:nvCxnSpPr>
-          <p:cNvPr id="31" name="Straight Arrow Connector 30"/>
-          <p:cNvCxnSpPr/>
-          <p:nvPr/>
-        </p:nvCxnSpPr>
-        <p:spPr bwMode="auto">
-          <a:xfrm rot="10800000">
-            <a:off x="5105400" y="5715001"/>
-            <a:ext cx="1447804" cy="3"/>
-          </a:xfrm>
-          <a:prstGeom prst="straightConnector1">
-            <a:avLst/>
-          </a:prstGeom>
-          <a:solidFill>
-            <a:schemeClr val="accent1"/>
-          </a:solidFill>
-          <a:ln w="9525" cap="flat" cmpd="sng" algn="ctr">
-            <a:solidFill>
-              <a:schemeClr val="tx1"/>
-            </a:solidFill>
-            <a:prstDash val="solid"/>
-            <a:round/>
-            <a:headEnd type="none" w="med" len="med"/>
-            <a:tailEnd type="arrow"/>
-          </a:ln>
-          <a:effectLst/>
-        </p:spPr>
-      </p:cxnSp>
-      <p:sp>
-        <p:nvSpPr>
-          <p:cNvPr id="34" name="TextBox 33"/>
-          <p:cNvSpPr txBox="1"/>
-          <p:nvPr/>
-        </p:nvSpPr>
-        <p:spPr>
-          <a:xfrm>
-            <a:off x="2895600" y="5257800"/>
-            <a:ext cx="2286000" cy="1200328"/>
+            <a:off x="1143000" y="6096000"/>
+            <a:ext cx="7322664" cy="276999"/>
           </a:xfrm>
           <a:prstGeom prst="rect">
             <a:avLst/>
@@ -4314,226 +3981,32 @@
           </a:bodyPr>
           <a:lstStyle/>
           <a:p>
-            <a:r>
-              <a:rPr lang="en-US" dirty="0" smtClean="0">
-                <a:latin typeface="Neo Sans Std"/>
-              </a:rPr>
-              <a:t>Compiler is available at runtime</a:t>
-            </a:r>
-          </a:p>
-        </p:txBody>
-      </p:sp>
-      <p:cxnSp>
-        <p:nvCxnSpPr>
-          <p:cNvPr id="36" name="Straight Arrow Connector 35"/>
-          <p:cNvCxnSpPr/>
-          <p:nvPr/>
-        </p:nvCxnSpPr>
-        <p:spPr bwMode="auto">
-          <a:xfrm rot="16200000" flipV="1">
-            <a:off x="1752600" y="4800600"/>
-            <a:ext cx="838200" cy="838200"/>
-          </a:xfrm>
-          <a:prstGeom prst="straightConnector1">
-            <a:avLst/>
-          </a:prstGeom>
-          <a:solidFill>
-            <a:schemeClr val="accent1"/>
-          </a:solidFill>
-          <a:ln w="9525" cap="flat" cmpd="sng" algn="ctr">
-            <a:solidFill>
-              <a:schemeClr val="tx1"/>
-            </a:solidFill>
-            <a:prstDash val="solid"/>
-            <a:round/>
-            <a:headEnd type="none" w="med" len="med"/>
-            <a:tailEnd type="arrow"/>
-          </a:ln>
-          <a:effectLst/>
-        </p:spPr>
-      </p:cxnSp>
-      <p:cxnSp>
-        <p:nvCxnSpPr>
-          <p:cNvPr id="37" name="Straight Arrow Connector 36"/>
-          <p:cNvCxnSpPr/>
-          <p:nvPr/>
-        </p:nvCxnSpPr>
-        <p:spPr bwMode="auto">
-          <a:xfrm rot="16200000" flipV="1">
-            <a:off x="2438400" y="4876800"/>
-            <a:ext cx="533400" cy="381000"/>
-          </a:xfrm>
-          <a:prstGeom prst="straightConnector1">
-            <a:avLst/>
-          </a:prstGeom>
-          <a:solidFill>
-            <a:schemeClr val="accent1"/>
-          </a:solidFill>
-          <a:ln w="9525" cap="flat" cmpd="sng" algn="ctr">
-            <a:solidFill>
-              <a:schemeClr val="tx1"/>
-            </a:solidFill>
-            <a:prstDash val="solid"/>
-            <a:round/>
-            <a:headEnd type="none" w="med" len="med"/>
-            <a:tailEnd type="arrow"/>
-          </a:ln>
-          <a:effectLst/>
-        </p:spPr>
-      </p:cxnSp>
-      <p:sp>
-        <p:nvSpPr>
-          <p:cNvPr id="44" name="Folded Corner 43"/>
-          <p:cNvSpPr/>
-          <p:nvPr/>
-        </p:nvSpPr>
-        <p:spPr bwMode="auto">
-          <a:xfrm>
-            <a:off x="838200" y="2057400"/>
-            <a:ext cx="961277" cy="533400"/>
-          </a:xfrm>
-          <a:prstGeom prst="foldedCorner">
-            <a:avLst/>
-          </a:prstGeom>
-          <a:solidFill>
-            <a:srgbClr val="D1E318"/>
-          </a:solidFill>
-          <a:ln w="9525" cap="flat" cmpd="sng" algn="ctr">
-            <a:solidFill>
-              <a:schemeClr val="tx1"/>
-            </a:solidFill>
-            <a:prstDash val="solid"/>
-            <a:round/>
-            <a:headEnd type="none" w="med" len="med"/>
-            <a:tailEnd type="none" w="med" len="med"/>
-          </a:ln>
-          <a:effectLst/>
-        </p:spPr>
-        <p:txBody>
-          <a:bodyPr/>
-          <a:lstStyle/>
-          <a:p>
-            <a:r>
-              <a:rPr lang="en-US" dirty="0" smtClean="0">
-                <a:latin typeface="Neo Sans Std"/>
-              </a:rPr>
-              <a:t>Text</a:t>
-            </a:r>
-            <a:endParaRPr lang="en-US" dirty="0">
-              <a:latin typeface="Neo Sans Std"/>
-            </a:endParaRPr>
-          </a:p>
-        </p:txBody>
-      </p:sp>
-      <p:sp>
-        <p:nvSpPr>
-          <p:cNvPr id="22" name="TextBox 21"/>
-          <p:cNvSpPr txBox="1"/>
-          <p:nvPr/>
-        </p:nvSpPr>
-        <p:spPr>
-          <a:xfrm rot="325953">
-            <a:off x="5556276" y="1799045"/>
-            <a:ext cx="3140804" cy="646331"/>
-          </a:xfrm>
-          <a:prstGeom prst="rect">
-            <a:avLst/>
-          </a:prstGeom>
-          <a:noFill/>
-        </p:spPr>
-        <p:txBody>
-          <a:bodyPr wrap="square" rtlCol="0">
-            <a:spAutoFit/>
-          </a:bodyPr>
-          <a:lstStyle/>
-          <a:p>
-            <a:r>
-              <a:rPr lang="en-US" sz="1800" dirty="0" smtClean="0">
+            <a:pPr algn="r"/>
+            <a:r>
+              <a:rPr lang="en-US" sz="1200" dirty="0" smtClean="0">
                 <a:solidFill>
                   <a:srgbClr val="808080"/>
                 </a:solidFill>
-                <a:latin typeface="Handwriting - Dakota"/>
+                <a:latin typeface="Neo Sans Std Medium"/>
                 <a:cs typeface="Handwriting - Dakota"/>
               </a:rPr>
-              <a:t>Your hip friends call this</a:t>
-            </a:r>
-            <a:r>
-              <a:rPr lang="en-US" sz="1800" dirty="0" smtClean="0">
+              <a:t>file: </a:t>
+            </a:r>
+            <a:r>
+              <a:rPr lang="en-US" sz="1200" dirty="0" err="1" smtClean="0">
                 <a:solidFill>
                   <a:srgbClr val="808080"/>
                 </a:solidFill>
-                <a:latin typeface="Handwriting - Dakota"/>
+                <a:latin typeface="Neo Sans Std Medium"/>
                 <a:cs typeface="Handwriting - Dakota"/>
               </a:rPr>
-              <a:t> language </a:t>
-            </a:r>
-            <a:r>
-              <a:rPr lang="en-US" sz="1800" dirty="0" err="1" smtClean="0">
-                <a:solidFill>
-                  <a:srgbClr val="808080"/>
-                </a:solidFill>
-                <a:latin typeface="Handwriting - Dakota"/>
-                <a:cs typeface="Handwriting - Dakota"/>
-              </a:rPr>
-              <a:t>homoiconic</a:t>
-            </a:r>
-            <a:endParaRPr lang="en-US" sz="1800" dirty="0">
+              <a:t>multi.clj</a:t>
+            </a:r>
+            <a:endParaRPr lang="en-US" sz="1200" dirty="0">
               <a:solidFill>
                 <a:srgbClr val="808080"/>
               </a:solidFill>
-              <a:latin typeface="Handwriting - Dakota"/>
-              <a:cs typeface="Handwriting - Dakota"/>
-            </a:endParaRPr>
-          </a:p>
-        </p:txBody>
-      </p:sp>
-      <p:sp>
-        <p:nvSpPr>
-          <p:cNvPr id="23" name="TextBox 22"/>
-          <p:cNvSpPr txBox="1"/>
-          <p:nvPr/>
-        </p:nvSpPr>
-        <p:spPr>
-          <a:xfrm rot="325953">
-            <a:off x="4126710" y="4383823"/>
-            <a:ext cx="2481211" cy="369332"/>
-          </a:xfrm>
-          <a:prstGeom prst="rect">
-            <a:avLst/>
-          </a:prstGeom>
-          <a:noFill/>
-        </p:spPr>
-        <p:txBody>
-          <a:bodyPr wrap="square" rtlCol="0">
-            <a:spAutoFit/>
-          </a:bodyPr>
-          <a:lstStyle/>
-          <a:p>
-            <a:r>
-              <a:rPr lang="en-US" sz="1800" dirty="0" smtClean="0">
-                <a:solidFill>
-                  <a:srgbClr val="808080"/>
-                </a:solidFill>
-                <a:latin typeface="Handwriting - Dakota"/>
-                <a:cs typeface="Handwriting - Dakota"/>
-              </a:rPr>
-              <a:t>Great for </a:t>
-            </a:r>
-            <a:r>
-              <a:rPr lang="en-US" sz="1800" dirty="0" err="1" smtClean="0">
-                <a:solidFill>
-                  <a:srgbClr val="808080"/>
-                </a:solidFill>
-                <a:latin typeface="Handwriting - Dakota"/>
-                <a:cs typeface="Handwriting - Dakota"/>
-              </a:rPr>
-              <a:t>DSLs</a:t>
-            </a:r>
-            <a:endParaRPr lang="en-US" sz="1800" dirty="0">
-              <a:solidFill>
-                <a:srgbClr val="808080"/>
-              </a:solidFill>
-              <a:latin typeface="Handwriting - Dakota"/>
+              <a:latin typeface="Neo Sans Std Medium"/>
               <a:cs typeface="Handwriting - Dakota"/>
             </a:endParaRPr>
           </a:p>
@@ -4581,6 +4054,880 @@
             <p:ph type="title"/>
           </p:nvPr>
         </p:nvSpPr>
+        <p:spPr>
+          <a:xfrm>
+            <a:off x="533400" y="1066800"/>
+            <a:ext cx="7543800" cy="685800"/>
+          </a:xfrm>
+        </p:spPr>
+        <p:txBody>
+          <a:bodyPr/>
+          <a:lstStyle/>
+          <a:p>
+            <a:r>
+              <a:rPr lang="en-US" dirty="0" smtClean="0"/>
+              <a:t>The </a:t>
+            </a:r>
+            <a:r>
+              <a:rPr lang="en-US" dirty="0" err="1" smtClean="0"/>
+              <a:t>Clojure</a:t>
+            </a:r>
+            <a:r>
+              <a:rPr lang="en-US" dirty="0" smtClean="0"/>
+              <a:t> Compiler</a:t>
+            </a:r>
+            <a:endParaRPr lang="en-US" dirty="0"/>
+          </a:p>
+        </p:txBody>
+      </p:sp>
+      <p:sp>
+        <p:nvSpPr>
+          <p:cNvPr id="4" name="Rectangle 3"/>
+          <p:cNvSpPr/>
+          <p:nvPr/>
+        </p:nvSpPr>
+        <p:spPr bwMode="auto">
+          <a:xfrm>
+            <a:off x="762000" y="3358896"/>
+            <a:ext cx="1232318" cy="914400"/>
+          </a:xfrm>
+          <a:prstGeom prst="rect">
+            <a:avLst/>
+          </a:prstGeom>
+          <a:solidFill>
+            <a:srgbClr val="D1E318"/>
+          </a:solidFill>
+          <a:ln w="9525" cap="flat" cmpd="sng" algn="ctr">
+            <a:solidFill>
+              <a:schemeClr val="tx1"/>
+            </a:solidFill>
+            <a:prstDash val="solid"/>
+            <a:round/>
+            <a:headEnd type="none" w="med" len="med"/>
+            <a:tailEnd type="none" w="med" len="med"/>
+          </a:ln>
+          <a:effectLst/>
+        </p:spPr>
+        <p:txBody>
+          <a:bodyPr/>
+          <a:lstStyle/>
+          <a:p>
+            <a:r>
+              <a:rPr lang="en-US" dirty="0" smtClean="0">
+                <a:latin typeface="Neo Sans Std"/>
+              </a:rPr>
+              <a:t>Reader</a:t>
+            </a:r>
+          </a:p>
+        </p:txBody>
+      </p:sp>
+      <p:sp>
+        <p:nvSpPr>
+          <p:cNvPr id="5" name="Rectangle 4"/>
+          <p:cNvSpPr/>
+          <p:nvPr/>
+        </p:nvSpPr>
+        <p:spPr bwMode="auto">
+          <a:xfrm>
+            <a:off x="3505200" y="3358896"/>
+            <a:ext cx="1689518" cy="914400"/>
+          </a:xfrm>
+          <a:prstGeom prst="rect">
+            <a:avLst/>
+          </a:prstGeom>
+          <a:solidFill>
+            <a:srgbClr val="D1E318"/>
+          </a:solidFill>
+          <a:ln w="9525" cap="flat" cmpd="sng" algn="ctr">
+            <a:solidFill>
+              <a:schemeClr val="tx1"/>
+            </a:solidFill>
+            <a:prstDash val="solid"/>
+            <a:round/>
+            <a:headEnd type="none" w="med" len="med"/>
+            <a:tailEnd type="none" w="med" len="med"/>
+          </a:ln>
+          <a:effectLst/>
+        </p:spPr>
+        <p:txBody>
+          <a:bodyPr/>
+          <a:lstStyle/>
+          <a:p>
+            <a:r>
+              <a:rPr lang="en-US" dirty="0" smtClean="0">
+                <a:latin typeface="Neo Sans Std"/>
+              </a:rPr>
+              <a:t>Macro evaluation</a:t>
+            </a:r>
+          </a:p>
+        </p:txBody>
+      </p:sp>
+      <p:sp>
+        <p:nvSpPr>
+          <p:cNvPr id="6" name="Rectangle 5"/>
+          <p:cNvSpPr/>
+          <p:nvPr/>
+        </p:nvSpPr>
+        <p:spPr bwMode="auto">
+          <a:xfrm>
+            <a:off x="6629400" y="3358896"/>
+            <a:ext cx="1828800" cy="914400"/>
+          </a:xfrm>
+          <a:prstGeom prst="rect">
+            <a:avLst/>
+          </a:prstGeom>
+          <a:solidFill>
+            <a:srgbClr val="D1E318"/>
+          </a:solidFill>
+          <a:ln w="9525" cap="flat" cmpd="sng" algn="ctr">
+            <a:solidFill>
+              <a:schemeClr val="tx1"/>
+            </a:solidFill>
+            <a:prstDash val="solid"/>
+            <a:round/>
+            <a:headEnd type="none" w="med" len="med"/>
+            <a:tailEnd type="none" w="med" len="med"/>
+          </a:ln>
+          <a:effectLst/>
+        </p:spPr>
+        <p:txBody>
+          <a:bodyPr/>
+          <a:lstStyle/>
+          <a:p>
+            <a:r>
+              <a:rPr lang="en-US" dirty="0" smtClean="0">
+                <a:latin typeface="Neo Sans Std"/>
+              </a:rPr>
+              <a:t>Compiler</a:t>
+            </a:r>
+          </a:p>
+        </p:txBody>
+      </p:sp>
+      <p:sp>
+        <p:nvSpPr>
+          <p:cNvPr id="7" name="Cube 6"/>
+          <p:cNvSpPr/>
+          <p:nvPr/>
+        </p:nvSpPr>
+        <p:spPr bwMode="auto">
+          <a:xfrm>
+            <a:off x="6858000" y="5032248"/>
+            <a:ext cx="1292352" cy="1216152"/>
+          </a:xfrm>
+          <a:prstGeom prst="cube">
+            <a:avLst/>
+          </a:prstGeom>
+          <a:solidFill>
+            <a:schemeClr val="accent3">
+              <a:lumMod val="85000"/>
+            </a:schemeClr>
+          </a:solidFill>
+          <a:ln w="9525" cap="flat" cmpd="sng" algn="ctr">
+            <a:solidFill>
+              <a:schemeClr val="tx1"/>
+            </a:solidFill>
+            <a:prstDash val="solid"/>
+            <a:round/>
+            <a:headEnd type="none" w="med" len="med"/>
+            <a:tailEnd type="none" w="med" len="med"/>
+          </a:ln>
+          <a:effectLst/>
+        </p:spPr>
+        <p:txBody>
+          <a:bodyPr vert="horz" wrap="square" lIns="91440" tIns="45720" rIns="91440" bIns="45720" numCol="1" rtlCol="0" anchor="t" anchorCtr="0" compatLnSpc="1">
+            <a:prstTxWarp prst="textNoShape">
+              <a:avLst/>
+            </a:prstTxWarp>
+          </a:bodyPr>
+          <a:lstStyle/>
+          <a:p>
+            <a:pPr marL="0" marR="0" indent="0" algn="l" defTabSz="914400" rtl="0" eaLnBrk="0" fontAlgn="base" latinLnBrk="0" hangingPunct="0">
+              <a:lnSpc>
+                <a:spcPct val="100000"/>
+              </a:lnSpc>
+              <a:spcBef>
+                <a:spcPct val="0"/>
+              </a:spcBef>
+              <a:spcAft>
+                <a:spcPct val="0"/>
+              </a:spcAft>
+              <a:buClrTx/>
+              <a:buSzTx/>
+              <a:buFontTx/>
+              <a:buNone/>
+              <a:tabLst/>
+            </a:pPr>
+            <a:r>
+              <a:rPr kumimoji="0" lang="en-US" sz="2400" b="0" i="0" u="none" strike="noStrike" cap="none" normalizeH="0" baseline="0" dirty="0" smtClean="0">
+                <a:ln>
+                  <a:noFill/>
+                </a:ln>
+                <a:solidFill>
+                  <a:schemeClr val="tx1"/>
+                </a:solidFill>
+                <a:effectLst/>
+                <a:latin typeface="Neo Sans Std"/>
+                <a:ea typeface="ヒラギノ角ゴ Pro W3" pitchFamily="-80" charset="-128"/>
+              </a:rPr>
+              <a:t>Byte code</a:t>
+            </a:r>
+          </a:p>
+        </p:txBody>
+      </p:sp>
+      <p:sp>
+        <p:nvSpPr>
+          <p:cNvPr id="8" name="Down Arrow 7"/>
+          <p:cNvSpPr/>
+          <p:nvPr/>
+        </p:nvSpPr>
+        <p:spPr bwMode="auto">
+          <a:xfrm>
+            <a:off x="7086600" y="4425696"/>
+            <a:ext cx="822960" cy="530352"/>
+          </a:xfrm>
+          <a:prstGeom prst="downArrow">
+            <a:avLst/>
+          </a:prstGeom>
+          <a:solidFill>
+            <a:schemeClr val="accent3">
+              <a:lumMod val="85000"/>
+            </a:schemeClr>
+          </a:solidFill>
+          <a:ln w="9525" cap="flat" cmpd="sng" algn="ctr">
+            <a:solidFill>
+              <a:schemeClr val="tx1"/>
+            </a:solidFill>
+            <a:prstDash val="solid"/>
+            <a:round/>
+            <a:headEnd type="none" w="med" len="med"/>
+            <a:tailEnd type="none" w="med" len="med"/>
+          </a:ln>
+          <a:effectLst/>
+        </p:spPr>
+      </p:sp>
+      <p:sp>
+        <p:nvSpPr>
+          <p:cNvPr id="10" name="Right Arrow 9"/>
+          <p:cNvSpPr/>
+          <p:nvPr/>
+        </p:nvSpPr>
+        <p:spPr bwMode="auto">
+          <a:xfrm>
+            <a:off x="2209800" y="3358896"/>
+            <a:ext cx="1219200" cy="914400"/>
+          </a:xfrm>
+          <a:prstGeom prst="rightArrow">
+            <a:avLst/>
+          </a:prstGeom>
+          <a:solidFill>
+            <a:schemeClr val="accent3">
+              <a:lumMod val="85000"/>
+            </a:schemeClr>
+          </a:solidFill>
+          <a:ln w="9525" cap="flat" cmpd="sng" algn="ctr">
+            <a:solidFill>
+              <a:schemeClr val="tx1"/>
+            </a:solidFill>
+            <a:prstDash val="solid"/>
+            <a:round/>
+            <a:headEnd type="none" w="med" len="med"/>
+            <a:tailEnd type="none" w="med" len="med"/>
+          </a:ln>
+          <a:effectLst/>
+        </p:spPr>
+        <p:txBody>
+          <a:bodyPr/>
+          <a:lstStyle/>
+          <a:p>
+            <a:r>
+              <a:rPr lang="en-US" dirty="0" smtClean="0">
+                <a:latin typeface="Neo Sans Std"/>
+              </a:rPr>
+              <a:t>AST</a:t>
+            </a:r>
+            <a:endParaRPr lang="en-US" dirty="0">
+              <a:latin typeface="Neo Sans Std"/>
+            </a:endParaRPr>
+          </a:p>
+        </p:txBody>
+      </p:sp>
+      <p:sp>
+        <p:nvSpPr>
+          <p:cNvPr id="12" name="Right Arrow 11"/>
+          <p:cNvSpPr/>
+          <p:nvPr/>
+        </p:nvSpPr>
+        <p:spPr bwMode="auto">
+          <a:xfrm>
+            <a:off x="5334000" y="3435096"/>
+            <a:ext cx="1143000" cy="822960"/>
+          </a:xfrm>
+          <a:prstGeom prst="rightArrow">
+            <a:avLst/>
+          </a:prstGeom>
+          <a:solidFill>
+            <a:schemeClr val="accent3">
+              <a:lumMod val="85000"/>
+            </a:schemeClr>
+          </a:solidFill>
+          <a:ln w="9525" cap="flat" cmpd="sng" algn="ctr">
+            <a:solidFill>
+              <a:schemeClr val="tx1"/>
+            </a:solidFill>
+            <a:prstDash val="solid"/>
+            <a:round/>
+            <a:headEnd type="none" w="med" len="med"/>
+            <a:tailEnd type="none" w="med" len="med"/>
+          </a:ln>
+          <a:effectLst/>
+        </p:spPr>
+        <p:txBody>
+          <a:bodyPr/>
+          <a:lstStyle/>
+          <a:p>
+            <a:r>
+              <a:rPr lang="en-US" dirty="0" smtClean="0">
+                <a:latin typeface="Neo Sans Std"/>
+              </a:rPr>
+              <a:t>AST</a:t>
+            </a:r>
+            <a:endParaRPr lang="en-US" dirty="0">
+              <a:latin typeface="Neo Sans Std"/>
+            </a:endParaRPr>
+          </a:p>
+        </p:txBody>
+      </p:sp>
+      <p:sp>
+        <p:nvSpPr>
+          <p:cNvPr id="13" name="TextBox 12"/>
+          <p:cNvSpPr txBox="1"/>
+          <p:nvPr/>
+        </p:nvSpPr>
+        <p:spPr>
+          <a:xfrm>
+            <a:off x="3657600" y="2292096"/>
+            <a:ext cx="3229498" cy="461665"/>
+          </a:xfrm>
+          <a:prstGeom prst="rect">
+            <a:avLst/>
+          </a:prstGeom>
+          <a:noFill/>
+        </p:spPr>
+        <p:txBody>
+          <a:bodyPr wrap="none" rtlCol="0">
+            <a:spAutoFit/>
+          </a:bodyPr>
+          <a:lstStyle/>
+          <a:p>
+            <a:r>
+              <a:rPr lang="en-US" dirty="0" err="1" smtClean="0">
+                <a:latin typeface="Neo Sans Std"/>
+              </a:rPr>
+              <a:t>Clojure</a:t>
+            </a:r>
+            <a:r>
+              <a:rPr lang="en-US" dirty="0" smtClean="0">
+                <a:latin typeface="Neo Sans Std"/>
+              </a:rPr>
+              <a:t> data structures</a:t>
+            </a:r>
+            <a:endParaRPr lang="en-US" dirty="0">
+              <a:latin typeface="Neo Sans Std"/>
+            </a:endParaRPr>
+          </a:p>
+        </p:txBody>
+      </p:sp>
+      <p:cxnSp>
+        <p:nvCxnSpPr>
+          <p:cNvPr id="21" name="Straight Arrow Connector 20"/>
+          <p:cNvCxnSpPr/>
+          <p:nvPr/>
+        </p:nvCxnSpPr>
+        <p:spPr bwMode="auto">
+          <a:xfrm rot="10800000" flipV="1">
+            <a:off x="2743200" y="2749295"/>
+            <a:ext cx="1828800" cy="609599"/>
+          </a:xfrm>
+          <a:prstGeom prst="straightConnector1">
+            <a:avLst/>
+          </a:prstGeom>
+          <a:solidFill>
+            <a:schemeClr val="accent1"/>
+          </a:solidFill>
+          <a:ln w="9525" cap="flat" cmpd="sng" algn="ctr">
+            <a:solidFill>
+              <a:schemeClr val="tx1"/>
+            </a:solidFill>
+            <a:prstDash val="solid"/>
+            <a:round/>
+            <a:headEnd type="none" w="med" len="med"/>
+            <a:tailEnd type="arrow"/>
+          </a:ln>
+          <a:effectLst/>
+        </p:spPr>
+      </p:cxnSp>
+      <p:cxnSp>
+        <p:nvCxnSpPr>
+          <p:cNvPr id="24" name="Straight Arrow Connector 23"/>
+          <p:cNvCxnSpPr>
+            <a:stCxn id="13" idx="2"/>
+          </p:cNvCxnSpPr>
+          <p:nvPr/>
+        </p:nvCxnSpPr>
+        <p:spPr bwMode="auto">
+          <a:xfrm rot="16200000" flipH="1">
+            <a:off x="5114907" y="2911203"/>
+            <a:ext cx="605134" cy="290250"/>
+          </a:xfrm>
+          <a:prstGeom prst="straightConnector1">
+            <a:avLst/>
+          </a:prstGeom>
+          <a:solidFill>
+            <a:schemeClr val="accent1"/>
+          </a:solidFill>
+          <a:ln w="9525" cap="flat" cmpd="sng" algn="ctr">
+            <a:solidFill>
+              <a:schemeClr val="tx1"/>
+            </a:solidFill>
+            <a:prstDash val="solid"/>
+            <a:round/>
+            <a:headEnd type="none" w="med" len="med"/>
+            <a:tailEnd type="arrow"/>
+          </a:ln>
+          <a:effectLst/>
+        </p:spPr>
+      </p:cxnSp>
+      <p:sp>
+        <p:nvSpPr>
+          <p:cNvPr id="28" name="Down Arrow 27"/>
+          <p:cNvSpPr/>
+          <p:nvPr/>
+        </p:nvSpPr>
+        <p:spPr bwMode="auto">
+          <a:xfrm>
+            <a:off x="914400" y="2746248"/>
+            <a:ext cx="822960" cy="530352"/>
+          </a:xfrm>
+          <a:prstGeom prst="downArrow">
+            <a:avLst/>
+          </a:prstGeom>
+          <a:solidFill>
+            <a:schemeClr val="accent3">
+              <a:lumMod val="85000"/>
+            </a:schemeClr>
+          </a:solidFill>
+          <a:ln w="9525" cap="flat" cmpd="sng" algn="ctr">
+            <a:solidFill>
+              <a:schemeClr val="tx1"/>
+            </a:solidFill>
+            <a:prstDash val="solid"/>
+            <a:round/>
+            <a:headEnd type="none" w="med" len="med"/>
+            <a:tailEnd type="none" w="med" len="med"/>
+          </a:ln>
+          <a:effectLst/>
+        </p:spPr>
+      </p:sp>
+      <p:sp>
+        <p:nvSpPr>
+          <p:cNvPr id="29" name="TextBox 28"/>
+          <p:cNvSpPr txBox="1"/>
+          <p:nvPr/>
+        </p:nvSpPr>
+        <p:spPr>
+          <a:xfrm>
+            <a:off x="2743200" y="4572000"/>
+            <a:ext cx="1028447" cy="338554"/>
+          </a:xfrm>
+          <a:prstGeom prst="rect">
+            <a:avLst/>
+          </a:prstGeom>
+          <a:noFill/>
+        </p:spPr>
+        <p:txBody>
+          <a:bodyPr wrap="none" rtlCol="0">
+            <a:spAutoFit/>
+          </a:bodyPr>
+          <a:lstStyle/>
+          <a:p>
+            <a:r>
+              <a:rPr lang="en-US" sz="1600" dirty="0" smtClean="0">
+                <a:latin typeface="Neo Sans Std"/>
+              </a:rPr>
+              <a:t>(</a:t>
+            </a:r>
+            <a:r>
+              <a:rPr lang="en-US" sz="1600" dirty="0" err="1" smtClean="0">
+                <a:latin typeface="Neo Sans Std"/>
+              </a:rPr>
+              <a:t>eval</a:t>
+            </a:r>
+            <a:r>
+              <a:rPr lang="en-US" sz="1600" dirty="0" smtClean="0">
+                <a:latin typeface="Neo Sans Std"/>
+              </a:rPr>
+              <a:t> </a:t>
+            </a:r>
+            <a:r>
+              <a:rPr lang="en-US" sz="1600" dirty="0" err="1" smtClean="0">
+                <a:latin typeface="Neo Sans Std"/>
+              </a:rPr>
+              <a:t>ast</a:t>
+            </a:r>
+            <a:r>
+              <a:rPr lang="en-US" sz="1600" dirty="0" smtClean="0">
+                <a:latin typeface="Neo Sans Std"/>
+              </a:rPr>
+              <a:t>)</a:t>
+            </a:r>
+            <a:endParaRPr lang="en-US" sz="1600" dirty="0">
+              <a:latin typeface="Neo Sans Std"/>
+            </a:endParaRPr>
+          </a:p>
+        </p:txBody>
+      </p:sp>
+      <p:sp>
+        <p:nvSpPr>
+          <p:cNvPr id="30" name="TextBox 29"/>
+          <p:cNvSpPr txBox="1"/>
+          <p:nvPr/>
+        </p:nvSpPr>
+        <p:spPr>
+          <a:xfrm>
+            <a:off x="1524000" y="2667000"/>
+            <a:ext cx="1416073" cy="338554"/>
+          </a:xfrm>
+          <a:prstGeom prst="rect">
+            <a:avLst/>
+          </a:prstGeom>
+          <a:noFill/>
+        </p:spPr>
+        <p:txBody>
+          <a:bodyPr wrap="none" rtlCol="0">
+            <a:spAutoFit/>
+          </a:bodyPr>
+          <a:lstStyle/>
+          <a:p>
+            <a:r>
+              <a:rPr lang="en-US" sz="1600" dirty="0" smtClean="0">
+                <a:latin typeface="Neo Sans Std"/>
+              </a:rPr>
+              <a:t>(read stream)</a:t>
+            </a:r>
+            <a:endParaRPr lang="en-US" sz="1600" dirty="0">
+              <a:latin typeface="Neo Sans Std"/>
+            </a:endParaRPr>
+          </a:p>
+        </p:txBody>
+      </p:sp>
+      <p:cxnSp>
+        <p:nvCxnSpPr>
+          <p:cNvPr id="31" name="Straight Arrow Connector 30"/>
+          <p:cNvCxnSpPr/>
+          <p:nvPr/>
+        </p:nvCxnSpPr>
+        <p:spPr bwMode="auto">
+          <a:xfrm rot="10800000">
+            <a:off x="5105400" y="5715001"/>
+            <a:ext cx="1447804" cy="3"/>
+          </a:xfrm>
+          <a:prstGeom prst="straightConnector1">
+            <a:avLst/>
+          </a:prstGeom>
+          <a:solidFill>
+            <a:schemeClr val="accent1"/>
+          </a:solidFill>
+          <a:ln w="9525" cap="flat" cmpd="sng" algn="ctr">
+            <a:solidFill>
+              <a:schemeClr val="tx1"/>
+            </a:solidFill>
+            <a:prstDash val="solid"/>
+            <a:round/>
+            <a:headEnd type="none" w="med" len="med"/>
+            <a:tailEnd type="arrow"/>
+          </a:ln>
+          <a:effectLst/>
+        </p:spPr>
+      </p:cxnSp>
+      <p:sp>
+        <p:nvSpPr>
+          <p:cNvPr id="34" name="TextBox 33"/>
+          <p:cNvSpPr txBox="1"/>
+          <p:nvPr/>
+        </p:nvSpPr>
+        <p:spPr>
+          <a:xfrm>
+            <a:off x="2895600" y="5257800"/>
+            <a:ext cx="2286000" cy="1200328"/>
+          </a:xfrm>
+          <a:prstGeom prst="rect">
+            <a:avLst/>
+          </a:prstGeom>
+          <a:noFill/>
+        </p:spPr>
+        <p:txBody>
+          <a:bodyPr wrap="square" rtlCol="0">
+            <a:spAutoFit/>
+          </a:bodyPr>
+          <a:lstStyle/>
+          <a:p>
+            <a:r>
+              <a:rPr lang="en-US" dirty="0" smtClean="0">
+                <a:latin typeface="Neo Sans Std"/>
+              </a:rPr>
+              <a:t>Compiler is available at runtime</a:t>
+            </a:r>
+          </a:p>
+        </p:txBody>
+      </p:sp>
+      <p:cxnSp>
+        <p:nvCxnSpPr>
+          <p:cNvPr id="36" name="Straight Arrow Connector 35"/>
+          <p:cNvCxnSpPr/>
+          <p:nvPr/>
+        </p:nvCxnSpPr>
+        <p:spPr bwMode="auto">
+          <a:xfrm rot="16200000" flipV="1">
+            <a:off x="1752600" y="4800600"/>
+            <a:ext cx="838200" cy="838200"/>
+          </a:xfrm>
+          <a:prstGeom prst="straightConnector1">
+            <a:avLst/>
+          </a:prstGeom>
+          <a:solidFill>
+            <a:schemeClr val="accent1"/>
+          </a:solidFill>
+          <a:ln w="9525" cap="flat" cmpd="sng" algn="ctr">
+            <a:solidFill>
+              <a:schemeClr val="tx1"/>
+            </a:solidFill>
+            <a:prstDash val="solid"/>
+            <a:round/>
+            <a:headEnd type="none" w="med" len="med"/>
+            <a:tailEnd type="arrow"/>
+          </a:ln>
+          <a:effectLst/>
+        </p:spPr>
+      </p:cxnSp>
+      <p:cxnSp>
+        <p:nvCxnSpPr>
+          <p:cNvPr id="37" name="Straight Arrow Connector 36"/>
+          <p:cNvCxnSpPr/>
+          <p:nvPr/>
+        </p:nvCxnSpPr>
+        <p:spPr bwMode="auto">
+          <a:xfrm rot="16200000" flipV="1">
+            <a:off x="2438400" y="4876800"/>
+            <a:ext cx="533400" cy="381000"/>
+          </a:xfrm>
+          <a:prstGeom prst="straightConnector1">
+            <a:avLst/>
+          </a:prstGeom>
+          <a:solidFill>
+            <a:schemeClr val="accent1"/>
+          </a:solidFill>
+          <a:ln w="9525" cap="flat" cmpd="sng" algn="ctr">
+            <a:solidFill>
+              <a:schemeClr val="tx1"/>
+            </a:solidFill>
+            <a:prstDash val="solid"/>
+            <a:round/>
+            <a:headEnd type="none" w="med" len="med"/>
+            <a:tailEnd type="arrow"/>
+          </a:ln>
+          <a:effectLst/>
+        </p:spPr>
+      </p:cxnSp>
+      <p:sp>
+        <p:nvSpPr>
+          <p:cNvPr id="44" name="Folded Corner 43"/>
+          <p:cNvSpPr/>
+          <p:nvPr/>
+        </p:nvSpPr>
+        <p:spPr bwMode="auto">
+          <a:xfrm>
+            <a:off x="838200" y="2057400"/>
+            <a:ext cx="961277" cy="533400"/>
+          </a:xfrm>
+          <a:prstGeom prst="foldedCorner">
+            <a:avLst/>
+          </a:prstGeom>
+          <a:solidFill>
+            <a:srgbClr val="D1E318"/>
+          </a:solidFill>
+          <a:ln w="9525" cap="flat" cmpd="sng" algn="ctr">
+            <a:solidFill>
+              <a:schemeClr val="tx1"/>
+            </a:solidFill>
+            <a:prstDash val="solid"/>
+            <a:round/>
+            <a:headEnd type="none" w="med" len="med"/>
+            <a:tailEnd type="none" w="med" len="med"/>
+          </a:ln>
+          <a:effectLst/>
+        </p:spPr>
+        <p:txBody>
+          <a:bodyPr/>
+          <a:lstStyle/>
+          <a:p>
+            <a:r>
+              <a:rPr lang="en-US" dirty="0" smtClean="0">
+                <a:latin typeface="Neo Sans Std"/>
+              </a:rPr>
+              <a:t>Text</a:t>
+            </a:r>
+            <a:endParaRPr lang="en-US" dirty="0">
+              <a:latin typeface="Neo Sans Std"/>
+            </a:endParaRPr>
+          </a:p>
+        </p:txBody>
+      </p:sp>
+      <p:sp>
+        <p:nvSpPr>
+          <p:cNvPr id="22" name="TextBox 21"/>
+          <p:cNvSpPr txBox="1"/>
+          <p:nvPr/>
+        </p:nvSpPr>
+        <p:spPr>
+          <a:xfrm rot="325953">
+            <a:off x="5556276" y="1799045"/>
+            <a:ext cx="3140804" cy="646331"/>
+          </a:xfrm>
+          <a:prstGeom prst="rect">
+            <a:avLst/>
+          </a:prstGeom>
+          <a:noFill/>
+        </p:spPr>
+        <p:txBody>
+          <a:bodyPr wrap="square" rtlCol="0">
+            <a:spAutoFit/>
+          </a:bodyPr>
+          <a:lstStyle/>
+          <a:p>
+            <a:r>
+              <a:rPr lang="en-US" sz="1800" dirty="0" smtClean="0">
+                <a:solidFill>
+                  <a:srgbClr val="808080"/>
+                </a:solidFill>
+                <a:latin typeface="Handwriting - Dakota"/>
+                <a:cs typeface="Handwriting - Dakota"/>
+              </a:rPr>
+              <a:t>Your hip friends call this language </a:t>
+            </a:r>
+            <a:r>
+              <a:rPr lang="en-US" sz="1800" dirty="0" err="1" smtClean="0">
+                <a:solidFill>
+                  <a:srgbClr val="808080"/>
+                </a:solidFill>
+                <a:latin typeface="Handwriting - Dakota"/>
+                <a:cs typeface="Handwriting - Dakota"/>
+              </a:rPr>
+              <a:t>homoiconic</a:t>
+            </a:r>
+            <a:endParaRPr lang="en-US" sz="1800" dirty="0">
+              <a:solidFill>
+                <a:srgbClr val="808080"/>
+              </a:solidFill>
+              <a:latin typeface="Handwriting - Dakota"/>
+              <a:cs typeface="Handwriting - Dakota"/>
+            </a:endParaRPr>
+          </a:p>
+        </p:txBody>
+      </p:sp>
+      <p:sp>
+        <p:nvSpPr>
+          <p:cNvPr id="23" name="TextBox 22"/>
+          <p:cNvSpPr txBox="1"/>
+          <p:nvPr/>
+        </p:nvSpPr>
+        <p:spPr>
+          <a:xfrm rot="325953">
+            <a:off x="4126710" y="4383823"/>
+            <a:ext cx="2481211" cy="369332"/>
+          </a:xfrm>
+          <a:prstGeom prst="rect">
+            <a:avLst/>
+          </a:prstGeom>
+          <a:noFill/>
+        </p:spPr>
+        <p:txBody>
+          <a:bodyPr wrap="square" rtlCol="0">
+            <a:spAutoFit/>
+          </a:bodyPr>
+          <a:lstStyle/>
+          <a:p>
+            <a:r>
+              <a:rPr lang="en-US" sz="1800" dirty="0" smtClean="0">
+                <a:solidFill>
+                  <a:srgbClr val="808080"/>
+                </a:solidFill>
+                <a:latin typeface="Handwriting - Dakota"/>
+                <a:cs typeface="Handwriting - Dakota"/>
+              </a:rPr>
+              <a:t>Great for </a:t>
+            </a:r>
+            <a:r>
+              <a:rPr lang="en-US" sz="1800" dirty="0" err="1" smtClean="0">
+                <a:solidFill>
+                  <a:srgbClr val="808080"/>
+                </a:solidFill>
+                <a:latin typeface="Handwriting - Dakota"/>
+                <a:cs typeface="Handwriting - Dakota"/>
+              </a:rPr>
+              <a:t>DSLs</a:t>
+            </a:r>
+            <a:endParaRPr lang="en-US" sz="1800" dirty="0">
+              <a:solidFill>
+                <a:srgbClr val="808080"/>
+              </a:solidFill>
+              <a:latin typeface="Handwriting - Dakota"/>
+              <a:cs typeface="Handwriting - Dakota"/>
+            </a:endParaRPr>
+          </a:p>
+        </p:txBody>
+      </p:sp>
+    </p:spTree>
+  </p:cSld>
+  <p:clrMapOvr>
+    <a:masterClrMapping/>
+  </p:clrMapOvr>
+  <p:timing>
+    <p:tnLst>
+      <p:par>
+        <p:cTn id="1" dur="indefinite" restart="never" nodeType="tmRoot"/>
+      </p:par>
+    </p:tnLst>
+  </p:timing>
+</p:sld>
+</file>
+
+<file path=ppt/slides/slide12.xml><?xml version="1.0" encoding="utf-8"?>
+<p:sld xmlns:a="http://schemas.openxmlformats.org/drawingml/2006/main" xmlns:r="http://schemas.openxmlformats.org/officeDocument/2006/relationships" xmlns:mc="http://schemas.openxmlformats.org/markup-compatibility/2006" xmlns:mv="urn:schemas-microsoft-com:mac:vml" xmlns:p="http://schemas.openxmlformats.org/presentationml/2006/main" mc:Ignorable="mv" mc:PreserveAttributes="mv:*">
+  <p:cSld>
+    <p:spTree>
+      <p:nvGrpSpPr>
+        <p:cNvPr id="1" name=""/>
+        <p:cNvGrpSpPr/>
+        <p:nvPr/>
+      </p:nvGrpSpPr>
+      <p:grpSpPr>
+        <a:xfrm>
+          <a:off x="0" y="0"/>
+          <a:ext cx="0" cy="0"/>
+          <a:chOff x="0" y="0"/>
+          <a:chExt cx="0" cy="0"/>
+        </a:xfrm>
+      </p:grpSpPr>
+      <p:sp>
+        <p:nvSpPr>
+          <p:cNvPr id="2" name="Title 1"/>
+          <p:cNvSpPr>
+            <a:spLocks noGrp="1"/>
+          </p:cNvSpPr>
+          <p:nvPr>
+            <p:ph type="title"/>
+          </p:nvPr>
+        </p:nvSpPr>
         <p:spPr/>
         <p:txBody>
           <a:bodyPr/>
@@ -4878,6 +5225,13 @@
   <p:clrMapOvr>
     <a:masterClrMapping/>
   </p:clrMapOvr>
+  <p:timing>
+    <p:tnLst>
+      <p:par>
+        <p:cTn id="1" dur="indefinite" restart="never" nodeType="tmRoot"/>
+      </p:par>
+    </p:tnLst>
+  </p:timing>
 </p:sld>
 </file>
 
@@ -5104,6 +5458,13 @@
   <p:clrMapOvr>
     <a:masterClrMapping/>
   </p:clrMapOvr>
+  <p:timing>
+    <p:tnLst>
+      <p:par>
+        <p:cTn id="1" dur="indefinite" restart="never" nodeType="tmRoot"/>
+      </p:par>
+    </p:tnLst>
+  </p:timing>
 </p:sld>
 </file>
 
@@ -5190,17 +5551,6 @@
               </a:rPr>
               <a:t>;; List is the most common data structure</a:t>
             </a:r>
-          </a:p>
-          <a:p>
-            <a:r>
-              <a:rPr lang="en-US" sz="1800" dirty="0" smtClean="0">
-                <a:latin typeface="Courier New"/>
-                <a:cs typeface="Courier New"/>
-              </a:rPr>
-              <a:t>(1 2 3)</a:t>
-            </a:r>
-          </a:p>
-          <a:p>
             <a:endParaRPr lang="en-US" sz="1600" dirty="0" smtClean="0">
               <a:latin typeface="Courier New"/>
               <a:cs typeface="Courier New"/>
@@ -5208,34 +5558,25 @@
           </a:p>
           <a:p>
             <a:r>
-              <a:rPr lang="en-US" sz="1600" dirty="0" smtClean="0">
+              <a:rPr lang="en-US" sz="1800" b="1" dirty="0" smtClean="0">
                 <a:latin typeface="Courier New"/>
                 <a:cs typeface="Courier New"/>
               </a:rPr>
-              <a:t>;; Vector is a list that is </a:t>
-            </a:r>
-            <a:r>
-              <a:rPr lang="en-US" sz="1600" dirty="0" err="1" smtClean="0">
+              <a:t>'</a:t>
+            </a:r>
+            <a:r>
+              <a:rPr lang="en-US" sz="1800" b="1" dirty="0" smtClean="0">
                 <a:latin typeface="Courier New"/>
                 <a:cs typeface="Courier New"/>
               </a:rPr>
-              <a:t>indexable</a:t>
-            </a:r>
-            <a:r>
-              <a:rPr lang="en-US" sz="1600" dirty="0" smtClean="0">
+              <a:t>(1 </a:t>
+            </a:r>
+            <a:r>
+              <a:rPr lang="en-US" sz="1800" b="1" dirty="0" smtClean="0">
                 <a:latin typeface="Courier New"/>
                 <a:cs typeface="Courier New"/>
               </a:rPr>
-              <a:t> by position</a:t>
-            </a:r>
-          </a:p>
-          <a:p>
-            <a:r>
-              <a:rPr lang="en-US" sz="1800" dirty="0" smtClean="0">
-                <a:latin typeface="Courier New"/>
-                <a:cs typeface="Courier New"/>
-              </a:rPr>
-              <a:t>[1 2 3]</a:t>
+              <a:t>2 3)</a:t>
             </a:r>
           </a:p>
           <a:p>
@@ -5250,16 +5591,30 @@
                 <a:latin typeface="Courier New"/>
                 <a:cs typeface="Courier New"/>
               </a:rPr>
-              <a:t>;; Maps are associative data structures</a:t>
-            </a:r>
-          </a:p>
-          <a:p>
-            <a:r>
-              <a:rPr lang="en-US" sz="1800" dirty="0" smtClean="0">
+              <a:t>;; Vector is a list that is </a:t>
+            </a:r>
+            <a:r>
+              <a:rPr lang="en-US" sz="1600" dirty="0" err="1" smtClean="0">
                 <a:latin typeface="Courier New"/>
                 <a:cs typeface="Courier New"/>
               </a:rPr>
-              <a:t>{:key "value", :id 42}</a:t>
+              <a:t>indexable</a:t>
+            </a:r>
+            <a:r>
+              <a:rPr lang="en-US" sz="1600" dirty="0" smtClean="0">
+                <a:latin typeface="Courier New"/>
+                <a:cs typeface="Courier New"/>
+              </a:rPr>
+              <a:t> by position</a:t>
+            </a:r>
+          </a:p>
+          <a:p>
+            <a:r>
+              <a:rPr lang="en-US" sz="1800" b="1" dirty="0" smtClean="0">
+                <a:latin typeface="Courier New"/>
+                <a:cs typeface="Courier New"/>
+              </a:rPr>
+              <a:t>[1 2 3]</a:t>
             </a:r>
           </a:p>
           <a:p>
@@ -5274,16 +5629,16 @@
                 <a:latin typeface="Courier New"/>
                 <a:cs typeface="Courier New"/>
               </a:rPr>
-              <a:t>;; Sets are mathematical sets</a:t>
-            </a:r>
-          </a:p>
-          <a:p>
-            <a:r>
-              <a:rPr lang="en-US" sz="1800" dirty="0" smtClean="0">
+              <a:t>;; Maps are associative data structures</a:t>
+            </a:r>
+          </a:p>
+          <a:p>
+            <a:r>
+              <a:rPr lang="en-US" sz="1800" b="1" dirty="0" smtClean="0">
                 <a:latin typeface="Courier New"/>
                 <a:cs typeface="Courier New"/>
               </a:rPr>
-              <a:t>#{1 2 3}</a:t>
+              <a:t>{:key "value", :id 42}</a:t>
             </a:r>
           </a:p>
           <a:p>
@@ -5298,35 +5653,59 @@
                 <a:latin typeface="Courier New"/>
                 <a:cs typeface="Courier New"/>
               </a:rPr>
-              <a:t>;; Expressions are lists of form (function arg-1 arg-2 ...)</a:t>
-            </a:r>
-          </a:p>
-          <a:p>
-            <a:r>
-              <a:rPr lang="en-US" sz="1800" dirty="0" smtClean="0">
+              <a:t>;; Sets are mathematical sets</a:t>
+            </a:r>
+          </a:p>
+          <a:p>
+            <a:r>
+              <a:rPr lang="en-US" sz="1800" b="1" dirty="0" smtClean="0">
                 <a:latin typeface="Courier New"/>
                 <a:cs typeface="Courier New"/>
               </a:rPr>
-              <a:t>(</a:t>
-            </a:r>
-            <a:r>
-              <a:rPr lang="en-US" sz="1800" dirty="0" err="1" smtClean="0">
+              <a:t>#{1 2 3}</a:t>
+            </a:r>
+          </a:p>
+          <a:p>
+            <a:endParaRPr lang="en-US" sz="1600" dirty="0" smtClean="0">
+              <a:latin typeface="Courier New"/>
+              <a:cs typeface="Courier New"/>
+            </a:endParaRPr>
+          </a:p>
+          <a:p>
+            <a:r>
+              <a:rPr lang="en-US" sz="1600" dirty="0" smtClean="0">
                 <a:latin typeface="Courier New"/>
                 <a:cs typeface="Courier New"/>
               </a:rPr>
-              <a:t>println</a:t>
-            </a:r>
-            <a:r>
-              <a:rPr lang="en-US" sz="1800" dirty="0" smtClean="0">
+              <a:t>;; Expressions are lists of form (function arg-1 arg-2 ...)</a:t>
+            </a:r>
+          </a:p>
+          <a:p>
+            <a:r>
+              <a:rPr lang="en-US" sz="1800" b="1" dirty="0" smtClean="0">
                 <a:latin typeface="Courier New"/>
                 <a:cs typeface="Courier New"/>
               </a:rPr>
+              <a:t>(</a:t>
+            </a:r>
+            <a:r>
+              <a:rPr lang="en-US" sz="1800" b="1" dirty="0" err="1" smtClean="0">
+                <a:latin typeface="Courier New"/>
+                <a:cs typeface="Courier New"/>
+              </a:rPr>
+              <a:t>println</a:t>
+            </a:r>
+            <a:r>
+              <a:rPr lang="en-US" sz="1800" b="1" dirty="0" smtClean="0">
+                <a:latin typeface="Courier New"/>
+                <a:cs typeface="Courier New"/>
+              </a:rPr>
               <a:t> "Hello, World")</a:t>
             </a:r>
           </a:p>
           <a:p>
             <a:r>
-              <a:rPr lang="en-US" sz="1800" dirty="0" smtClean="0">
+              <a:rPr lang="en-US" sz="1800" b="1" dirty="0" smtClean="0">
                 <a:latin typeface="Courier New"/>
                 <a:cs typeface="Courier New"/>
               </a:rPr>
@@ -5391,7 +5770,7 @@
         </p:nvSpPr>
         <p:spPr>
           <a:xfrm rot="381805">
-            <a:off x="7031502" y="3051014"/>
+            <a:off x="6955302" y="3432014"/>
             <a:ext cx="1455071" cy="461665"/>
           </a:xfrm>
           <a:prstGeom prst="rect">
@@ -5433,7 +5812,7 @@
         </p:nvSpPr>
         <p:spPr>
           <a:xfrm rot="381805">
-            <a:off x="5583702" y="4041614"/>
+            <a:off x="5812303" y="4117815"/>
             <a:ext cx="1455071" cy="461665"/>
           </a:xfrm>
           <a:prstGeom prst="rect">
@@ -5475,7 +5854,7 @@
         </p:nvSpPr>
         <p:spPr>
           <a:xfrm rot="381805">
-            <a:off x="5278901" y="4651214"/>
+            <a:off x="5202702" y="4727414"/>
             <a:ext cx="1455071" cy="461665"/>
           </a:xfrm>
           <a:prstGeom prst="rect">
@@ -5609,6 +5988,13 @@
   <p:clrMapOvr>
     <a:masterClrMapping/>
   </p:clrMapOvr>
+  <p:timing>
+    <p:tnLst>
+      <p:par>
+        <p:cTn id="1" dur="indefinite" restart="never" nodeType="tmRoot"/>
+      </p:par>
+    </p:tnLst>
+  </p:timing>
 </p:sld>
 </file>
 
@@ -5639,22 +6025,84 @@
             <p:ph type="title"/>
           </p:nvPr>
         </p:nvSpPr>
-        <p:spPr/>
+        <p:spPr>
+          <a:xfrm>
+            <a:off x="533400" y="1066800"/>
+            <a:ext cx="7086600" cy="685800"/>
+          </a:xfrm>
+        </p:spPr>
         <p:txBody>
           <a:bodyPr/>
           <a:lstStyle/>
           <a:p>
             <a:r>
+              <a:rPr lang="en-US" dirty="0" err="1" smtClean="0"/>
+              <a:t>Clojure</a:t>
+            </a:r>
+            <a:r>
               <a:rPr lang="en-US" dirty="0" smtClean="0"/>
-              <a:t>Functional Programming</a:t>
+              <a:t> Basics</a:t>
             </a:r>
             <a:endParaRPr lang="en-US" dirty="0"/>
+          </a:p>
+        </p:txBody>
+      </p:sp>
+      <p:sp>
+        <p:nvSpPr>
+          <p:cNvPr id="13" name="TextBox 12"/>
+          <p:cNvSpPr txBox="1"/>
+          <p:nvPr/>
+        </p:nvSpPr>
+        <p:spPr>
+          <a:xfrm>
+            <a:off x="1143000" y="6096000"/>
+            <a:ext cx="7322664" cy="276999"/>
+          </a:xfrm>
+          <a:prstGeom prst="rect">
+            <a:avLst/>
+          </a:prstGeom>
+          <a:noFill/>
+        </p:spPr>
+        <p:txBody>
+          <a:bodyPr wrap="square" rtlCol="0">
+            <a:spAutoFit/>
+          </a:bodyPr>
+          <a:lstStyle/>
+          <a:p>
+            <a:pPr algn="r"/>
+            <a:r>
+              <a:rPr lang="en-US" sz="1200" dirty="0" smtClean="0">
+                <a:solidFill>
+                  <a:srgbClr val="808080"/>
+                </a:solidFill>
+                <a:latin typeface="Neo Sans Std Medium"/>
+                <a:cs typeface="Handwriting - Dakota"/>
+              </a:rPr>
+              <a:t>file: </a:t>
+            </a:r>
+            <a:r>
+              <a:rPr lang="en-US" sz="1200" dirty="0" err="1" smtClean="0">
+                <a:solidFill>
+                  <a:srgbClr val="808080"/>
+                </a:solidFill>
+                <a:latin typeface="Neo Sans Std Medium"/>
+                <a:cs typeface="Handwriting - Dakota"/>
+              </a:rPr>
+              <a:t>functional.clj</a:t>
+            </a:r>
+            <a:endParaRPr lang="en-US" sz="1200" dirty="0">
+              <a:solidFill>
+                <a:srgbClr val="808080"/>
+              </a:solidFill>
+              <a:latin typeface="Neo Sans Std Medium"/>
+              <a:cs typeface="Handwriting - Dakota"/>
+            </a:endParaRPr>
           </a:p>
         </p:txBody>
       </p:sp>
       <p:pic>
         <p:nvPicPr>
-          <p:cNvPr id="7" name="Picture 6"/>
+          <p:cNvPr id="14" name="Picture 13"/>
           <p:cNvPicPr>
             <a:picLocks noChangeAspect="1"/>
           </p:cNvPicPr>
@@ -5668,8 +6116,8 @@
         </p:blipFill>
         <p:spPr>
           <a:xfrm>
-            <a:off x="596900" y="1981200"/>
-            <a:ext cx="3441700" cy="2286000"/>
+            <a:off x="4724400" y="3124200"/>
+            <a:ext cx="2349500" cy="723900"/>
           </a:xfrm>
           <a:prstGeom prst="rect">
             <a:avLst/>
@@ -5678,7 +6126,7 @@
       </p:pic>
       <p:pic>
         <p:nvPicPr>
-          <p:cNvPr id="9" name="Picture 8"/>
+          <p:cNvPr id="16" name="Picture 15"/>
           <p:cNvPicPr>
             <a:picLocks noChangeAspect="1"/>
           </p:cNvPicPr>
@@ -5692,8 +6140,8 @@
         </p:blipFill>
         <p:spPr>
           <a:xfrm>
-            <a:off x="3520966" y="1752600"/>
-            <a:ext cx="6232634" cy="914400"/>
+            <a:off x="914400" y="2057400"/>
+            <a:ext cx="3086100" cy="2590800"/>
           </a:xfrm>
           <a:prstGeom prst="rect">
             <a:avLst/>
@@ -5702,7 +6150,7 @@
       </p:pic>
       <p:pic>
         <p:nvPicPr>
-          <p:cNvPr id="10" name="Picture 9"/>
+          <p:cNvPr id="18" name="Picture 17"/>
           <p:cNvPicPr>
             <a:picLocks noChangeAspect="1"/>
           </p:cNvPicPr>
@@ -5716,96 +6164,24 @@
         </p:blipFill>
         <p:spPr>
           <a:xfrm>
-            <a:off x="6324600" y="3124200"/>
-            <a:ext cx="2603500" cy="977900"/>
+            <a:off x="685800" y="5562600"/>
+            <a:ext cx="7670800" cy="317500"/>
           </a:xfrm>
           <a:prstGeom prst="rect">
             <a:avLst/>
           </a:prstGeom>
         </p:spPr>
       </p:pic>
-      <p:pic>
-        <p:nvPicPr>
-          <p:cNvPr id="11" name="Picture 10"/>
-          <p:cNvPicPr>
-            <a:picLocks noChangeAspect="1"/>
-          </p:cNvPicPr>
-          <p:nvPr/>
-        </p:nvPicPr>
-        <p:blipFill>
-          <a:blip r:embed="rId5"/>
-          <a:stretch>
-            <a:fillRect/>
-          </a:stretch>
-        </p:blipFill>
-        <p:spPr>
-          <a:xfrm>
-            <a:off x="762000" y="4648200"/>
-            <a:ext cx="6248400" cy="1638300"/>
-          </a:xfrm>
-          <a:prstGeom prst="rect">
-            <a:avLst/>
-          </a:prstGeom>
-        </p:spPr>
-      </p:pic>
-      <p:pic>
-        <p:nvPicPr>
-          <p:cNvPr id="8" name="Picture 7"/>
-          <p:cNvPicPr>
-            <a:picLocks noChangeAspect="1"/>
-          </p:cNvPicPr>
-          <p:nvPr/>
-        </p:nvPicPr>
-        <p:blipFill>
-          <a:blip r:embed="rId6"/>
-          <a:stretch>
-            <a:fillRect/>
-          </a:stretch>
-        </p:blipFill>
-        <p:spPr>
-          <a:xfrm>
-            <a:off x="3352800" y="2819400"/>
-            <a:ext cx="2349500" cy="723900"/>
-          </a:xfrm>
-          <a:prstGeom prst="rect">
-            <a:avLst/>
-          </a:prstGeom>
-        </p:spPr>
-      </p:pic>
-      <p:pic>
-        <p:nvPicPr>
-          <p:cNvPr id="12" name="Picture 11"/>
-          <p:cNvPicPr>
-            <a:picLocks noChangeAspect="1"/>
-          </p:cNvPicPr>
-          <p:nvPr/>
-        </p:nvPicPr>
-        <p:blipFill>
-          <a:blip r:embed="rId7"/>
-          <a:stretch>
-            <a:fillRect/>
-          </a:stretch>
-        </p:blipFill>
-        <p:spPr>
-          <a:xfrm>
-            <a:off x="4343400" y="4191000"/>
-            <a:ext cx="2501900" cy="1079500"/>
-          </a:xfrm>
-          <a:prstGeom prst="rect">
-            <a:avLst/>
-          </a:prstGeom>
-        </p:spPr>
-      </p:pic>
-      <p:sp>
-        <p:nvSpPr>
-          <p:cNvPr id="13" name="TextBox 12"/>
+      <p:sp>
+        <p:nvSpPr>
+          <p:cNvPr id="19" name="TextBox 18"/>
           <p:cNvSpPr txBox="1"/>
           <p:nvPr/>
         </p:nvSpPr>
         <p:spPr>
-          <a:xfrm>
-            <a:off x="1143000" y="6096000"/>
-            <a:ext cx="7322664" cy="276999"/>
+          <a:xfrm rot="381805">
+            <a:off x="5874327" y="5011356"/>
+            <a:ext cx="2734565" cy="461665"/>
           </a:xfrm>
           <a:prstGeom prst="rect">
             <a:avLst/>
@@ -5818,42 +6194,21 @@
           </a:bodyPr>
           <a:lstStyle/>
           <a:p>
-            <a:pPr algn="r"/>
             <a:r>
               <a:rPr lang="en-US" sz="1200" dirty="0" smtClean="0">
                 <a:solidFill>
                   <a:srgbClr val="808080"/>
                 </a:solidFill>
-                <a:latin typeface="Neo Sans Std Medium"/>
+                <a:latin typeface="Handwriting - Dakota"/>
                 <a:cs typeface="Handwriting - Dakota"/>
               </a:rPr>
-              <a:t>file:</a:t>
-            </a:r>
-            <a:r>
-              <a:rPr lang="en-US" sz="1200" dirty="0" smtClean="0">
-                <a:solidFill>
-                  <a:srgbClr val="808080"/>
-                </a:solidFill>
-                <a:latin typeface="Neo Sans Std Medium"/>
-                <a:cs typeface="Handwriting - Dakota"/>
-              </a:rPr>
-              <a:t> </a:t>
-            </a:r>
-            <a:r>
-              <a:rPr lang="en-US" sz="1200" dirty="0" err="1" smtClean="0">
-                <a:solidFill>
-                  <a:srgbClr val="808080"/>
-                </a:solidFill>
-                <a:latin typeface="Neo Sans Std Medium"/>
-                <a:cs typeface="Handwriting - Dakota"/>
-              </a:rPr>
-              <a:t>functional.clj</a:t>
+              <a:t>Incidentally this could also have been a modem connect string</a:t>
             </a:r>
             <a:endParaRPr lang="en-US" sz="1200" dirty="0">
               <a:solidFill>
                 <a:srgbClr val="808080"/>
               </a:solidFill>
-              <a:latin typeface="Neo Sans Std Medium"/>
+              <a:latin typeface="Handwriting - Dakota"/>
               <a:cs typeface="Handwriting - Dakota"/>
             </a:endParaRPr>
           </a:p>
@@ -5864,6 +6219,13 @@
   <p:clrMapOvr>
     <a:masterClrMapping/>
   </p:clrMapOvr>
+  <p:timing>
+    <p:tnLst>
+      <p:par>
+        <p:cTn id="1" dur="indefinite" restart="never" nodeType="tmRoot"/>
+      </p:par>
+    </p:tnLst>
+  </p:timing>
 </p:sld>
 </file>
 
@@ -5901,16 +6263,36 @@
           <a:p>
             <a:r>
               <a:rPr lang="en-US" dirty="0" smtClean="0"/>
-              <a:t>Simple and</a:t>
-            </a:r>
-            <a:r>
-              <a:rPr lang="en-US" dirty="0" smtClean="0"/>
-              <a:t> Concise</a:t>
+              <a:t>Functional Programming</a:t>
             </a:r>
             <a:endParaRPr lang="en-US" dirty="0"/>
           </a:p>
         </p:txBody>
       </p:sp>
+      <p:pic>
+        <p:nvPicPr>
+          <p:cNvPr id="9" name="Picture 8"/>
+          <p:cNvPicPr>
+            <a:picLocks noChangeAspect="1"/>
+          </p:cNvPicPr>
+          <p:nvPr/>
+        </p:nvPicPr>
+        <p:blipFill>
+          <a:blip r:embed="rId2"/>
+          <a:stretch>
+            <a:fillRect/>
+          </a:stretch>
+        </p:blipFill>
+        <p:spPr>
+          <a:xfrm>
+            <a:off x="1066800" y="1752600"/>
+            <a:ext cx="6232634" cy="914400"/>
+          </a:xfrm>
+          <a:prstGeom prst="rect">
+            <a:avLst/>
+          </a:prstGeom>
+        </p:spPr>
+      </p:pic>
       <p:pic>
         <p:nvPicPr>
           <p:cNvPr id="10" name="Picture 9"/>
@@ -5927,164 +6309,47 @@
         </p:blipFill>
         <p:spPr>
           <a:xfrm>
-            <a:off x="762000" y="1872312"/>
-            <a:ext cx="7315200" cy="3385488"/>
+            <a:off x="4953000" y="2895600"/>
+            <a:ext cx="2603500" cy="977900"/>
           </a:xfrm>
           <a:prstGeom prst="rect">
             <a:avLst/>
           </a:prstGeom>
         </p:spPr>
       </p:pic>
-      <p:sp>
-        <p:nvSpPr>
-          <p:cNvPr id="6" name="Text Placeholder 5"/>
-          <p:cNvSpPr>
-            <a:spLocks noGrp="1"/>
-          </p:cNvSpPr>
-          <p:nvPr>
-            <p:ph type="body" sz="quarter" idx="4294967295"/>
-          </p:nvPr>
-        </p:nvSpPr>
+      <p:pic>
+        <p:nvPicPr>
+          <p:cNvPr id="12" name="Picture 11"/>
+          <p:cNvPicPr>
+            <a:picLocks noChangeAspect="1"/>
+          </p:cNvPicPr>
+          <p:nvPr/>
+        </p:nvPicPr>
+        <p:blipFill>
+          <a:blip r:embed="rId4"/>
+          <a:stretch>
+            <a:fillRect/>
+          </a:stretch>
+        </p:blipFill>
         <p:spPr>
           <a:xfrm>
-            <a:off x="1600200" y="5181600"/>
-            <a:ext cx="6248400" cy="838200"/>
-          </a:xfrm>
-        </p:spPr>
-        <p:txBody>
-          <a:bodyPr/>
-          <a:lstStyle/>
-          <a:p>
-            <a:pPr>
-              <a:buNone/>
-            </a:pPr>
-            <a:r>
-              <a:rPr lang="en-US" sz="1800" kern="1200" dirty="0" smtClean="0">
-                <a:solidFill>
-                  <a:schemeClr val="tx1"/>
-                </a:solidFill>
-                <a:latin typeface="Courier New"/>
-                <a:ea typeface="ヒラギノ角ゴ Pro W3" pitchFamily="-80" charset="-128"/>
-                <a:cs typeface="Courier New"/>
-              </a:rPr>
-              <a:t>(</a:t>
-            </a:r>
-            <a:r>
-              <a:rPr lang="en-US" sz="1800" kern="1200" dirty="0" err="1" smtClean="0">
-                <a:solidFill>
-                  <a:schemeClr val="tx1"/>
-                </a:solidFill>
-                <a:latin typeface="Courier New"/>
-                <a:ea typeface="ヒラギノ角ゴ Pro W3" pitchFamily="-80" charset="-128"/>
-                <a:cs typeface="Courier New"/>
-              </a:rPr>
-              <a:t>defn</a:t>
-            </a:r>
-            <a:r>
-              <a:rPr lang="en-US" sz="1800" kern="1200" dirty="0" smtClean="0">
-                <a:solidFill>
-                  <a:schemeClr val="tx1"/>
-                </a:solidFill>
-                <a:latin typeface="Courier New"/>
-                <a:ea typeface="ヒラギノ角ゴ Pro W3" pitchFamily="-80" charset="-128"/>
-                <a:cs typeface="Courier New"/>
-              </a:rPr>
-              <a:t> blank? [</a:t>
-            </a:r>
-            <a:r>
-              <a:rPr lang="en-US" sz="1800" kern="1200" dirty="0" err="1" smtClean="0">
-                <a:solidFill>
-                  <a:schemeClr val="tx1"/>
-                </a:solidFill>
-                <a:latin typeface="Courier New"/>
-                <a:ea typeface="ヒラギノ角ゴ Pro W3" pitchFamily="-80" charset="-128"/>
-                <a:cs typeface="Courier New"/>
-              </a:rPr>
-              <a:t>s</a:t>
-            </a:r>
-            <a:r>
-              <a:rPr lang="en-US" sz="1800" kern="1200" dirty="0" smtClean="0">
-                <a:solidFill>
-                  <a:schemeClr val="tx1"/>
-                </a:solidFill>
-                <a:latin typeface="Courier New"/>
-                <a:ea typeface="ヒラギノ角ゴ Pro W3" pitchFamily="-80" charset="-128"/>
-                <a:cs typeface="Courier New"/>
-              </a:rPr>
-              <a:t>] </a:t>
-            </a:r>
-          </a:p>
-          <a:p>
-            <a:pPr>
-              <a:buNone/>
-            </a:pPr>
-            <a:r>
-              <a:rPr lang="en-US" sz="1800" kern="1200" dirty="0" smtClean="0">
-                <a:solidFill>
-                  <a:schemeClr val="tx1"/>
-                </a:solidFill>
-                <a:latin typeface="Courier New"/>
-                <a:ea typeface="ヒラギノ角ゴ Pro W3" pitchFamily="-80" charset="-128"/>
-                <a:cs typeface="Courier New"/>
-              </a:rPr>
-              <a:t> (every? #(Character/</a:t>
-            </a:r>
-            <a:r>
-              <a:rPr lang="en-US" sz="1800" kern="1200" dirty="0" err="1" smtClean="0">
-                <a:solidFill>
-                  <a:schemeClr val="tx1"/>
-                </a:solidFill>
-                <a:latin typeface="Courier New"/>
-                <a:ea typeface="ヒラギノ角ゴ Pro W3" pitchFamily="-80" charset="-128"/>
-                <a:cs typeface="Courier New"/>
-              </a:rPr>
-              <a:t>isWhitespace</a:t>
-            </a:r>
-            <a:r>
-              <a:rPr lang="en-US" sz="1800" kern="1200" dirty="0" smtClean="0">
-                <a:solidFill>
-                  <a:schemeClr val="tx1"/>
-                </a:solidFill>
-                <a:latin typeface="Courier New"/>
-                <a:ea typeface="ヒラギノ角ゴ Pro W3" pitchFamily="-80" charset="-128"/>
-                <a:cs typeface="Courier New"/>
-              </a:rPr>
-              <a:t> %) </a:t>
-            </a:r>
-            <a:r>
-              <a:rPr lang="en-US" sz="1800" kern="1200" dirty="0" err="1" smtClean="0">
-                <a:solidFill>
-                  <a:schemeClr val="tx1"/>
-                </a:solidFill>
-                <a:latin typeface="Courier New"/>
-                <a:ea typeface="ヒラギノ角ゴ Pro W3" pitchFamily="-80" charset="-128"/>
-                <a:cs typeface="Courier New"/>
-              </a:rPr>
-              <a:t>s</a:t>
-            </a:r>
-            <a:r>
-              <a:rPr lang="en-US" sz="1800" kern="1200" dirty="0" smtClean="0">
-                <a:solidFill>
-                  <a:schemeClr val="tx1"/>
-                </a:solidFill>
-                <a:latin typeface="Courier New"/>
-                <a:ea typeface="ヒラギノ角ゴ Pro W3" pitchFamily="-80" charset="-128"/>
-                <a:cs typeface="Courier New"/>
-              </a:rPr>
-              <a:t>))</a:t>
-            </a:r>
-          </a:p>
-        </p:txBody>
-      </p:sp>
-      <p:sp>
-        <p:nvSpPr>
-          <p:cNvPr id="11" name="TextBox 10"/>
+            <a:off x="1066800" y="2895600"/>
+            <a:ext cx="2501900" cy="1079500"/>
+          </a:xfrm>
+          <a:prstGeom prst="rect">
+            <a:avLst/>
+          </a:prstGeom>
+        </p:spPr>
+      </p:pic>
+      <p:sp>
+        <p:nvSpPr>
+          <p:cNvPr id="13" name="TextBox 12"/>
           <p:cNvSpPr txBox="1"/>
           <p:nvPr/>
         </p:nvSpPr>
         <p:spPr>
           <a:xfrm>
-            <a:off x="762000" y="6096000"/>
+            <a:off x="1143000" y="6096000"/>
             <a:ext cx="7322664" cy="276999"/>
           </a:xfrm>
           <a:prstGeom prst="rect">
@@ -6098,108 +6363,61 @@
           </a:bodyPr>
           <a:lstStyle/>
           <a:p>
+            <a:pPr algn="r"/>
             <a:r>
               <a:rPr lang="en-US" sz="1200" dirty="0" smtClean="0">
                 <a:solidFill>
                   <a:srgbClr val="808080"/>
                 </a:solidFill>
-                <a:latin typeface="Handwriting - Dakota"/>
+                <a:latin typeface="Neo Sans Std Medium"/>
                 <a:cs typeface="Handwriting - Dakota"/>
               </a:rPr>
-              <a:t>Source: Programming </a:t>
+              <a:t>file: </a:t>
             </a:r>
             <a:r>
               <a:rPr lang="en-US" sz="1200" dirty="0" err="1" smtClean="0">
                 <a:solidFill>
                   <a:srgbClr val="808080"/>
                 </a:solidFill>
-                <a:latin typeface="Handwriting - Dakota"/>
+                <a:latin typeface="Neo Sans Std Medium"/>
                 <a:cs typeface="Handwriting - Dakota"/>
               </a:rPr>
-              <a:t>Clojure</a:t>
-            </a:r>
-            <a:r>
-              <a:rPr lang="en-US" sz="1200" dirty="0" smtClean="0">
-                <a:solidFill>
-                  <a:srgbClr val="808080"/>
-                </a:solidFill>
-                <a:latin typeface="Handwriting - Dakota"/>
-                <a:cs typeface="Handwriting - Dakota"/>
-              </a:rPr>
-              <a:t> by Stuart </a:t>
-            </a:r>
-            <a:r>
-              <a:rPr lang="en-US" sz="1200" dirty="0" err="1" smtClean="0">
-                <a:solidFill>
-                  <a:srgbClr val="808080"/>
-                </a:solidFill>
-                <a:latin typeface="Handwriting - Dakota"/>
-                <a:cs typeface="Handwriting - Dakota"/>
-              </a:rPr>
-              <a:t>Halloway</a:t>
-            </a:r>
-            <a:r>
-              <a:rPr lang="en-US" sz="1200" dirty="0" smtClean="0">
-                <a:solidFill>
-                  <a:srgbClr val="808080"/>
-                </a:solidFill>
-                <a:latin typeface="Handwriting - Dakota"/>
-                <a:cs typeface="Handwriting - Dakota"/>
-              </a:rPr>
-              <a:t> (Pragmatic Programmers, 2009)</a:t>
+              <a:t>functional.clj</a:t>
             </a:r>
             <a:endParaRPr lang="en-US" sz="1200" dirty="0">
               <a:solidFill>
                 <a:srgbClr val="808080"/>
               </a:solidFill>
-              <a:latin typeface="Handwriting - Dakota"/>
+              <a:latin typeface="Neo Sans Std Medium"/>
               <a:cs typeface="Handwriting - Dakota"/>
             </a:endParaRPr>
           </a:p>
         </p:txBody>
       </p:sp>
-      <p:sp>
-        <p:nvSpPr>
-          <p:cNvPr id="12" name="TextBox 11"/>
-          <p:cNvSpPr txBox="1"/>
+      <p:pic>
+        <p:nvPicPr>
+          <p:cNvPr id="14" name="Picture 13"/>
+          <p:cNvPicPr>
+            <a:picLocks noChangeAspect="1"/>
+          </p:cNvPicPr>
           <p:nvPr/>
-        </p:nvSpPr>
+        </p:nvPicPr>
+        <p:blipFill>
+          <a:blip r:embed="rId5"/>
+          <a:stretch>
+            <a:fillRect/>
+          </a:stretch>
+        </p:blipFill>
         <p:spPr>
-          <a:xfrm rot="2217189">
-            <a:off x="6623379" y="2344798"/>
-            <a:ext cx="2482216" cy="830997"/>
+          <a:xfrm>
+            <a:off x="1066800" y="4343400"/>
+            <a:ext cx="5905500" cy="1485900"/>
           </a:xfrm>
           <a:prstGeom prst="rect">
             <a:avLst/>
           </a:prstGeom>
-          <a:noFill/>
-        </p:spPr>
-        <p:txBody>
-          <a:bodyPr wrap="square" rtlCol="0">
-            <a:spAutoFit/>
-          </a:bodyPr>
-          <a:lstStyle/>
-          <a:p>
-            <a:r>
-              <a:rPr lang="en-US" dirty="0" smtClean="0">
-                <a:solidFill>
-                  <a:srgbClr val="808080"/>
-                </a:solidFill>
-                <a:latin typeface="Handwriting - Dakota"/>
-                <a:cs typeface="Handwriting - Dakota"/>
-              </a:rPr>
-              <a:t>This makes my eyes hurt!</a:t>
-            </a:r>
-            <a:endParaRPr lang="en-US" dirty="0">
-              <a:solidFill>
-                <a:srgbClr val="808080"/>
-              </a:solidFill>
-              <a:latin typeface="Handwriting - Dakota"/>
-              <a:cs typeface="Handwriting - Dakota"/>
-            </a:endParaRPr>
-          </a:p>
-        </p:txBody>
-      </p:sp>
+        </p:spPr>
+      </p:pic>
     </p:spTree>
   </p:cSld>
   <p:clrMapOvr>
@@ -6234,203 +6452,9 @@
       </p:grpSpPr>
       <p:sp>
         <p:nvSpPr>
-          <p:cNvPr id="34" name="Rectangle 33"/>
-          <p:cNvSpPr/>
-          <p:nvPr/>
-        </p:nvSpPr>
-        <p:spPr bwMode="auto">
-          <a:xfrm>
-            <a:off x="4876800" y="3657600"/>
-            <a:ext cx="2590800" cy="685800"/>
-          </a:xfrm>
-          <a:prstGeom prst="rect">
-            <a:avLst/>
-          </a:prstGeom>
-          <a:solidFill>
-            <a:schemeClr val="bg2">
-              <a:lumMod val="20000"/>
-              <a:lumOff val="80000"/>
-            </a:schemeClr>
-          </a:solidFill>
-          <a:ln w="9525" cap="flat" cmpd="sng" algn="ctr">
-            <a:solidFill>
-              <a:schemeClr val="tx1"/>
-            </a:solidFill>
-            <a:prstDash val="solid"/>
-            <a:round/>
-            <a:headEnd type="none" w="med" len="med"/>
-            <a:tailEnd type="none" w="med" len="med"/>
-          </a:ln>
-          <a:effectLst/>
-        </p:spPr>
-        <p:txBody>
-          <a:bodyPr vert="horz" wrap="square" lIns="91440" tIns="45720" rIns="91440" bIns="45720" numCol="1" rtlCol="0" anchor="t" anchorCtr="0" compatLnSpc="1">
-            <a:prstTxWarp prst="textNoShape">
-              <a:avLst/>
-            </a:prstTxWarp>
-          </a:bodyPr>
-          <a:lstStyle/>
-          <a:p>
-            <a:pPr marL="0" marR="0" indent="0" algn="l" defTabSz="914400" rtl="0" eaLnBrk="0" fontAlgn="base" latinLnBrk="0" hangingPunct="0">
-              <a:lnSpc>
-                <a:spcPct val="100000"/>
-              </a:lnSpc>
-              <a:spcBef>
-                <a:spcPct val="0"/>
-              </a:spcBef>
-              <a:spcAft>
-                <a:spcPct val="0"/>
-              </a:spcAft>
-              <a:buClrTx/>
-              <a:buSzTx/>
-              <a:buFontTx/>
-              <a:buNone/>
-              <a:tabLst/>
-            </a:pPr>
-            <a:endParaRPr kumimoji="0" lang="en-US" sz="2400" b="0" i="0" u="none" strike="noStrike" cap="none" normalizeH="0" baseline="0" dirty="0" smtClean="0">
-              <a:ln>
-                <a:noFill/>
-              </a:ln>
-              <a:solidFill>
-                <a:schemeClr val="tx1"/>
-              </a:solidFill>
-              <a:effectLst/>
-              <a:latin typeface="Neo Sans Std"/>
-              <a:ea typeface="ヒラギノ角ゴ Pro W3" pitchFamily="-80" charset="-128"/>
-            </a:endParaRPr>
-          </a:p>
-        </p:txBody>
-      </p:sp>
-      <p:sp>
-        <p:nvSpPr>
-          <p:cNvPr id="4099" name="Rectangle 3"/>
+          <p:cNvPr id="2" name="Title 1"/>
           <p:cNvSpPr>
-            <a:spLocks noGrp="1" noChangeArrowheads="1"/>
-          </p:cNvSpPr>
-          <p:nvPr>
-            <p:ph type="body" idx="1"/>
-          </p:nvPr>
-        </p:nvSpPr>
-        <p:spPr/>
-        <p:txBody>
-          <a:bodyPr/>
-          <a:lstStyle/>
-          <a:p>
-            <a:pPr eaLnBrk="1" hangingPunct="1"/>
-            <a:r>
-              <a:rPr lang="da-DK" dirty="0" err="1" smtClean="0"/>
-              <a:t>Immutable</a:t>
-            </a:r>
-            <a:endParaRPr lang="da-DK" dirty="0" smtClean="0"/>
-          </a:p>
-          <a:p>
-            <a:pPr eaLnBrk="1" hangingPunct="1"/>
-            <a:r>
-              <a:rPr lang="da-DK" dirty="0" err="1" smtClean="0"/>
-              <a:t>Persistent</a:t>
-            </a:r>
-            <a:r>
-              <a:rPr lang="da-DK" dirty="0" smtClean="0"/>
-              <a:t> (</a:t>
-            </a:r>
-            <a:r>
-              <a:rPr lang="da-DK" dirty="0" err="1" smtClean="0"/>
-              <a:t>struktural</a:t>
-            </a:r>
-            <a:r>
-              <a:rPr lang="da-DK" dirty="0" smtClean="0"/>
-              <a:t> </a:t>
-            </a:r>
-            <a:r>
-              <a:rPr lang="da-DK" dirty="0" err="1" smtClean="0"/>
-              <a:t>sharing</a:t>
-            </a:r>
-            <a:r>
-              <a:rPr lang="da-DK" dirty="0" smtClean="0"/>
-              <a:t>, not </a:t>
-            </a:r>
-            <a:r>
-              <a:rPr lang="da-DK" dirty="0" err="1" smtClean="0"/>
-              <a:t>copying</a:t>
-            </a:r>
-            <a:r>
-              <a:rPr lang="da-DK" dirty="0" smtClean="0"/>
-              <a:t>)</a:t>
-            </a:r>
-          </a:p>
-          <a:p>
-            <a:pPr eaLnBrk="1" hangingPunct="1">
-              <a:buNone/>
-            </a:pPr>
-            <a:endParaRPr lang="da-DK" dirty="0" smtClean="0"/>
-          </a:p>
-          <a:p>
-            <a:pPr eaLnBrk="1" hangingPunct="1">
-              <a:buNone/>
-            </a:pPr>
-            <a:endParaRPr lang="da-DK" dirty="0" smtClean="0"/>
-          </a:p>
-          <a:p>
-            <a:pPr eaLnBrk="1" hangingPunct="1">
-              <a:buNone/>
-            </a:pPr>
-            <a:endParaRPr lang="da-DK" dirty="0" smtClean="0"/>
-          </a:p>
-          <a:p>
-            <a:pPr eaLnBrk="1" hangingPunct="1"/>
-            <a:r>
-              <a:rPr lang="da-DK" dirty="0" err="1" smtClean="0"/>
-              <a:t>Simpler</a:t>
-            </a:r>
-            <a:r>
-              <a:rPr lang="da-DK" dirty="0" smtClean="0"/>
-              <a:t> </a:t>
-            </a:r>
-            <a:r>
-              <a:rPr lang="da-DK" dirty="0" err="1" smtClean="0"/>
-              <a:t>code</a:t>
-            </a:r>
-            <a:endParaRPr lang="da-DK" dirty="0" smtClean="0"/>
-          </a:p>
-          <a:p>
-            <a:pPr eaLnBrk="1" hangingPunct="1"/>
-            <a:r>
-              <a:rPr lang="da-DK" dirty="0" err="1" smtClean="0"/>
-              <a:t>Less</a:t>
-            </a:r>
-            <a:r>
-              <a:rPr lang="da-DK" dirty="0" smtClean="0"/>
-              <a:t> </a:t>
-            </a:r>
-            <a:r>
-              <a:rPr lang="da-DK" dirty="0" err="1" smtClean="0"/>
-              <a:t>concurrency</a:t>
-            </a:r>
-            <a:r>
-              <a:rPr lang="da-DK" dirty="0" smtClean="0"/>
-              <a:t> </a:t>
-            </a:r>
-            <a:r>
-              <a:rPr lang="da-DK" dirty="0" err="1" smtClean="0"/>
-              <a:t>issues</a:t>
-            </a:r>
-            <a:endParaRPr lang="da-DK" dirty="0" smtClean="0"/>
-          </a:p>
-          <a:p>
-            <a:pPr eaLnBrk="1" hangingPunct="1"/>
-            <a:endParaRPr lang="da-DK" dirty="0" smtClean="0"/>
-          </a:p>
-          <a:p>
-            <a:pPr eaLnBrk="1" hangingPunct="1"/>
-            <a:endParaRPr lang="da-DK" dirty="0" smtClean="0"/>
-          </a:p>
-        </p:txBody>
-      </p:sp>
-      <p:sp>
-        <p:nvSpPr>
-          <p:cNvPr id="4098" name="Rectangle 2"/>
-          <p:cNvSpPr>
-            <a:spLocks noGrp="1" noChangeArrowheads="1"/>
+            <a:spLocks noGrp="1"/>
           </p:cNvSpPr>
           <p:nvPr>
             <p:ph type="title"/>
@@ -6441,48 +6465,189 @@
           <a:bodyPr/>
           <a:lstStyle/>
           <a:p>
-            <a:pPr eaLnBrk="1" hangingPunct="1"/>
-            <a:r>
-              <a:rPr lang="da-DK" dirty="0" smtClean="0"/>
-              <a:t>”State – </a:t>
-            </a:r>
-            <a:r>
-              <a:rPr lang="da-DK" dirty="0" err="1" smtClean="0"/>
-              <a:t>you’re</a:t>
-            </a:r>
-            <a:r>
-              <a:rPr lang="da-DK" dirty="0" smtClean="0"/>
-              <a:t> </a:t>
-            </a:r>
-            <a:r>
-              <a:rPr lang="da-DK" dirty="0" err="1" smtClean="0"/>
-              <a:t>doing</a:t>
-            </a:r>
-            <a:r>
-              <a:rPr lang="da-DK" dirty="0" smtClean="0"/>
-              <a:t> it </a:t>
-            </a:r>
-            <a:r>
-              <a:rPr lang="da-DK" dirty="0" err="1" smtClean="0"/>
-              <a:t>wrong</a:t>
-            </a:r>
-            <a:r>
-              <a:rPr lang="da-DK" dirty="0" smtClean="0"/>
-              <a:t>”</a:t>
-            </a:r>
-          </a:p>
-        </p:txBody>
-      </p:sp>
-      <p:sp>
-        <p:nvSpPr>
-          <p:cNvPr id="6" name="TextBox 5"/>
+            <a:r>
+              <a:rPr lang="en-US" dirty="0" smtClean="0"/>
+              <a:t>Simple and Concise</a:t>
+            </a:r>
+            <a:endParaRPr lang="en-US" dirty="0"/>
+          </a:p>
+        </p:txBody>
+      </p:sp>
+      <p:pic>
+        <p:nvPicPr>
+          <p:cNvPr id="10" name="Picture 9"/>
+          <p:cNvPicPr>
+            <a:picLocks noChangeAspect="1"/>
+          </p:cNvPicPr>
+          <p:nvPr/>
+        </p:nvPicPr>
+        <p:blipFill>
+          <a:blip r:embed="rId3"/>
+          <a:stretch>
+            <a:fillRect/>
+          </a:stretch>
+        </p:blipFill>
+        <p:spPr>
+          <a:xfrm>
+            <a:off x="762000" y="1872312"/>
+            <a:ext cx="7315200" cy="3385488"/>
+          </a:xfrm>
+          <a:prstGeom prst="rect">
+            <a:avLst/>
+          </a:prstGeom>
+        </p:spPr>
+      </p:pic>
+      <p:sp>
+        <p:nvSpPr>
+          <p:cNvPr id="6" name="Text Placeholder 5"/>
+          <p:cNvSpPr>
+            <a:spLocks noGrp="1"/>
+          </p:cNvSpPr>
+          <p:nvPr>
+            <p:ph type="body" sz="quarter" idx="4294967295"/>
+          </p:nvPr>
+        </p:nvSpPr>
+        <p:spPr>
+          <a:xfrm>
+            <a:off x="1600200" y="5181600"/>
+            <a:ext cx="6248400" cy="838200"/>
+          </a:xfrm>
+        </p:spPr>
+        <p:txBody>
+          <a:bodyPr/>
+          <a:lstStyle/>
+          <a:p>
+            <a:pPr>
+              <a:buNone/>
+            </a:pPr>
+            <a:r>
+              <a:rPr lang="en-US" sz="1800" b="1" kern="1200" dirty="0" smtClean="0">
+                <a:solidFill>
+                  <a:schemeClr val="tx1"/>
+                </a:solidFill>
+                <a:latin typeface="Courier New"/>
+                <a:ea typeface="ヒラギノ角ゴ Pro W3" pitchFamily="-80" charset="-128"/>
+                <a:cs typeface="Courier New"/>
+              </a:rPr>
+              <a:t>(</a:t>
+            </a:r>
+            <a:r>
+              <a:rPr lang="en-US" sz="1800" b="1" kern="1200" dirty="0" err="1" smtClean="0">
+                <a:solidFill>
+                  <a:schemeClr val="tx1"/>
+                </a:solidFill>
+                <a:latin typeface="Courier New"/>
+                <a:ea typeface="ヒラギノ角ゴ Pro W3" pitchFamily="-80" charset="-128"/>
+                <a:cs typeface="Courier New"/>
+              </a:rPr>
+              <a:t>defn</a:t>
+            </a:r>
+            <a:r>
+              <a:rPr lang="en-US" sz="1800" b="1" kern="1200" dirty="0" smtClean="0">
+                <a:solidFill>
+                  <a:schemeClr val="tx1"/>
+                </a:solidFill>
+                <a:latin typeface="Courier New"/>
+                <a:ea typeface="ヒラギノ角ゴ Pro W3" pitchFamily="-80" charset="-128"/>
+                <a:cs typeface="Courier New"/>
+              </a:rPr>
+              <a:t> blank? [</a:t>
+            </a:r>
+            <a:r>
+              <a:rPr lang="en-US" sz="1800" b="1" kern="1200" dirty="0" err="1" smtClean="0">
+                <a:solidFill>
+                  <a:schemeClr val="tx1"/>
+                </a:solidFill>
+                <a:latin typeface="Courier New"/>
+                <a:ea typeface="ヒラギノ角ゴ Pro W3" pitchFamily="-80" charset="-128"/>
+                <a:cs typeface="Courier New"/>
+              </a:rPr>
+              <a:t>s</a:t>
+            </a:r>
+            <a:r>
+              <a:rPr lang="en-US" sz="1800" b="1" kern="1200" dirty="0" smtClean="0">
+                <a:solidFill>
+                  <a:schemeClr val="tx1"/>
+                </a:solidFill>
+                <a:latin typeface="Courier New"/>
+                <a:ea typeface="ヒラギノ角ゴ Pro W3" pitchFamily="-80" charset="-128"/>
+                <a:cs typeface="Courier New"/>
+              </a:rPr>
+              <a:t>] </a:t>
+            </a:r>
+          </a:p>
+          <a:p>
+            <a:pPr>
+              <a:buNone/>
+            </a:pPr>
+            <a:r>
+              <a:rPr lang="en-US" sz="1800" b="1" kern="1200" dirty="0" smtClean="0">
+                <a:solidFill>
+                  <a:schemeClr val="tx1"/>
+                </a:solidFill>
+                <a:latin typeface="Courier New"/>
+                <a:ea typeface="ヒラギノ角ゴ Pro W3" pitchFamily="-80" charset="-128"/>
+                <a:cs typeface="Courier New"/>
+              </a:rPr>
+              <a:t> (every? #(Character/</a:t>
+            </a:r>
+            <a:r>
+              <a:rPr lang="en-US" sz="1800" b="1" kern="1200" dirty="0" err="1" smtClean="0">
+                <a:solidFill>
+                  <a:schemeClr val="tx1"/>
+                </a:solidFill>
+                <a:latin typeface="Courier New"/>
+                <a:ea typeface="ヒラギノ角ゴ Pro W3" pitchFamily="-80" charset="-128"/>
+                <a:cs typeface="Courier New"/>
+              </a:rPr>
+              <a:t>isWhitespace</a:t>
+            </a:r>
+            <a:r>
+              <a:rPr lang="en-US" sz="1800" b="1" kern="1200" dirty="0" smtClean="0">
+                <a:solidFill>
+                  <a:schemeClr val="tx1"/>
+                </a:solidFill>
+                <a:latin typeface="Courier New"/>
+                <a:ea typeface="ヒラギノ角ゴ Pro W3" pitchFamily="-80" charset="-128"/>
+                <a:cs typeface="Courier New"/>
+              </a:rPr>
+              <a:t> %) </a:t>
+            </a:r>
+            <a:r>
+              <a:rPr lang="en-US" sz="1800" b="1" kern="1200" dirty="0" err="1" smtClean="0">
+                <a:solidFill>
+                  <a:schemeClr val="tx1"/>
+                </a:solidFill>
+                <a:latin typeface="Courier New"/>
+                <a:ea typeface="ヒラギノ角ゴ Pro W3" pitchFamily="-80" charset="-128"/>
+                <a:cs typeface="Courier New"/>
+              </a:rPr>
+              <a:t>s</a:t>
+            </a:r>
+            <a:r>
+              <a:rPr lang="en-US" sz="1800" b="1" kern="1200" dirty="0" smtClean="0">
+                <a:solidFill>
+                  <a:schemeClr val="tx1"/>
+                </a:solidFill>
+                <a:latin typeface="Courier New"/>
+                <a:ea typeface="ヒラギノ角ゴ Pro W3" pitchFamily="-80" charset="-128"/>
+                <a:cs typeface="Courier New"/>
+              </a:rPr>
+              <a:t>))</a:t>
+            </a:r>
+          </a:p>
+        </p:txBody>
+      </p:sp>
+      <p:sp>
+        <p:nvSpPr>
+          <p:cNvPr id="11" name="TextBox 10"/>
           <p:cNvSpPr txBox="1"/>
           <p:nvPr/>
         </p:nvSpPr>
         <p:spPr>
           <a:xfrm>
-            <a:off x="762000" y="3505200"/>
-            <a:ext cx="2971800" cy="646331"/>
+            <a:off x="762000" y="6096000"/>
+            <a:ext cx="7322664" cy="276999"/>
           </a:xfrm>
           <a:prstGeom prst="rect">
             <a:avLst/>
@@ -6495,542 +6660,76 @@
           </a:bodyPr>
           <a:lstStyle/>
           <a:p>
-            <a:pPr eaLnBrk="1" hangingPunct="1">
-              <a:buNone/>
-            </a:pPr>
-            <a:r>
-              <a:rPr lang="en-US" sz="1800" dirty="0" smtClean="0">
-                <a:latin typeface="Courier New"/>
-                <a:cs typeface="Courier New"/>
-              </a:rPr>
-              <a:t>(def </a:t>
-            </a:r>
-            <a:r>
-              <a:rPr lang="en-US" sz="1800" b="1" dirty="0" smtClean="0">
-                <a:latin typeface="Courier New"/>
-                <a:cs typeface="Courier New"/>
-              </a:rPr>
-              <a:t>a</a:t>
-            </a:r>
-            <a:r>
-              <a:rPr lang="en-US" sz="1800" dirty="0" smtClean="0">
-                <a:latin typeface="Courier New"/>
-                <a:cs typeface="Courier New"/>
-              </a:rPr>
-              <a:t> (list 1 2 3))</a:t>
-            </a:r>
-          </a:p>
-          <a:p>
-            <a:pPr eaLnBrk="1" hangingPunct="1">
-              <a:buNone/>
-            </a:pPr>
-            <a:r>
-              <a:rPr lang="en-US" sz="1800" dirty="0" smtClean="0">
-                <a:latin typeface="Courier New"/>
-                <a:cs typeface="Courier New"/>
-              </a:rPr>
-              <a:t>(def </a:t>
-            </a:r>
-            <a:r>
-              <a:rPr lang="en-US" sz="1800" b="1" dirty="0" err="1" smtClean="0">
-                <a:latin typeface="Courier New"/>
-                <a:cs typeface="Courier New"/>
-              </a:rPr>
-              <a:t>b</a:t>
-            </a:r>
-            <a:r>
-              <a:rPr lang="en-US" sz="1800" dirty="0" smtClean="0">
-                <a:latin typeface="Courier New"/>
-                <a:cs typeface="Courier New"/>
-              </a:rPr>
-              <a:t> (rest a))</a:t>
-            </a:r>
-            <a:endParaRPr lang="en-US" sz="1800" dirty="0">
-              <a:latin typeface="Courier New"/>
-              <a:cs typeface="Courier New"/>
+            <a:r>
+              <a:rPr lang="en-US" sz="1200" dirty="0" smtClean="0">
+                <a:solidFill>
+                  <a:srgbClr val="808080"/>
+                </a:solidFill>
+                <a:latin typeface="Handwriting - Dakota"/>
+                <a:cs typeface="Handwriting - Dakota"/>
+              </a:rPr>
+              <a:t>Source: Programming </a:t>
+            </a:r>
+            <a:r>
+              <a:rPr lang="en-US" sz="1200" dirty="0" err="1" smtClean="0">
+                <a:solidFill>
+                  <a:srgbClr val="808080"/>
+                </a:solidFill>
+                <a:latin typeface="Handwriting - Dakota"/>
+                <a:cs typeface="Handwriting - Dakota"/>
+              </a:rPr>
+              <a:t>Clojure</a:t>
+            </a:r>
+            <a:r>
+              <a:rPr lang="en-US" sz="1200" dirty="0" smtClean="0">
+                <a:solidFill>
+                  <a:srgbClr val="808080"/>
+                </a:solidFill>
+                <a:latin typeface="Handwriting - Dakota"/>
+                <a:cs typeface="Handwriting - Dakota"/>
+              </a:rPr>
+              <a:t> by Stuart </a:t>
+            </a:r>
+            <a:r>
+              <a:rPr lang="en-US" sz="1200" dirty="0" err="1" smtClean="0">
+                <a:solidFill>
+                  <a:srgbClr val="808080"/>
+                </a:solidFill>
+                <a:latin typeface="Handwriting - Dakota"/>
+                <a:cs typeface="Handwriting - Dakota"/>
+              </a:rPr>
+              <a:t>Halloway</a:t>
+            </a:r>
+            <a:r>
+              <a:rPr lang="en-US" sz="1200" dirty="0" smtClean="0">
+                <a:solidFill>
+                  <a:srgbClr val="808080"/>
+                </a:solidFill>
+                <a:latin typeface="Handwriting - Dakota"/>
+                <a:cs typeface="Handwriting - Dakota"/>
+              </a:rPr>
+              <a:t> (Pragmatic Programmers, 2009)</a:t>
+            </a:r>
+            <a:endParaRPr lang="en-US" sz="1200" dirty="0">
+              <a:solidFill>
+                <a:srgbClr val="808080"/>
+              </a:solidFill>
+              <a:latin typeface="Handwriting - Dakota"/>
+              <a:cs typeface="Handwriting - Dakota"/>
             </a:endParaRPr>
           </a:p>
         </p:txBody>
       </p:sp>
       <p:sp>
         <p:nvSpPr>
-          <p:cNvPr id="7" name="Rectangle 6"/>
-          <p:cNvSpPr/>
-          <p:nvPr/>
-        </p:nvSpPr>
-        <p:spPr bwMode="auto">
-          <a:xfrm>
-            <a:off x="5029200" y="3733800"/>
-            <a:ext cx="381000" cy="533400"/>
-          </a:xfrm>
-          <a:prstGeom prst="rect">
-            <a:avLst/>
-          </a:prstGeom>
-          <a:solidFill>
-            <a:srgbClr val="D1E318"/>
-          </a:solidFill>
-          <a:ln w="9525" cap="flat" cmpd="sng" algn="ctr">
-            <a:solidFill>
-              <a:schemeClr val="tx1"/>
-            </a:solidFill>
-            <a:prstDash val="solid"/>
-            <a:round/>
-            <a:headEnd type="none" w="med" len="med"/>
-            <a:tailEnd type="none" w="med" len="med"/>
-          </a:ln>
-          <a:effectLst/>
-        </p:spPr>
-        <p:txBody>
-          <a:bodyPr vert="horz" wrap="square" lIns="91440" tIns="45720" rIns="91440" bIns="45720" numCol="1" rtlCol="0" anchor="t" anchorCtr="0" compatLnSpc="1">
-            <a:prstTxWarp prst="textNoShape">
-              <a:avLst/>
-            </a:prstTxWarp>
-          </a:bodyPr>
-          <a:lstStyle/>
-          <a:p>
-            <a:pPr marL="0" marR="0" indent="0" algn="l" defTabSz="914400" rtl="0" eaLnBrk="0" fontAlgn="base" latinLnBrk="0" hangingPunct="0">
-              <a:lnSpc>
-                <a:spcPct val="100000"/>
-              </a:lnSpc>
-              <a:spcBef>
-                <a:spcPct val="0"/>
-              </a:spcBef>
-              <a:spcAft>
-                <a:spcPct val="0"/>
-              </a:spcAft>
-              <a:buClrTx/>
-              <a:buSzTx/>
-              <a:buFontTx/>
-              <a:buNone/>
-              <a:tabLst/>
-            </a:pPr>
-            <a:r>
-              <a:rPr kumimoji="0" lang="en-US" sz="2400" b="0" i="0" u="none" strike="noStrike" cap="none" normalizeH="0" baseline="0" dirty="0" smtClean="0">
-                <a:ln>
-                  <a:noFill/>
-                </a:ln>
-                <a:solidFill>
-                  <a:schemeClr val="tx1"/>
-                </a:solidFill>
-                <a:effectLst/>
-                <a:latin typeface="Neo Sans Std"/>
-                <a:ea typeface="ヒラギノ角ゴ Pro W3" pitchFamily="-80" charset="-128"/>
-              </a:rPr>
-              <a:t>1</a:t>
-            </a:r>
-          </a:p>
-        </p:txBody>
-      </p:sp>
-      <p:sp>
-        <p:nvSpPr>
-          <p:cNvPr id="8" name="Rectangle 7"/>
-          <p:cNvSpPr/>
-          <p:nvPr/>
-        </p:nvSpPr>
-        <p:spPr bwMode="auto">
-          <a:xfrm>
-            <a:off x="5943600" y="3733800"/>
-            <a:ext cx="381000" cy="533400"/>
-          </a:xfrm>
-          <a:prstGeom prst="rect">
-            <a:avLst/>
-          </a:prstGeom>
-          <a:solidFill>
-            <a:srgbClr val="D1E318"/>
-          </a:solidFill>
-          <a:ln w="9525" cap="flat" cmpd="sng" algn="ctr">
-            <a:solidFill>
-              <a:schemeClr val="tx1"/>
-            </a:solidFill>
-            <a:prstDash val="solid"/>
-            <a:round/>
-            <a:headEnd type="none" w="med" len="med"/>
-            <a:tailEnd type="none" w="med" len="med"/>
-          </a:ln>
-          <a:effectLst/>
-        </p:spPr>
-        <p:txBody>
-          <a:bodyPr vert="horz" wrap="square" lIns="91440" tIns="45720" rIns="91440" bIns="45720" numCol="1" rtlCol="0" anchor="t" anchorCtr="0" compatLnSpc="1">
-            <a:prstTxWarp prst="textNoShape">
-              <a:avLst/>
-            </a:prstTxWarp>
-          </a:bodyPr>
-          <a:lstStyle/>
-          <a:p>
-            <a:pPr marL="0" marR="0" indent="0" algn="l" defTabSz="914400" rtl="0" eaLnBrk="0" fontAlgn="base" latinLnBrk="0" hangingPunct="0">
-              <a:lnSpc>
-                <a:spcPct val="100000"/>
-              </a:lnSpc>
-              <a:spcBef>
-                <a:spcPct val="0"/>
-              </a:spcBef>
-              <a:spcAft>
-                <a:spcPct val="0"/>
-              </a:spcAft>
-              <a:buClrTx/>
-              <a:buSzTx/>
-              <a:buFontTx/>
-              <a:buNone/>
-              <a:tabLst/>
-            </a:pPr>
-            <a:r>
-              <a:rPr lang="en-US" dirty="0" smtClean="0">
-                <a:latin typeface="Neo Sans Std"/>
-              </a:rPr>
-              <a:t>2</a:t>
-            </a:r>
-            <a:endParaRPr kumimoji="0" lang="en-US" sz="2400" b="0" i="0" u="none" strike="noStrike" cap="none" normalizeH="0" baseline="0" dirty="0" smtClean="0">
-              <a:ln>
-                <a:noFill/>
-              </a:ln>
-              <a:solidFill>
-                <a:schemeClr val="tx1"/>
-              </a:solidFill>
-              <a:effectLst/>
-              <a:latin typeface="Neo Sans Std"/>
-              <a:ea typeface="ヒラギノ角ゴ Pro W3" pitchFamily="-80" charset="-128"/>
-            </a:endParaRPr>
-          </a:p>
-        </p:txBody>
-      </p:sp>
-      <p:sp>
-        <p:nvSpPr>
-          <p:cNvPr id="9" name="Rectangle 8"/>
-          <p:cNvSpPr/>
-          <p:nvPr/>
-        </p:nvSpPr>
-        <p:spPr bwMode="auto">
-          <a:xfrm>
-            <a:off x="6934200" y="3733800"/>
-            <a:ext cx="381000" cy="533400"/>
-          </a:xfrm>
-          <a:prstGeom prst="rect">
-            <a:avLst/>
-          </a:prstGeom>
-          <a:solidFill>
-            <a:srgbClr val="D1E318"/>
-          </a:solidFill>
-          <a:ln w="9525" cap="flat" cmpd="sng" algn="ctr">
-            <a:solidFill>
-              <a:schemeClr val="tx1"/>
-            </a:solidFill>
-            <a:prstDash val="solid"/>
-            <a:round/>
-            <a:headEnd type="none" w="med" len="med"/>
-            <a:tailEnd type="none" w="med" len="med"/>
-          </a:ln>
-          <a:effectLst/>
-        </p:spPr>
-        <p:txBody>
-          <a:bodyPr vert="horz" wrap="square" lIns="91440" tIns="45720" rIns="91440" bIns="45720" numCol="1" rtlCol="0" anchor="t" anchorCtr="0" compatLnSpc="1">
-            <a:prstTxWarp prst="textNoShape">
-              <a:avLst/>
-            </a:prstTxWarp>
-          </a:bodyPr>
-          <a:lstStyle/>
-          <a:p>
-            <a:pPr marL="0" marR="0" indent="0" algn="l" defTabSz="914400" rtl="0" eaLnBrk="0" fontAlgn="base" latinLnBrk="0" hangingPunct="0">
-              <a:lnSpc>
-                <a:spcPct val="100000"/>
-              </a:lnSpc>
-              <a:spcBef>
-                <a:spcPct val="0"/>
-              </a:spcBef>
-              <a:spcAft>
-                <a:spcPct val="0"/>
-              </a:spcAft>
-              <a:buClrTx/>
-              <a:buSzTx/>
-              <a:buFontTx/>
-              <a:buNone/>
-              <a:tabLst/>
-            </a:pPr>
-            <a:r>
-              <a:rPr lang="en-US" dirty="0" smtClean="0">
-                <a:latin typeface="Neo Sans Std"/>
-              </a:rPr>
-              <a:t>3</a:t>
-            </a:r>
-            <a:endParaRPr kumimoji="0" lang="en-US" sz="2400" b="0" i="0" u="none" strike="noStrike" cap="none" normalizeH="0" baseline="0" dirty="0" smtClean="0">
-              <a:ln>
-                <a:noFill/>
-              </a:ln>
-              <a:solidFill>
-                <a:schemeClr val="tx1"/>
-              </a:solidFill>
-              <a:effectLst/>
-              <a:latin typeface="Neo Sans Std"/>
-              <a:ea typeface="ヒラギノ角ゴ Pro W3" pitchFamily="-80" charset="-128"/>
-            </a:endParaRPr>
-          </a:p>
-        </p:txBody>
-      </p:sp>
-      <p:cxnSp>
-        <p:nvCxnSpPr>
-          <p:cNvPr id="11" name="Straight Arrow Connector 10"/>
-          <p:cNvCxnSpPr>
-            <a:stCxn id="7" idx="3"/>
-            <a:endCxn id="8" idx="1"/>
-          </p:cNvCxnSpPr>
-          <p:nvPr/>
-        </p:nvCxnSpPr>
-        <p:spPr bwMode="auto">
-          <a:xfrm>
-            <a:off x="5410200" y="4000500"/>
-            <a:ext cx="533400" cy="1588"/>
-          </a:xfrm>
-          <a:prstGeom prst="straightConnector1">
-            <a:avLst/>
-          </a:prstGeom>
-          <a:solidFill>
-            <a:schemeClr val="accent1"/>
-          </a:solidFill>
-          <a:ln w="9525" cap="flat" cmpd="sng" algn="ctr">
-            <a:solidFill>
-              <a:schemeClr val="tx1"/>
-            </a:solidFill>
-            <a:prstDash val="solid"/>
-            <a:round/>
-            <a:headEnd type="none" w="med" len="med"/>
-            <a:tailEnd type="arrow"/>
-          </a:ln>
-          <a:effectLst/>
-        </p:spPr>
-      </p:cxnSp>
-      <p:cxnSp>
-        <p:nvCxnSpPr>
-          <p:cNvPr id="13" name="Straight Arrow Connector 12"/>
-          <p:cNvCxnSpPr>
-            <a:stCxn id="8" idx="3"/>
-            <a:endCxn id="9" idx="1"/>
-          </p:cNvCxnSpPr>
-          <p:nvPr/>
-        </p:nvCxnSpPr>
-        <p:spPr bwMode="auto">
-          <a:xfrm>
-            <a:off x="6324600" y="4000500"/>
-            <a:ext cx="609600" cy="1588"/>
-          </a:xfrm>
-          <a:prstGeom prst="straightConnector1">
-            <a:avLst/>
-          </a:prstGeom>
-          <a:solidFill>
-            <a:schemeClr val="accent1"/>
-          </a:solidFill>
-          <a:ln w="9525" cap="flat" cmpd="sng" algn="ctr">
-            <a:solidFill>
-              <a:schemeClr val="tx1"/>
-            </a:solidFill>
-            <a:prstDash val="solid"/>
-            <a:round/>
-            <a:headEnd type="none" w="med" len="med"/>
-            <a:tailEnd type="arrow"/>
-          </a:ln>
-          <a:effectLst/>
-        </p:spPr>
-      </p:cxnSp>
-      <p:sp>
-        <p:nvSpPr>
-          <p:cNvPr id="14" name="TextBox 13"/>
+          <p:cNvPr id="12" name="TextBox 11"/>
           <p:cNvSpPr txBox="1"/>
           <p:nvPr/>
         </p:nvSpPr>
         <p:spPr>
-          <a:xfrm>
-            <a:off x="3886200" y="3505200"/>
-            <a:ext cx="355837" cy="461665"/>
-          </a:xfrm>
-          <a:prstGeom prst="rect">
-            <a:avLst/>
-          </a:prstGeom>
-          <a:noFill/>
-        </p:spPr>
-        <p:txBody>
-          <a:bodyPr wrap="square" rtlCol="0">
-            <a:spAutoFit/>
-          </a:bodyPr>
-          <a:lstStyle/>
-          <a:p>
-            <a:r>
-              <a:rPr lang="en-US" dirty="0" smtClean="0">
-                <a:latin typeface="Neo Sans Std"/>
-              </a:rPr>
-              <a:t>a</a:t>
-            </a:r>
-            <a:endParaRPr lang="en-US" dirty="0">
-              <a:latin typeface="Neo Sans Std"/>
-            </a:endParaRPr>
-          </a:p>
-        </p:txBody>
-      </p:sp>
-      <p:cxnSp>
-        <p:nvCxnSpPr>
-          <p:cNvPr id="15" name="Straight Arrow Connector 14"/>
-          <p:cNvCxnSpPr>
-            <a:endCxn id="7" idx="1"/>
-          </p:cNvCxnSpPr>
-          <p:nvPr/>
-        </p:nvCxnSpPr>
-        <p:spPr bwMode="auto">
-          <a:xfrm>
-            <a:off x="4267200" y="3810000"/>
-            <a:ext cx="762000" cy="190500"/>
-          </a:xfrm>
-          <a:prstGeom prst="straightConnector1">
-            <a:avLst/>
-          </a:prstGeom>
-          <a:solidFill>
-            <a:schemeClr val="accent1"/>
-          </a:solidFill>
-          <a:ln w="9525" cap="flat" cmpd="sng" algn="ctr">
-            <a:solidFill>
-              <a:schemeClr val="tx1"/>
-            </a:solidFill>
-            <a:prstDash val="solid"/>
-            <a:round/>
-            <a:headEnd type="none" w="med" len="med"/>
-            <a:tailEnd type="arrow"/>
-          </a:ln>
-          <a:effectLst/>
-        </p:spPr>
-      </p:cxnSp>
-      <p:sp>
-        <p:nvSpPr>
-          <p:cNvPr id="35" name="Rectangle 34"/>
-          <p:cNvSpPr/>
-          <p:nvPr/>
-        </p:nvSpPr>
-        <p:spPr bwMode="auto">
-          <a:xfrm>
-            <a:off x="5715000" y="3505200"/>
-            <a:ext cx="1981200" cy="990600"/>
-          </a:xfrm>
-          <a:prstGeom prst="rect">
-            <a:avLst/>
-          </a:prstGeom>
-          <a:noFill/>
-          <a:ln w="9525" cap="flat" cmpd="sng" algn="ctr">
-            <a:solidFill>
-              <a:schemeClr val="tx1"/>
-            </a:solidFill>
-            <a:prstDash val="solid"/>
-            <a:round/>
-            <a:headEnd type="none" w="med" len="med"/>
-            <a:tailEnd type="none" w="med" len="med"/>
-          </a:ln>
-          <a:effectLst/>
-        </p:spPr>
-        <p:txBody>
-          <a:bodyPr vert="horz" wrap="square" lIns="91440" tIns="45720" rIns="91440" bIns="45720" numCol="1" rtlCol="0" anchor="t" anchorCtr="0" compatLnSpc="1">
-            <a:prstTxWarp prst="textNoShape">
-              <a:avLst/>
-            </a:prstTxWarp>
-          </a:bodyPr>
-          <a:lstStyle/>
-          <a:p>
-            <a:pPr marL="0" marR="0" indent="0" algn="l" defTabSz="914400" rtl="0" eaLnBrk="0" fontAlgn="base" latinLnBrk="0" hangingPunct="0">
-              <a:lnSpc>
-                <a:spcPct val="100000"/>
-              </a:lnSpc>
-              <a:spcBef>
-                <a:spcPct val="0"/>
-              </a:spcBef>
-              <a:spcAft>
-                <a:spcPct val="0"/>
-              </a:spcAft>
-              <a:buClrTx/>
-              <a:buSzTx/>
-              <a:buFontTx/>
-              <a:buNone/>
-              <a:tabLst/>
-            </a:pPr>
-            <a:endParaRPr kumimoji="0" lang="en-US" sz="2400" b="0" i="0" u="none" strike="noStrike" cap="none" normalizeH="0" baseline="0" dirty="0" smtClean="0">
-              <a:ln>
-                <a:noFill/>
-              </a:ln>
-              <a:solidFill>
-                <a:schemeClr val="tx1"/>
-              </a:solidFill>
-              <a:effectLst/>
-              <a:latin typeface="Neo Sans Std"/>
-              <a:ea typeface="ヒラギノ角ゴ Pro W3" pitchFamily="-80" charset="-128"/>
-            </a:endParaRPr>
-          </a:p>
-        </p:txBody>
-      </p:sp>
-      <p:sp>
-        <p:nvSpPr>
-          <p:cNvPr id="37" name="TextBox 36"/>
-          <p:cNvSpPr txBox="1"/>
-          <p:nvPr/>
-        </p:nvSpPr>
-        <p:spPr>
-          <a:xfrm>
-            <a:off x="4953000" y="3048000"/>
-            <a:ext cx="355837" cy="461665"/>
-          </a:xfrm>
-          <a:prstGeom prst="rect">
-            <a:avLst/>
-          </a:prstGeom>
-          <a:noFill/>
-        </p:spPr>
-        <p:txBody>
-          <a:bodyPr wrap="square" rtlCol="0">
-            <a:spAutoFit/>
-          </a:bodyPr>
-          <a:lstStyle/>
-          <a:p>
-            <a:r>
-              <a:rPr lang="en-US" dirty="0" err="1" smtClean="0">
-                <a:latin typeface="Neo Sans Std"/>
-              </a:rPr>
-              <a:t>b</a:t>
-            </a:r>
-            <a:endParaRPr lang="en-US" dirty="0">
-              <a:latin typeface="Neo Sans Std"/>
-            </a:endParaRPr>
-          </a:p>
-        </p:txBody>
-      </p:sp>
-      <p:cxnSp>
-        <p:nvCxnSpPr>
-          <p:cNvPr id="38" name="Straight Arrow Connector 37"/>
-          <p:cNvCxnSpPr/>
-          <p:nvPr/>
-        </p:nvCxnSpPr>
-        <p:spPr bwMode="auto">
-          <a:xfrm>
-            <a:off x="5257800" y="3429000"/>
-            <a:ext cx="609600" cy="457200"/>
-          </a:xfrm>
-          <a:prstGeom prst="straightConnector1">
-            <a:avLst/>
-          </a:prstGeom>
-          <a:solidFill>
-            <a:schemeClr val="accent1"/>
-          </a:solidFill>
-          <a:ln w="9525" cap="flat" cmpd="sng" algn="ctr">
-            <a:solidFill>
-              <a:schemeClr val="tx1"/>
-            </a:solidFill>
-            <a:prstDash val="solid"/>
-            <a:round/>
-            <a:headEnd type="none" w="med" len="med"/>
-            <a:tailEnd type="arrow"/>
-          </a:ln>
-          <a:effectLst/>
-        </p:spPr>
-      </p:cxnSp>
-      <p:sp>
-        <p:nvSpPr>
-          <p:cNvPr id="16" name="TextBox 15"/>
-          <p:cNvSpPr txBox="1"/>
-          <p:nvPr/>
-        </p:nvSpPr>
-        <p:spPr>
-          <a:xfrm rot="381805">
-            <a:off x="5676968" y="5016069"/>
-            <a:ext cx="2559312" cy="830997"/>
+          <a:xfrm rot="2217189">
+            <a:off x="6623379" y="2344798"/>
+            <a:ext cx="2482216" cy="830997"/>
           </a:xfrm>
           <a:prstGeom prst="rect">
             <a:avLst/>
@@ -7051,7 +6750,7 @@
                 <a:latin typeface="Handwriting - Dakota"/>
                 <a:cs typeface="Handwriting - Dakota"/>
               </a:rPr>
-              <a:t>e.g. stable enumerations</a:t>
+              <a:t>This makes my eyes hurt!</a:t>
             </a:r>
             <a:endParaRPr lang="en-US" dirty="0">
               <a:solidFill>
@@ -7095,55 +6794,244 @@
           <a:chExt cx="0" cy="0"/>
         </a:xfrm>
       </p:grpSpPr>
-      <p:pic>
-        <p:nvPicPr>
-          <p:cNvPr id="5" name="Picture 4"/>
-          <p:cNvPicPr>
-            <a:picLocks noChangeAspect="1"/>
-          </p:cNvPicPr>
+      <p:sp>
+        <p:nvSpPr>
+          <p:cNvPr id="4099" name="Rectangle 3"/>
+          <p:cNvSpPr>
+            <a:spLocks noGrp="1" noChangeArrowheads="1"/>
+          </p:cNvSpPr>
+          <p:nvPr>
+            <p:ph type="body" idx="1"/>
+          </p:nvPr>
+        </p:nvSpPr>
+        <p:spPr/>
+        <p:txBody>
+          <a:bodyPr/>
+          <a:lstStyle/>
+          <a:p>
+            <a:pPr eaLnBrk="1" hangingPunct="1"/>
+            <a:r>
+              <a:rPr lang="da-DK" dirty="0" err="1" smtClean="0"/>
+              <a:t>Immutable</a:t>
+            </a:r>
+            <a:endParaRPr lang="da-DK" dirty="0" smtClean="0"/>
+          </a:p>
+          <a:p>
+            <a:pPr eaLnBrk="1" hangingPunct="1"/>
+            <a:r>
+              <a:rPr lang="da-DK" dirty="0" err="1" smtClean="0"/>
+              <a:t>Persistent</a:t>
+            </a:r>
+            <a:r>
+              <a:rPr lang="da-DK" dirty="0" smtClean="0"/>
+              <a:t> (</a:t>
+            </a:r>
+            <a:r>
+              <a:rPr lang="da-DK" dirty="0" err="1" smtClean="0"/>
+              <a:t>struktural</a:t>
+            </a:r>
+            <a:r>
+              <a:rPr lang="da-DK" dirty="0" smtClean="0"/>
+              <a:t> </a:t>
+            </a:r>
+            <a:r>
+              <a:rPr lang="da-DK" dirty="0" err="1" smtClean="0"/>
+              <a:t>sharing</a:t>
+            </a:r>
+            <a:r>
+              <a:rPr lang="da-DK" dirty="0" smtClean="0"/>
+              <a:t>, not </a:t>
+            </a:r>
+            <a:r>
+              <a:rPr lang="da-DK" dirty="0" err="1" smtClean="0"/>
+              <a:t>copying</a:t>
+            </a:r>
+            <a:r>
+              <a:rPr lang="da-DK" dirty="0" smtClean="0"/>
+              <a:t>)</a:t>
+            </a:r>
+          </a:p>
+          <a:p>
+            <a:pPr eaLnBrk="1" hangingPunct="1">
+              <a:buNone/>
+            </a:pPr>
+            <a:endParaRPr lang="da-DK" dirty="0" smtClean="0"/>
+          </a:p>
+          <a:p>
+            <a:pPr eaLnBrk="1" hangingPunct="1">
+              <a:buNone/>
+            </a:pPr>
+            <a:endParaRPr lang="da-DK" dirty="0" smtClean="0"/>
+          </a:p>
+          <a:p>
+            <a:pPr eaLnBrk="1" hangingPunct="1">
+              <a:buNone/>
+            </a:pPr>
+            <a:endParaRPr lang="da-DK" dirty="0" smtClean="0"/>
+          </a:p>
+          <a:p>
+            <a:pPr eaLnBrk="1" hangingPunct="1"/>
+            <a:r>
+              <a:rPr lang="da-DK" dirty="0" err="1" smtClean="0"/>
+              <a:t>Simpler</a:t>
+            </a:r>
+            <a:r>
+              <a:rPr lang="da-DK" dirty="0" smtClean="0"/>
+              <a:t> </a:t>
+            </a:r>
+            <a:r>
+              <a:rPr lang="da-DK" dirty="0" err="1" smtClean="0"/>
+              <a:t>code</a:t>
+            </a:r>
+            <a:endParaRPr lang="da-DK" dirty="0" smtClean="0"/>
+          </a:p>
+          <a:p>
+            <a:pPr eaLnBrk="1" hangingPunct="1"/>
+            <a:r>
+              <a:rPr lang="da-DK" dirty="0" err="1" smtClean="0"/>
+              <a:t>Less</a:t>
+            </a:r>
+            <a:r>
+              <a:rPr lang="da-DK" dirty="0" smtClean="0"/>
+              <a:t> </a:t>
+            </a:r>
+            <a:r>
+              <a:rPr lang="da-DK" dirty="0" err="1" smtClean="0"/>
+              <a:t>concurrency</a:t>
+            </a:r>
+            <a:r>
+              <a:rPr lang="da-DK" dirty="0" smtClean="0"/>
+              <a:t> </a:t>
+            </a:r>
+            <a:r>
+              <a:rPr lang="da-DK" dirty="0" err="1" smtClean="0"/>
+              <a:t>issues</a:t>
+            </a:r>
+            <a:endParaRPr lang="da-DK" dirty="0" smtClean="0"/>
+          </a:p>
+          <a:p>
+            <a:pPr eaLnBrk="1" hangingPunct="1"/>
+            <a:endParaRPr lang="da-DK" dirty="0" smtClean="0"/>
+          </a:p>
+          <a:p>
+            <a:pPr eaLnBrk="1" hangingPunct="1"/>
+            <a:endParaRPr lang="da-DK" dirty="0" smtClean="0"/>
+          </a:p>
+        </p:txBody>
+      </p:sp>
+      <p:sp>
+        <p:nvSpPr>
+          <p:cNvPr id="34" name="Rectangle 33"/>
+          <p:cNvSpPr/>
           <p:nvPr/>
-        </p:nvPicPr>
-        <p:blipFill>
-          <a:blip r:embed="rId2"/>
-          <a:stretch>
-            <a:fillRect/>
-          </a:stretch>
-        </p:blipFill>
-        <p:spPr>
-          <a:xfrm>
-            <a:off x="1066800" y="1676400"/>
-            <a:ext cx="5580185" cy="2667000"/>
+        </p:nvSpPr>
+        <p:spPr bwMode="auto">
+          <a:xfrm>
+            <a:off x="4876800" y="3657600"/>
+            <a:ext cx="2590800" cy="685800"/>
           </a:xfrm>
           <a:prstGeom prst="rect">
             <a:avLst/>
           </a:prstGeom>
-        </p:spPr>
-      </p:pic>
-      <p:sp>
-        <p:nvSpPr>
-          <p:cNvPr id="2" name="Title 1"/>
+          <a:solidFill>
+            <a:schemeClr val="bg2">
+              <a:lumMod val="20000"/>
+              <a:lumOff val="80000"/>
+            </a:schemeClr>
+          </a:solidFill>
+          <a:ln w="9525" cap="flat" cmpd="sng" algn="ctr">
+            <a:solidFill>
+              <a:schemeClr val="tx1"/>
+            </a:solidFill>
+            <a:prstDash val="solid"/>
+            <a:round/>
+            <a:headEnd type="none" w="med" len="med"/>
+            <a:tailEnd type="none" w="med" len="med"/>
+          </a:ln>
+          <a:effectLst/>
+        </p:spPr>
+        <p:txBody>
+          <a:bodyPr vert="horz" wrap="square" lIns="91440" tIns="45720" rIns="91440" bIns="45720" numCol="1" rtlCol="0" anchor="t" anchorCtr="0" compatLnSpc="1">
+            <a:prstTxWarp prst="textNoShape">
+              <a:avLst/>
+            </a:prstTxWarp>
+          </a:bodyPr>
+          <a:lstStyle/>
+          <a:p>
+            <a:pPr marL="0" marR="0" indent="0" algn="l" defTabSz="914400" rtl="0" eaLnBrk="0" fontAlgn="base" latinLnBrk="0" hangingPunct="0">
+              <a:lnSpc>
+                <a:spcPct val="100000"/>
+              </a:lnSpc>
+              <a:spcBef>
+                <a:spcPct val="0"/>
+              </a:spcBef>
+              <a:spcAft>
+                <a:spcPct val="0"/>
+              </a:spcAft>
+              <a:buClrTx/>
+              <a:buSzTx/>
+              <a:buFontTx/>
+              <a:buNone/>
+              <a:tabLst/>
+            </a:pPr>
+            <a:endParaRPr kumimoji="0" lang="en-US" sz="2400" b="0" i="0" u="none" strike="noStrike" cap="none" normalizeH="0" baseline="0" dirty="0" smtClean="0">
+              <a:ln>
+                <a:noFill/>
+              </a:ln>
+              <a:solidFill>
+                <a:schemeClr val="tx1"/>
+              </a:solidFill>
+              <a:effectLst/>
+              <a:latin typeface="Neo Sans Std"/>
+              <a:ea typeface="ヒラギノ角ゴ Pro W3" pitchFamily="-80" charset="-128"/>
+            </a:endParaRPr>
+          </a:p>
+        </p:txBody>
+      </p:sp>
+      <p:sp>
+        <p:nvSpPr>
+          <p:cNvPr id="4098" name="Rectangle 2"/>
           <p:cNvSpPr>
-            <a:spLocks noGrp="1"/>
+            <a:spLocks noGrp="1" noChangeArrowheads="1"/>
           </p:cNvSpPr>
           <p:nvPr>
             <p:ph type="title"/>
           </p:nvPr>
         </p:nvSpPr>
-        <p:spPr>
-          <a:xfrm>
-            <a:off x="533400" y="1066800"/>
-            <a:ext cx="7924800" cy="685800"/>
-          </a:xfrm>
-        </p:spPr>
+        <p:spPr/>
         <p:txBody>
           <a:bodyPr/>
           <a:lstStyle/>
           <a:p>
-            <a:r>
-              <a:rPr lang="en-US" dirty="0" smtClean="0"/>
-              <a:t>STM – Software Transactional Memory</a:t>
-            </a:r>
-            <a:endParaRPr lang="en-US" dirty="0"/>
+            <a:pPr eaLnBrk="1" hangingPunct="1"/>
+            <a:r>
+              <a:rPr lang="da-DK" dirty="0" smtClean="0"/>
+              <a:t>”State – </a:t>
+            </a:r>
+            <a:r>
+              <a:rPr lang="da-DK" dirty="0" err="1" smtClean="0"/>
+              <a:t>you’re</a:t>
+            </a:r>
+            <a:r>
+              <a:rPr lang="da-DK" dirty="0" smtClean="0"/>
+              <a:t> </a:t>
+            </a:r>
+            <a:r>
+              <a:rPr lang="da-DK" dirty="0" err="1" smtClean="0"/>
+              <a:t>doing</a:t>
+            </a:r>
+            <a:r>
+              <a:rPr lang="da-DK" dirty="0" smtClean="0"/>
+              <a:t> it </a:t>
+            </a:r>
+            <a:r>
+              <a:rPr lang="da-DK" dirty="0" err="1" smtClean="0"/>
+              <a:t>wrong</a:t>
+            </a:r>
+            <a:r>
+              <a:rPr lang="da-DK" dirty="0" smtClean="0"/>
+              <a:t>”</a:t>
+            </a:r>
           </a:p>
         </p:txBody>
       </p:sp>
@@ -7154,9 +7042,557 @@
           <p:nvPr/>
         </p:nvSpPr>
         <p:spPr>
-          <a:xfrm rot="325953">
-            <a:off x="5628247" y="2554401"/>
-            <a:ext cx="3026188" cy="1200328"/>
+          <a:xfrm>
+            <a:off x="762000" y="3505200"/>
+            <a:ext cx="2971800" cy="646331"/>
+          </a:xfrm>
+          <a:prstGeom prst="rect">
+            <a:avLst/>
+          </a:prstGeom>
+          <a:noFill/>
+        </p:spPr>
+        <p:txBody>
+          <a:bodyPr wrap="square" rtlCol="0">
+            <a:spAutoFit/>
+          </a:bodyPr>
+          <a:lstStyle/>
+          <a:p>
+            <a:pPr eaLnBrk="1" hangingPunct="1">
+              <a:buNone/>
+            </a:pPr>
+            <a:r>
+              <a:rPr lang="en-US" sz="1800" dirty="0" smtClean="0">
+                <a:latin typeface="Courier New"/>
+                <a:cs typeface="Courier New"/>
+              </a:rPr>
+              <a:t>(def </a:t>
+            </a:r>
+            <a:r>
+              <a:rPr lang="en-US" sz="1800" b="1" dirty="0" smtClean="0">
+                <a:latin typeface="Courier New"/>
+                <a:cs typeface="Courier New"/>
+              </a:rPr>
+              <a:t>a</a:t>
+            </a:r>
+            <a:r>
+              <a:rPr lang="en-US" sz="1800" dirty="0" smtClean="0">
+                <a:latin typeface="Courier New"/>
+                <a:cs typeface="Courier New"/>
+              </a:rPr>
+              <a:t> (list 1 2 3))</a:t>
+            </a:r>
+          </a:p>
+          <a:p>
+            <a:pPr eaLnBrk="1" hangingPunct="1">
+              <a:buNone/>
+            </a:pPr>
+            <a:r>
+              <a:rPr lang="en-US" sz="1800" dirty="0" smtClean="0">
+                <a:latin typeface="Courier New"/>
+                <a:cs typeface="Courier New"/>
+              </a:rPr>
+              <a:t>(def </a:t>
+            </a:r>
+            <a:r>
+              <a:rPr lang="en-US" sz="1800" b="1" dirty="0" err="1" smtClean="0">
+                <a:latin typeface="Courier New"/>
+                <a:cs typeface="Courier New"/>
+              </a:rPr>
+              <a:t>b</a:t>
+            </a:r>
+            <a:r>
+              <a:rPr lang="en-US" sz="1800" dirty="0" smtClean="0">
+                <a:latin typeface="Courier New"/>
+                <a:cs typeface="Courier New"/>
+              </a:rPr>
+              <a:t> (rest a))</a:t>
+            </a:r>
+            <a:endParaRPr lang="en-US" sz="1800" dirty="0">
+              <a:latin typeface="Courier New"/>
+              <a:cs typeface="Courier New"/>
+            </a:endParaRPr>
+          </a:p>
+        </p:txBody>
+      </p:sp>
+      <p:sp>
+        <p:nvSpPr>
+          <p:cNvPr id="7" name="Rectangle 6"/>
+          <p:cNvSpPr/>
+          <p:nvPr/>
+        </p:nvSpPr>
+        <p:spPr bwMode="auto">
+          <a:xfrm>
+            <a:off x="5029200" y="3733800"/>
+            <a:ext cx="381000" cy="533400"/>
+          </a:xfrm>
+          <a:prstGeom prst="rect">
+            <a:avLst/>
+          </a:prstGeom>
+          <a:solidFill>
+            <a:srgbClr val="D1E318"/>
+          </a:solidFill>
+          <a:ln w="9525" cap="flat" cmpd="sng" algn="ctr">
+            <a:solidFill>
+              <a:schemeClr val="tx1"/>
+            </a:solidFill>
+            <a:prstDash val="solid"/>
+            <a:round/>
+            <a:headEnd type="none" w="med" len="med"/>
+            <a:tailEnd type="none" w="med" len="med"/>
+          </a:ln>
+          <a:effectLst/>
+        </p:spPr>
+        <p:txBody>
+          <a:bodyPr vert="horz" wrap="square" lIns="91440" tIns="45720" rIns="91440" bIns="45720" numCol="1" rtlCol="0" anchor="t" anchorCtr="0" compatLnSpc="1">
+            <a:prstTxWarp prst="textNoShape">
+              <a:avLst/>
+            </a:prstTxWarp>
+          </a:bodyPr>
+          <a:lstStyle/>
+          <a:p>
+            <a:pPr marL="0" marR="0" indent="0" algn="l" defTabSz="914400" rtl="0" eaLnBrk="0" fontAlgn="base" latinLnBrk="0" hangingPunct="0">
+              <a:lnSpc>
+                <a:spcPct val="100000"/>
+              </a:lnSpc>
+              <a:spcBef>
+                <a:spcPct val="0"/>
+              </a:spcBef>
+              <a:spcAft>
+                <a:spcPct val="0"/>
+              </a:spcAft>
+              <a:buClrTx/>
+              <a:buSzTx/>
+              <a:buFontTx/>
+              <a:buNone/>
+              <a:tabLst/>
+            </a:pPr>
+            <a:r>
+              <a:rPr kumimoji="0" lang="en-US" sz="2400" b="0" i="0" u="none" strike="noStrike" cap="none" normalizeH="0" baseline="0" dirty="0" smtClean="0">
+                <a:ln>
+                  <a:noFill/>
+                </a:ln>
+                <a:solidFill>
+                  <a:schemeClr val="tx1"/>
+                </a:solidFill>
+                <a:effectLst/>
+                <a:latin typeface="Neo Sans Std"/>
+                <a:ea typeface="ヒラギノ角ゴ Pro W3" pitchFamily="-80" charset="-128"/>
+              </a:rPr>
+              <a:t>1</a:t>
+            </a:r>
+          </a:p>
+        </p:txBody>
+      </p:sp>
+      <p:sp>
+        <p:nvSpPr>
+          <p:cNvPr id="8" name="Rectangle 7"/>
+          <p:cNvSpPr/>
+          <p:nvPr/>
+        </p:nvSpPr>
+        <p:spPr bwMode="auto">
+          <a:xfrm>
+            <a:off x="5943600" y="3733800"/>
+            <a:ext cx="381000" cy="533400"/>
+          </a:xfrm>
+          <a:prstGeom prst="rect">
+            <a:avLst/>
+          </a:prstGeom>
+          <a:solidFill>
+            <a:srgbClr val="D1E318"/>
+          </a:solidFill>
+          <a:ln w="9525" cap="flat" cmpd="sng" algn="ctr">
+            <a:solidFill>
+              <a:schemeClr val="tx1"/>
+            </a:solidFill>
+            <a:prstDash val="solid"/>
+            <a:round/>
+            <a:headEnd type="none" w="med" len="med"/>
+            <a:tailEnd type="none" w="med" len="med"/>
+          </a:ln>
+          <a:effectLst/>
+        </p:spPr>
+        <p:txBody>
+          <a:bodyPr vert="horz" wrap="square" lIns="91440" tIns="45720" rIns="91440" bIns="45720" numCol="1" rtlCol="0" anchor="t" anchorCtr="0" compatLnSpc="1">
+            <a:prstTxWarp prst="textNoShape">
+              <a:avLst/>
+            </a:prstTxWarp>
+          </a:bodyPr>
+          <a:lstStyle/>
+          <a:p>
+            <a:pPr marL="0" marR="0" indent="0" algn="l" defTabSz="914400" rtl="0" eaLnBrk="0" fontAlgn="base" latinLnBrk="0" hangingPunct="0">
+              <a:lnSpc>
+                <a:spcPct val="100000"/>
+              </a:lnSpc>
+              <a:spcBef>
+                <a:spcPct val="0"/>
+              </a:spcBef>
+              <a:spcAft>
+                <a:spcPct val="0"/>
+              </a:spcAft>
+              <a:buClrTx/>
+              <a:buSzTx/>
+              <a:buFontTx/>
+              <a:buNone/>
+              <a:tabLst/>
+            </a:pPr>
+            <a:r>
+              <a:rPr lang="en-US" dirty="0" smtClean="0">
+                <a:latin typeface="Neo Sans Std"/>
+              </a:rPr>
+              <a:t>2</a:t>
+            </a:r>
+            <a:endParaRPr kumimoji="0" lang="en-US" sz="2400" b="0" i="0" u="none" strike="noStrike" cap="none" normalizeH="0" baseline="0" dirty="0" smtClean="0">
+              <a:ln>
+                <a:noFill/>
+              </a:ln>
+              <a:solidFill>
+                <a:schemeClr val="tx1"/>
+              </a:solidFill>
+              <a:effectLst/>
+              <a:latin typeface="Neo Sans Std"/>
+              <a:ea typeface="ヒラギノ角ゴ Pro W3" pitchFamily="-80" charset="-128"/>
+            </a:endParaRPr>
+          </a:p>
+        </p:txBody>
+      </p:sp>
+      <p:sp>
+        <p:nvSpPr>
+          <p:cNvPr id="9" name="Rectangle 8"/>
+          <p:cNvSpPr/>
+          <p:nvPr/>
+        </p:nvSpPr>
+        <p:spPr bwMode="auto">
+          <a:xfrm>
+            <a:off x="6934200" y="3733800"/>
+            <a:ext cx="381000" cy="533400"/>
+          </a:xfrm>
+          <a:prstGeom prst="rect">
+            <a:avLst/>
+          </a:prstGeom>
+          <a:solidFill>
+            <a:srgbClr val="D1E318"/>
+          </a:solidFill>
+          <a:ln w="9525" cap="flat" cmpd="sng" algn="ctr">
+            <a:solidFill>
+              <a:schemeClr val="tx1"/>
+            </a:solidFill>
+            <a:prstDash val="solid"/>
+            <a:round/>
+            <a:headEnd type="none" w="med" len="med"/>
+            <a:tailEnd type="none" w="med" len="med"/>
+          </a:ln>
+          <a:effectLst/>
+        </p:spPr>
+        <p:txBody>
+          <a:bodyPr vert="horz" wrap="square" lIns="91440" tIns="45720" rIns="91440" bIns="45720" numCol="1" rtlCol="0" anchor="t" anchorCtr="0" compatLnSpc="1">
+            <a:prstTxWarp prst="textNoShape">
+              <a:avLst/>
+            </a:prstTxWarp>
+          </a:bodyPr>
+          <a:lstStyle/>
+          <a:p>
+            <a:pPr marL="0" marR="0" indent="0" algn="l" defTabSz="914400" rtl="0" eaLnBrk="0" fontAlgn="base" latinLnBrk="0" hangingPunct="0">
+              <a:lnSpc>
+                <a:spcPct val="100000"/>
+              </a:lnSpc>
+              <a:spcBef>
+                <a:spcPct val="0"/>
+              </a:spcBef>
+              <a:spcAft>
+                <a:spcPct val="0"/>
+              </a:spcAft>
+              <a:buClrTx/>
+              <a:buSzTx/>
+              <a:buFontTx/>
+              <a:buNone/>
+              <a:tabLst/>
+            </a:pPr>
+            <a:r>
+              <a:rPr lang="en-US" dirty="0" smtClean="0">
+                <a:latin typeface="Neo Sans Std"/>
+              </a:rPr>
+              <a:t>3</a:t>
+            </a:r>
+            <a:endParaRPr kumimoji="0" lang="en-US" sz="2400" b="0" i="0" u="none" strike="noStrike" cap="none" normalizeH="0" baseline="0" dirty="0" smtClean="0">
+              <a:ln>
+                <a:noFill/>
+              </a:ln>
+              <a:solidFill>
+                <a:schemeClr val="tx1"/>
+              </a:solidFill>
+              <a:effectLst/>
+              <a:latin typeface="Neo Sans Std"/>
+              <a:ea typeface="ヒラギノ角ゴ Pro W3" pitchFamily="-80" charset="-128"/>
+            </a:endParaRPr>
+          </a:p>
+        </p:txBody>
+      </p:sp>
+      <p:cxnSp>
+        <p:nvCxnSpPr>
+          <p:cNvPr id="11" name="Straight Arrow Connector 10"/>
+          <p:cNvCxnSpPr>
+            <a:stCxn id="7" idx="3"/>
+            <a:endCxn id="8" idx="1"/>
+          </p:cNvCxnSpPr>
+          <p:nvPr/>
+        </p:nvCxnSpPr>
+        <p:spPr bwMode="auto">
+          <a:xfrm>
+            <a:off x="5410200" y="4000500"/>
+            <a:ext cx="533400" cy="1588"/>
+          </a:xfrm>
+          <a:prstGeom prst="straightConnector1">
+            <a:avLst/>
+          </a:prstGeom>
+          <a:solidFill>
+            <a:schemeClr val="accent1"/>
+          </a:solidFill>
+          <a:ln w="9525" cap="flat" cmpd="sng" algn="ctr">
+            <a:solidFill>
+              <a:schemeClr val="tx1"/>
+            </a:solidFill>
+            <a:prstDash val="solid"/>
+            <a:round/>
+            <a:headEnd type="none" w="med" len="med"/>
+            <a:tailEnd type="arrow"/>
+          </a:ln>
+          <a:effectLst/>
+        </p:spPr>
+      </p:cxnSp>
+      <p:cxnSp>
+        <p:nvCxnSpPr>
+          <p:cNvPr id="13" name="Straight Arrow Connector 12"/>
+          <p:cNvCxnSpPr>
+            <a:stCxn id="8" idx="3"/>
+            <a:endCxn id="9" idx="1"/>
+          </p:cNvCxnSpPr>
+          <p:nvPr/>
+        </p:nvCxnSpPr>
+        <p:spPr bwMode="auto">
+          <a:xfrm>
+            <a:off x="6324600" y="4000500"/>
+            <a:ext cx="609600" cy="1588"/>
+          </a:xfrm>
+          <a:prstGeom prst="straightConnector1">
+            <a:avLst/>
+          </a:prstGeom>
+          <a:solidFill>
+            <a:schemeClr val="accent1"/>
+          </a:solidFill>
+          <a:ln w="9525" cap="flat" cmpd="sng" algn="ctr">
+            <a:solidFill>
+              <a:schemeClr val="tx1"/>
+            </a:solidFill>
+            <a:prstDash val="solid"/>
+            <a:round/>
+            <a:headEnd type="none" w="med" len="med"/>
+            <a:tailEnd type="arrow"/>
+          </a:ln>
+          <a:effectLst/>
+        </p:spPr>
+      </p:cxnSp>
+      <p:sp>
+        <p:nvSpPr>
+          <p:cNvPr id="14" name="TextBox 13"/>
+          <p:cNvSpPr txBox="1"/>
+          <p:nvPr/>
+        </p:nvSpPr>
+        <p:spPr>
+          <a:xfrm>
+            <a:off x="3886200" y="3505200"/>
+            <a:ext cx="355837" cy="461665"/>
+          </a:xfrm>
+          <a:prstGeom prst="rect">
+            <a:avLst/>
+          </a:prstGeom>
+          <a:noFill/>
+        </p:spPr>
+        <p:txBody>
+          <a:bodyPr wrap="square" rtlCol="0">
+            <a:spAutoFit/>
+          </a:bodyPr>
+          <a:lstStyle/>
+          <a:p>
+            <a:r>
+              <a:rPr lang="en-US" dirty="0" smtClean="0">
+                <a:latin typeface="Neo Sans Std"/>
+              </a:rPr>
+              <a:t>a</a:t>
+            </a:r>
+            <a:endParaRPr lang="en-US" dirty="0">
+              <a:latin typeface="Neo Sans Std"/>
+            </a:endParaRPr>
+          </a:p>
+        </p:txBody>
+      </p:sp>
+      <p:cxnSp>
+        <p:nvCxnSpPr>
+          <p:cNvPr id="15" name="Straight Arrow Connector 14"/>
+          <p:cNvCxnSpPr>
+            <a:endCxn id="7" idx="1"/>
+          </p:cNvCxnSpPr>
+          <p:nvPr/>
+        </p:nvCxnSpPr>
+        <p:spPr bwMode="auto">
+          <a:xfrm>
+            <a:off x="4267200" y="3810000"/>
+            <a:ext cx="762000" cy="190500"/>
+          </a:xfrm>
+          <a:prstGeom prst="straightConnector1">
+            <a:avLst/>
+          </a:prstGeom>
+          <a:solidFill>
+            <a:schemeClr val="accent1"/>
+          </a:solidFill>
+          <a:ln w="9525" cap="flat" cmpd="sng" algn="ctr">
+            <a:solidFill>
+              <a:schemeClr val="tx1"/>
+            </a:solidFill>
+            <a:prstDash val="solid"/>
+            <a:round/>
+            <a:headEnd type="none" w="med" len="med"/>
+            <a:tailEnd type="arrow"/>
+          </a:ln>
+          <a:effectLst/>
+        </p:spPr>
+      </p:cxnSp>
+      <p:sp>
+        <p:nvSpPr>
+          <p:cNvPr id="35" name="Rectangle 34"/>
+          <p:cNvSpPr/>
+          <p:nvPr/>
+        </p:nvSpPr>
+        <p:spPr bwMode="auto">
+          <a:xfrm>
+            <a:off x="5715000" y="3505200"/>
+            <a:ext cx="1981200" cy="990600"/>
+          </a:xfrm>
+          <a:prstGeom prst="rect">
+            <a:avLst/>
+          </a:prstGeom>
+          <a:noFill/>
+          <a:ln w="9525" cap="flat" cmpd="sng" algn="ctr">
+            <a:solidFill>
+              <a:schemeClr val="tx1"/>
+            </a:solidFill>
+            <a:prstDash val="solid"/>
+            <a:round/>
+            <a:headEnd type="none" w="med" len="med"/>
+            <a:tailEnd type="none" w="med" len="med"/>
+          </a:ln>
+          <a:effectLst/>
+        </p:spPr>
+        <p:txBody>
+          <a:bodyPr vert="horz" wrap="square" lIns="91440" tIns="45720" rIns="91440" bIns="45720" numCol="1" rtlCol="0" anchor="t" anchorCtr="0" compatLnSpc="1">
+            <a:prstTxWarp prst="textNoShape">
+              <a:avLst/>
+            </a:prstTxWarp>
+          </a:bodyPr>
+          <a:lstStyle/>
+          <a:p>
+            <a:pPr marL="0" marR="0" indent="0" algn="l" defTabSz="914400" rtl="0" eaLnBrk="0" fontAlgn="base" latinLnBrk="0" hangingPunct="0">
+              <a:lnSpc>
+                <a:spcPct val="100000"/>
+              </a:lnSpc>
+              <a:spcBef>
+                <a:spcPct val="0"/>
+              </a:spcBef>
+              <a:spcAft>
+                <a:spcPct val="0"/>
+              </a:spcAft>
+              <a:buClrTx/>
+              <a:buSzTx/>
+              <a:buFontTx/>
+              <a:buNone/>
+              <a:tabLst/>
+            </a:pPr>
+            <a:endParaRPr kumimoji="0" lang="en-US" sz="2400" b="0" i="0" u="none" strike="noStrike" cap="none" normalizeH="0" baseline="0" dirty="0" smtClean="0">
+              <a:ln>
+                <a:noFill/>
+              </a:ln>
+              <a:solidFill>
+                <a:schemeClr val="tx1"/>
+              </a:solidFill>
+              <a:effectLst/>
+              <a:latin typeface="Neo Sans Std"/>
+              <a:ea typeface="ヒラギノ角ゴ Pro W3" pitchFamily="-80" charset="-128"/>
+            </a:endParaRPr>
+          </a:p>
+        </p:txBody>
+      </p:sp>
+      <p:sp>
+        <p:nvSpPr>
+          <p:cNvPr id="37" name="TextBox 36"/>
+          <p:cNvSpPr txBox="1"/>
+          <p:nvPr/>
+        </p:nvSpPr>
+        <p:spPr>
+          <a:xfrm>
+            <a:off x="4953000" y="3048000"/>
+            <a:ext cx="355837" cy="461665"/>
+          </a:xfrm>
+          <a:prstGeom prst="rect">
+            <a:avLst/>
+          </a:prstGeom>
+          <a:noFill/>
+        </p:spPr>
+        <p:txBody>
+          <a:bodyPr wrap="square" rtlCol="0">
+            <a:spAutoFit/>
+          </a:bodyPr>
+          <a:lstStyle/>
+          <a:p>
+            <a:r>
+              <a:rPr lang="en-US" dirty="0" err="1" smtClean="0">
+                <a:latin typeface="Neo Sans Std"/>
+              </a:rPr>
+              <a:t>b</a:t>
+            </a:r>
+            <a:endParaRPr lang="en-US" dirty="0">
+              <a:latin typeface="Neo Sans Std"/>
+            </a:endParaRPr>
+          </a:p>
+        </p:txBody>
+      </p:sp>
+      <p:cxnSp>
+        <p:nvCxnSpPr>
+          <p:cNvPr id="38" name="Straight Arrow Connector 37"/>
+          <p:cNvCxnSpPr/>
+          <p:nvPr/>
+        </p:nvCxnSpPr>
+        <p:spPr bwMode="auto">
+          <a:xfrm>
+            <a:off x="5257800" y="3429000"/>
+            <a:ext cx="609600" cy="457200"/>
+          </a:xfrm>
+          <a:prstGeom prst="straightConnector1">
+            <a:avLst/>
+          </a:prstGeom>
+          <a:solidFill>
+            <a:schemeClr val="accent1"/>
+          </a:solidFill>
+          <a:ln w="9525" cap="flat" cmpd="sng" algn="ctr">
+            <a:solidFill>
+              <a:schemeClr val="tx1"/>
+            </a:solidFill>
+            <a:prstDash val="solid"/>
+            <a:round/>
+            <a:headEnd type="none" w="med" len="med"/>
+            <a:tailEnd type="arrow"/>
+          </a:ln>
+          <a:effectLst/>
+        </p:spPr>
+      </p:cxnSp>
+      <p:sp>
+        <p:nvSpPr>
+          <p:cNvPr id="16" name="TextBox 15"/>
+          <p:cNvSpPr txBox="1"/>
+          <p:nvPr/>
+        </p:nvSpPr>
+        <p:spPr>
+          <a:xfrm rot="381805">
+            <a:off x="5676968" y="5016069"/>
+            <a:ext cx="2559312" cy="830997"/>
           </a:xfrm>
           <a:prstGeom prst="rect">
             <a:avLst/>
@@ -7177,7 +7613,7 @@
                 <a:latin typeface="Handwriting - Dakota"/>
                 <a:cs typeface="Handwriting - Dakota"/>
               </a:rPr>
-              <a:t>concurrency-safe in-memory transactions!</a:t>
+              <a:t>e.g. stable enumerations</a:t>
             </a:r>
             <a:endParaRPr lang="en-US" dirty="0">
               <a:solidFill>
@@ -7189,88 +7625,18 @@
           </a:p>
         </p:txBody>
       </p:sp>
-      <p:pic>
-        <p:nvPicPr>
-          <p:cNvPr id="8" name="Picture 7"/>
-          <p:cNvPicPr>
-            <a:picLocks noChangeAspect="1"/>
-          </p:cNvPicPr>
-          <p:nvPr/>
-        </p:nvPicPr>
-        <p:blipFill>
-          <a:blip r:embed="rId3"/>
-          <a:stretch>
-            <a:fillRect/>
-          </a:stretch>
-        </p:blipFill>
-        <p:spPr>
-          <a:xfrm>
-            <a:off x="1066800" y="4419600"/>
-            <a:ext cx="7454900" cy="1714500"/>
-          </a:xfrm>
-          <a:prstGeom prst="rect">
-            <a:avLst/>
-          </a:prstGeom>
-        </p:spPr>
-      </p:pic>
-      <p:sp>
-        <p:nvSpPr>
-          <p:cNvPr id="9" name="TextBox 8"/>
-          <p:cNvSpPr txBox="1"/>
-          <p:nvPr/>
-        </p:nvSpPr>
-        <p:spPr>
-          <a:xfrm>
-            <a:off x="1143000" y="6096000"/>
-            <a:ext cx="7322664" cy="276999"/>
-          </a:xfrm>
-          <a:prstGeom prst="rect">
-            <a:avLst/>
-          </a:prstGeom>
-          <a:noFill/>
-        </p:spPr>
-        <p:txBody>
-          <a:bodyPr wrap="square" rtlCol="0">
-            <a:spAutoFit/>
-          </a:bodyPr>
-          <a:lstStyle/>
-          <a:p>
-            <a:pPr algn="r"/>
-            <a:r>
-              <a:rPr lang="en-US" sz="1200" dirty="0" smtClean="0">
-                <a:solidFill>
-                  <a:srgbClr val="808080"/>
-                </a:solidFill>
-                <a:latin typeface="Neo Sans Std Medium"/>
-                <a:cs typeface="Handwriting - Dakota"/>
-              </a:rPr>
-              <a:t>file: </a:t>
-            </a:r>
-            <a:r>
-              <a:rPr lang="en-US" sz="1200" dirty="0" err="1" smtClean="0">
-                <a:solidFill>
-                  <a:srgbClr val="808080"/>
-                </a:solidFill>
-                <a:latin typeface="Neo Sans Std Medium"/>
-                <a:cs typeface="Handwriting - Dakota"/>
-              </a:rPr>
-              <a:t>stm.clj</a:t>
-            </a:r>
-            <a:endParaRPr lang="en-US" sz="1200" dirty="0">
-              <a:solidFill>
-                <a:srgbClr val="808080"/>
-              </a:solidFill>
-              <a:latin typeface="Neo Sans Std Medium"/>
-              <a:cs typeface="Handwriting - Dakota"/>
-            </a:endParaRPr>
-          </a:p>
-        </p:txBody>
-      </p:sp>
     </p:spTree>
   </p:cSld>
   <p:clrMapOvr>
     <a:masterClrMapping/>
   </p:clrMapOvr>
+  <p:timing>
+    <p:tnLst>
+      <p:par>
+        <p:cTn id="1" dur="indefinite" restart="never" nodeType="tmRoot"/>
+      </p:par>
+    </p:tnLst>
+  </p:timing>
 </p:sld>
 </file>
 
@@ -7291,89 +7657,9 @@
           <a:chExt cx="0" cy="0"/>
         </a:xfrm>
       </p:grpSpPr>
-      <p:sp>
-        <p:nvSpPr>
-          <p:cNvPr id="2" name="Title 1"/>
-          <p:cNvSpPr>
-            <a:spLocks noGrp="1"/>
-          </p:cNvSpPr>
-          <p:nvPr>
-            <p:ph type="title"/>
-          </p:nvPr>
-        </p:nvSpPr>
-        <p:spPr/>
-        <p:txBody>
-          <a:bodyPr/>
-          <a:lstStyle/>
-          <a:p>
-            <a:r>
-              <a:rPr lang="en-US" dirty="0" smtClean="0"/>
-              <a:t>Object </a:t>
-            </a:r>
-            <a:r>
-              <a:rPr lang="en-US" dirty="0" smtClean="0"/>
-              <a:t>Oriented with Protocols</a:t>
-            </a:r>
-            <a:endParaRPr lang="en-US" dirty="0"/>
-          </a:p>
-        </p:txBody>
-      </p:sp>
-      <p:sp>
-        <p:nvSpPr>
-          <p:cNvPr id="3" name="TextBox 2"/>
-          <p:cNvSpPr txBox="1"/>
-          <p:nvPr/>
-        </p:nvSpPr>
-        <p:spPr>
-          <a:xfrm>
-            <a:off x="1143000" y="6096000"/>
-            <a:ext cx="7322664" cy="276999"/>
-          </a:xfrm>
-          <a:prstGeom prst="rect">
-            <a:avLst/>
-          </a:prstGeom>
-          <a:noFill/>
-        </p:spPr>
-        <p:txBody>
-          <a:bodyPr wrap="square" rtlCol="0">
-            <a:spAutoFit/>
-          </a:bodyPr>
-          <a:lstStyle/>
-          <a:p>
-            <a:pPr algn="r"/>
-            <a:r>
-              <a:rPr lang="en-US" sz="1200" dirty="0" smtClean="0">
-                <a:solidFill>
-                  <a:srgbClr val="808080"/>
-                </a:solidFill>
-                <a:latin typeface="Neo Sans Std Medium"/>
-                <a:cs typeface="Handwriting - Dakota"/>
-              </a:rPr>
-              <a:t>file: </a:t>
-            </a:r>
-            <a:r>
-              <a:rPr lang="en-US" sz="1200" dirty="0" err="1" smtClean="0">
-                <a:solidFill>
-                  <a:srgbClr val="808080"/>
-                </a:solidFill>
-                <a:latin typeface="Neo Sans Std Medium"/>
-                <a:cs typeface="Handwriting - Dakota"/>
-              </a:rPr>
-              <a:t>oo.clj</a:t>
-            </a:r>
-            <a:endParaRPr lang="en-US" sz="1200" dirty="0">
-              <a:solidFill>
-                <a:srgbClr val="808080"/>
-              </a:solidFill>
-              <a:latin typeface="Neo Sans Std Medium"/>
-              <a:cs typeface="Handwriting - Dakota"/>
-            </a:endParaRPr>
-          </a:p>
-        </p:txBody>
-      </p:sp>
       <p:pic>
         <p:nvPicPr>
-          <p:cNvPr id="6" name="Picture 5"/>
+          <p:cNvPr id="5" name="Picture 4"/>
           <p:cNvPicPr>
             <a:picLocks noChangeAspect="1"/>
           </p:cNvPicPr>
@@ -7387,14 +7673,84 @@
         </p:blipFill>
         <p:spPr>
           <a:xfrm>
-            <a:off x="609600" y="1676400"/>
-            <a:ext cx="2578100" cy="2298700"/>
+            <a:off x="1066800" y="1676400"/>
+            <a:ext cx="5580185" cy="2667000"/>
           </a:xfrm>
           <a:prstGeom prst="rect">
             <a:avLst/>
           </a:prstGeom>
         </p:spPr>
       </p:pic>
+      <p:sp>
+        <p:nvSpPr>
+          <p:cNvPr id="2" name="Title 1"/>
+          <p:cNvSpPr>
+            <a:spLocks noGrp="1"/>
+          </p:cNvSpPr>
+          <p:nvPr>
+            <p:ph type="title"/>
+          </p:nvPr>
+        </p:nvSpPr>
+        <p:spPr>
+          <a:xfrm>
+            <a:off x="533400" y="1066800"/>
+            <a:ext cx="7924800" cy="685800"/>
+          </a:xfrm>
+        </p:spPr>
+        <p:txBody>
+          <a:bodyPr/>
+          <a:lstStyle/>
+          <a:p>
+            <a:r>
+              <a:rPr lang="en-US" dirty="0" smtClean="0"/>
+              <a:t>STM – Software Transactional Memory</a:t>
+            </a:r>
+            <a:endParaRPr lang="en-US" dirty="0"/>
+          </a:p>
+        </p:txBody>
+      </p:sp>
+      <p:sp>
+        <p:nvSpPr>
+          <p:cNvPr id="6" name="TextBox 5"/>
+          <p:cNvSpPr txBox="1"/>
+          <p:nvPr/>
+        </p:nvSpPr>
+        <p:spPr>
+          <a:xfrm rot="325953">
+            <a:off x="5612623" y="2045556"/>
+            <a:ext cx="3026188" cy="1200328"/>
+          </a:xfrm>
+          <a:prstGeom prst="rect">
+            <a:avLst/>
+          </a:prstGeom>
+          <a:noFill/>
+        </p:spPr>
+        <p:txBody>
+          <a:bodyPr wrap="square" rtlCol="0">
+            <a:spAutoFit/>
+          </a:bodyPr>
+          <a:lstStyle/>
+          <a:p>
+            <a:r>
+              <a:rPr lang="en-US" dirty="0" smtClean="0">
+                <a:solidFill>
+                  <a:srgbClr val="808080"/>
+                </a:solidFill>
+                <a:latin typeface="Handwriting - Dakota"/>
+                <a:cs typeface="Handwriting - Dakota"/>
+              </a:rPr>
+              <a:t>concurrency-safe in-memory transactions!</a:t>
+            </a:r>
+            <a:endParaRPr lang="en-US" dirty="0">
+              <a:solidFill>
+                <a:srgbClr val="808080"/>
+              </a:solidFill>
+              <a:latin typeface="Handwriting - Dakota"/>
+              <a:cs typeface="Handwriting - Dakota"/>
+            </a:endParaRPr>
+          </a:p>
+        </p:txBody>
+      </p:sp>
       <p:pic>
         <p:nvPicPr>
           <p:cNvPr id="8" name="Picture 7"/>
@@ -7411,96 +7767,24 @@
         </p:blipFill>
         <p:spPr>
           <a:xfrm>
-            <a:off x="4267200" y="2057400"/>
-            <a:ext cx="3860800" cy="711200"/>
+            <a:off x="1066800" y="4419600"/>
+            <a:ext cx="7454900" cy="1714500"/>
           </a:xfrm>
           <a:prstGeom prst="rect">
             <a:avLst/>
           </a:prstGeom>
         </p:spPr>
       </p:pic>
-      <p:pic>
-        <p:nvPicPr>
-          <p:cNvPr id="10" name="Picture 9"/>
-          <p:cNvPicPr>
-            <a:picLocks noChangeAspect="1"/>
-          </p:cNvPicPr>
-          <p:nvPr/>
-        </p:nvPicPr>
-        <p:blipFill>
-          <a:blip r:embed="rId4"/>
-          <a:stretch>
-            <a:fillRect/>
-          </a:stretch>
-        </p:blipFill>
-        <p:spPr>
-          <a:xfrm>
-            <a:off x="4267200" y="2971800"/>
-            <a:ext cx="4597400" cy="863600"/>
-          </a:xfrm>
-          <a:prstGeom prst="rect">
-            <a:avLst/>
-          </a:prstGeom>
-        </p:spPr>
-      </p:pic>
-      <p:pic>
-        <p:nvPicPr>
-          <p:cNvPr id="11" name="Picture 10"/>
-          <p:cNvPicPr>
-            <a:picLocks noChangeAspect="1"/>
-          </p:cNvPicPr>
-          <p:nvPr/>
-        </p:nvPicPr>
-        <p:blipFill>
-          <a:blip r:embed="rId5"/>
-          <a:stretch>
-            <a:fillRect/>
-          </a:stretch>
-        </p:blipFill>
-        <p:spPr>
-          <a:xfrm>
-            <a:off x="1143000" y="4470400"/>
-            <a:ext cx="2641600" cy="1092200"/>
-          </a:xfrm>
-          <a:prstGeom prst="rect">
-            <a:avLst/>
-          </a:prstGeom>
-        </p:spPr>
-      </p:pic>
-      <p:pic>
-        <p:nvPicPr>
-          <p:cNvPr id="12" name="Picture 11"/>
-          <p:cNvPicPr>
-            <a:picLocks noChangeAspect="1"/>
-          </p:cNvPicPr>
-          <p:nvPr/>
-        </p:nvPicPr>
-        <p:blipFill>
-          <a:blip r:embed="rId6"/>
-          <a:stretch>
-            <a:fillRect/>
-          </a:stretch>
-        </p:blipFill>
-        <p:spPr>
-          <a:xfrm>
-            <a:off x="4114800" y="4394200"/>
-            <a:ext cx="2451100" cy="1320800"/>
-          </a:xfrm>
-          <a:prstGeom prst="rect">
-            <a:avLst/>
-          </a:prstGeom>
-        </p:spPr>
-      </p:pic>
-      <p:sp>
-        <p:nvSpPr>
-          <p:cNvPr id="13" name="TextBox 12"/>
+      <p:sp>
+        <p:nvSpPr>
+          <p:cNvPr id="9" name="TextBox 8"/>
           <p:cNvSpPr txBox="1"/>
           <p:nvPr/>
         </p:nvSpPr>
         <p:spPr>
-          <a:xfrm rot="1269026">
-            <a:off x="6103135" y="4638982"/>
-            <a:ext cx="3026188" cy="646331"/>
+          <a:xfrm>
+            <a:off x="1143000" y="6096000"/>
+            <a:ext cx="7322664" cy="276999"/>
           </a:xfrm>
           <a:prstGeom prst="rect">
             <a:avLst/>
@@ -7513,21 +7797,32 @@
           </a:bodyPr>
           <a:lstStyle/>
           <a:p>
-            <a:r>
-              <a:rPr lang="en-US" sz="1800" dirty="0" smtClean="0">
+            <a:pPr algn="r"/>
+            <a:r>
+              <a:rPr lang="en-US" sz="1200" dirty="0" smtClean="0">
                 <a:solidFill>
                   <a:srgbClr val="808080"/>
                 </a:solidFill>
-                <a:latin typeface="Handwriting - Dakota"/>
+                <a:latin typeface="Neo Sans Std Medium"/>
                 <a:cs typeface="Handwriting - Dakota"/>
               </a:rPr>
-              <a:t>Open for extension, closed for modification</a:t>
-            </a:r>
-            <a:endParaRPr lang="en-US" sz="1800" dirty="0">
+              <a:t>file: </a:t>
+            </a:r>
+            <a:r>
+              <a:rPr lang="en-US" sz="1200" dirty="0" err="1" smtClean="0">
+                <a:solidFill>
+                  <a:srgbClr val="808080"/>
+                </a:solidFill>
+                <a:latin typeface="Neo Sans Std Medium"/>
+                <a:cs typeface="Handwriting - Dakota"/>
+              </a:rPr>
+              <a:t>stm.clj</a:t>
+            </a:r>
+            <a:endParaRPr lang="en-US" sz="1200" dirty="0">
               <a:solidFill>
                 <a:srgbClr val="808080"/>
               </a:solidFill>
-              <a:latin typeface="Handwriting - Dakota"/>
+              <a:latin typeface="Neo Sans Std Medium"/>
               <a:cs typeface="Handwriting - Dakota"/>
             </a:endParaRPr>
           </a:p>
@@ -7535,21 +7830,22 @@
       </p:sp>
       <p:sp>
         <p:nvSpPr>
-          <p:cNvPr id="15" name="Right Arrow 14"/>
+          <p:cNvPr id="7" name="Rectangle 6"/>
           <p:cNvSpPr/>
           <p:nvPr/>
         </p:nvSpPr>
         <p:spPr bwMode="auto">
-          <a:xfrm rot="3587848">
-            <a:off x="3020153" y="3925070"/>
-            <a:ext cx="660814" cy="379459"/>
-          </a:xfrm>
-          <a:prstGeom prst="rightArrow">
+          <a:xfrm>
+            <a:off x="7086600" y="3810000"/>
+            <a:ext cx="1600200" cy="685800"/>
+          </a:xfrm>
+          <a:prstGeom prst="rect">
             <a:avLst/>
           </a:prstGeom>
           <a:solidFill>
-            <a:schemeClr val="accent3">
-              <a:lumMod val="85000"/>
+            <a:schemeClr val="bg2">
+              <a:lumMod val="20000"/>
+              <a:lumOff val="80000"/>
             </a:schemeClr>
           </a:solidFill>
           <a:ln w="9525" cap="flat" cmpd="sng" algn="ctr">
@@ -7564,32 +7860,159 @@
           <a:effectLst/>
         </p:spPr>
         <p:txBody>
-          <a:bodyPr/>
+          <a:bodyPr vert="horz" wrap="square" lIns="91440" tIns="45720" rIns="91440" bIns="45720" numCol="1" rtlCol="0" anchor="t" anchorCtr="0" compatLnSpc="1">
+            <a:prstTxWarp prst="textNoShape">
+              <a:avLst/>
+            </a:prstTxWarp>
+          </a:bodyPr>
           <a:lstStyle/>
           <a:p>
-            <a:endParaRPr lang="en-US" sz="1400" dirty="0" smtClean="0">
+            <a:pPr marL="0" marR="0" indent="0" algn="l" defTabSz="914400" rtl="0" eaLnBrk="0" fontAlgn="base" latinLnBrk="0" hangingPunct="0">
+              <a:lnSpc>
+                <a:spcPct val="100000"/>
+              </a:lnSpc>
+              <a:spcBef>
+                <a:spcPct val="0"/>
+              </a:spcBef>
+              <a:spcAft>
+                <a:spcPct val="0"/>
+              </a:spcAft>
+              <a:buClrTx/>
+              <a:buSzTx/>
+              <a:buFontTx/>
+              <a:buNone/>
+              <a:tabLst/>
+            </a:pPr>
+            <a:endParaRPr kumimoji="0" lang="en-US" sz="2400" b="0" i="0" u="none" strike="noStrike" cap="none" normalizeH="0" baseline="0" dirty="0" smtClean="0">
+              <a:ln>
+                <a:noFill/>
+              </a:ln>
+              <a:solidFill>
+                <a:schemeClr val="tx1"/>
+              </a:solidFill>
+              <a:effectLst/>
               <a:latin typeface="Neo Sans Std"/>
+              <a:ea typeface="ヒラギノ角ゴ Pro W3" pitchFamily="-80" charset="-128"/>
             </a:endParaRPr>
           </a:p>
         </p:txBody>
       </p:sp>
       <p:sp>
         <p:nvSpPr>
-          <p:cNvPr id="16" name="Right Arrow 15"/>
+          <p:cNvPr id="10" name="Rectangle 9"/>
           <p:cNvSpPr/>
           <p:nvPr/>
         </p:nvSpPr>
         <p:spPr bwMode="auto">
-          <a:xfrm rot="6619868">
-            <a:off x="4153301" y="4072214"/>
-            <a:ext cx="660814" cy="379459"/>
-          </a:xfrm>
-          <a:prstGeom prst="rightArrow">
+          <a:xfrm>
+            <a:off x="7239000" y="3886200"/>
+            <a:ext cx="381000" cy="533400"/>
+          </a:xfrm>
+          <a:prstGeom prst="rect">
             <a:avLst/>
           </a:prstGeom>
           <a:solidFill>
-            <a:schemeClr val="accent3">
-              <a:lumMod val="85000"/>
+            <a:srgbClr val="D1E318"/>
+          </a:solidFill>
+          <a:ln w="9525" cap="flat" cmpd="sng" algn="ctr">
+            <a:solidFill>
+              <a:schemeClr val="tx1"/>
+            </a:solidFill>
+            <a:prstDash val="solid"/>
+            <a:round/>
+            <a:headEnd type="none" w="med" len="med"/>
+            <a:tailEnd type="none" w="med" len="med"/>
+          </a:ln>
+          <a:effectLst/>
+        </p:spPr>
+        <p:txBody>
+          <a:bodyPr vert="horz" wrap="square" lIns="91440" tIns="45720" rIns="91440" bIns="45720" numCol="1" rtlCol="0" anchor="t" anchorCtr="0" compatLnSpc="1">
+            <a:prstTxWarp prst="textNoShape">
+              <a:avLst/>
+            </a:prstTxWarp>
+          </a:bodyPr>
+          <a:lstStyle/>
+          <a:p>
+            <a:pPr marL="0" marR="0" indent="0" algn="l" defTabSz="914400" rtl="0" eaLnBrk="0" fontAlgn="base" latinLnBrk="0" hangingPunct="0">
+              <a:lnSpc>
+                <a:spcPct val="100000"/>
+              </a:lnSpc>
+              <a:spcBef>
+                <a:spcPct val="0"/>
+              </a:spcBef>
+              <a:spcAft>
+                <a:spcPct val="0"/>
+              </a:spcAft>
+              <a:buClrTx/>
+              <a:buSzTx/>
+              <a:buFontTx/>
+              <a:buNone/>
+              <a:tabLst/>
+            </a:pPr>
+            <a:r>
+              <a:rPr kumimoji="0" lang="en-US" sz="2400" b="0" i="0" u="none" strike="noStrike" cap="none" normalizeH="0" baseline="0" dirty="0" smtClean="0">
+                <a:ln>
+                  <a:noFill/>
+                </a:ln>
+                <a:solidFill>
+                  <a:schemeClr val="tx1"/>
+                </a:solidFill>
+                <a:effectLst/>
+                <a:latin typeface="Neo Sans Std"/>
+                <a:ea typeface="ヒラギノ角ゴ Pro W3" pitchFamily="-80" charset="-128"/>
+              </a:rPr>
+              <a:t>1</a:t>
+            </a:r>
+          </a:p>
+        </p:txBody>
+      </p:sp>
+      <p:cxnSp>
+        <p:nvCxnSpPr>
+          <p:cNvPr id="16" name="Straight Arrow Connector 15"/>
+          <p:cNvCxnSpPr/>
+          <p:nvPr/>
+        </p:nvCxnSpPr>
+        <p:spPr bwMode="auto">
+          <a:xfrm flipV="1">
+            <a:off x="6172200" y="4114800"/>
+            <a:ext cx="838200" cy="304800"/>
+          </a:xfrm>
+          <a:prstGeom prst="straightConnector1">
+            <a:avLst/>
+          </a:prstGeom>
+          <a:solidFill>
+            <a:schemeClr val="accent1"/>
+          </a:solidFill>
+          <a:ln w="38100" cap="flat" cmpd="sng" algn="ctr">
+            <a:solidFill>
+              <a:schemeClr val="tx1"/>
+            </a:solidFill>
+            <a:prstDash val="sysDash"/>
+            <a:round/>
+            <a:headEnd type="none" w="med" len="med"/>
+            <a:tailEnd type="arrow" w="med" len="med"/>
+          </a:ln>
+          <a:effectLst/>
+        </p:spPr>
+      </p:cxnSp>
+      <p:sp>
+        <p:nvSpPr>
+          <p:cNvPr id="21" name="Rectangle 20"/>
+          <p:cNvSpPr/>
+          <p:nvPr/>
+        </p:nvSpPr>
+        <p:spPr bwMode="auto">
+          <a:xfrm>
+            <a:off x="7086600" y="4648200"/>
+            <a:ext cx="1600200" cy="685800"/>
+          </a:xfrm>
+          <a:prstGeom prst="rect">
+            <a:avLst/>
+          </a:prstGeom>
+          <a:solidFill>
+            <a:schemeClr val="bg2">
+              <a:lumMod val="20000"/>
+              <a:lumOff val="80000"/>
             </a:schemeClr>
           </a:solidFill>
           <a:ln w="9525" cap="flat" cmpd="sng" algn="ctr">
@@ -7604,33 +8027,59 @@
           <a:effectLst/>
         </p:spPr>
         <p:txBody>
-          <a:bodyPr/>
+          <a:bodyPr vert="horz" wrap="square" lIns="91440" tIns="45720" rIns="91440" bIns="45720" numCol="1" rtlCol="0" anchor="t" anchorCtr="0" compatLnSpc="1">
+            <a:prstTxWarp prst="textNoShape">
+              <a:avLst/>
+            </a:prstTxWarp>
+          </a:bodyPr>
           <a:lstStyle/>
           <a:p>
-            <a:endParaRPr lang="en-US" sz="1400" dirty="0" smtClean="0">
+            <a:pPr marL="0" marR="0" indent="0" algn="l" defTabSz="914400" rtl="0" eaLnBrk="0" fontAlgn="base" latinLnBrk="0" hangingPunct="0">
+              <a:lnSpc>
+                <a:spcPct val="100000"/>
+              </a:lnSpc>
+              <a:spcBef>
+                <a:spcPct val="0"/>
+              </a:spcBef>
+              <a:spcAft>
+                <a:spcPct val="0"/>
+              </a:spcAft>
+              <a:buClrTx/>
+              <a:buSzTx/>
+              <a:buFontTx/>
+              <a:buNone/>
+              <a:tabLst/>
+            </a:pPr>
+            <a:endParaRPr kumimoji="0" lang="en-US" sz="2400" b="0" i="0" u="none" strike="noStrike" cap="none" normalizeH="0" baseline="0" dirty="0" smtClean="0">
+              <a:ln>
+                <a:noFill/>
+              </a:ln>
+              <a:solidFill>
+                <a:schemeClr val="tx1"/>
+              </a:solidFill>
+              <a:effectLst/>
               <a:latin typeface="Neo Sans Std"/>
+              <a:ea typeface="ヒラギノ角ゴ Pro W3" pitchFamily="-80" charset="-128"/>
             </a:endParaRPr>
           </a:p>
         </p:txBody>
       </p:sp>
       <p:sp>
         <p:nvSpPr>
-          <p:cNvPr id="17" name="Right Arrow 16"/>
+          <p:cNvPr id="22" name="Rectangle 21"/>
           <p:cNvSpPr/>
           <p:nvPr/>
         </p:nvSpPr>
         <p:spPr bwMode="auto">
-          <a:xfrm rot="5400000">
-            <a:off x="3593122" y="5474678"/>
-            <a:ext cx="660814" cy="379459"/>
-          </a:xfrm>
-          <a:prstGeom prst="rightArrow">
+          <a:xfrm>
+            <a:off x="7239000" y="4724400"/>
+            <a:ext cx="381000" cy="533400"/>
+          </a:xfrm>
+          <a:prstGeom prst="rect">
             <a:avLst/>
           </a:prstGeom>
           <a:solidFill>
-            <a:schemeClr val="accent3">
-              <a:lumMod val="85000"/>
-            </a:schemeClr>
+            <a:srgbClr val="D1E318"/>
           </a:solidFill>
           <a:ln w="9525" cap="flat" cmpd="sng" algn="ctr">
             <a:solidFill>
@@ -7644,78 +8093,265 @@
           <a:effectLst/>
         </p:spPr>
         <p:txBody>
-          <a:bodyPr/>
+          <a:bodyPr vert="horz" wrap="square" lIns="91440" tIns="45720" rIns="91440" bIns="45720" numCol="1" rtlCol="0" anchor="t" anchorCtr="0" compatLnSpc="1">
+            <a:prstTxWarp prst="textNoShape">
+              <a:avLst/>
+            </a:prstTxWarp>
+          </a:bodyPr>
           <a:lstStyle/>
           <a:p>
-            <a:endParaRPr lang="en-US" sz="1400" dirty="0" smtClean="0">
-              <a:latin typeface="Neo Sans Std"/>
-            </a:endParaRPr>
-          </a:p>
-        </p:txBody>
-      </p:sp>
-      <p:sp>
-        <p:nvSpPr>
-          <p:cNvPr id="18" name="Rectangle 17"/>
+            <a:pPr marL="0" marR="0" indent="0" algn="l" defTabSz="914400" rtl="0" eaLnBrk="0" fontAlgn="base" latinLnBrk="0" hangingPunct="0">
+              <a:lnSpc>
+                <a:spcPct val="100000"/>
+              </a:lnSpc>
+              <a:spcBef>
+                <a:spcPct val="0"/>
+              </a:spcBef>
+              <a:spcAft>
+                <a:spcPct val="0"/>
+              </a:spcAft>
+              <a:buClrTx/>
+              <a:buSzTx/>
+              <a:buFontTx/>
+              <a:buNone/>
+              <a:tabLst/>
+            </a:pPr>
+            <a:r>
+              <a:rPr kumimoji="0" lang="en-US" sz="2400" b="0" i="0" u="none" strike="noStrike" cap="none" normalizeH="0" baseline="0" dirty="0" smtClean="0">
+                <a:ln>
+                  <a:noFill/>
+                </a:ln>
+                <a:solidFill>
+                  <a:schemeClr val="tx1"/>
+                </a:solidFill>
+                <a:effectLst/>
+                <a:latin typeface="Neo Sans Std"/>
+                <a:ea typeface="ヒラギノ角ゴ Pro W3" pitchFamily="-80" charset="-128"/>
+              </a:rPr>
+              <a:t>1</a:t>
+            </a:r>
+          </a:p>
+        </p:txBody>
+      </p:sp>
+      <p:sp>
+        <p:nvSpPr>
+          <p:cNvPr id="23" name="Rectangle 22"/>
           <p:cNvSpPr/>
           <p:nvPr/>
         </p:nvSpPr>
-        <p:spPr>
-          <a:xfrm>
-            <a:off x="1981200" y="5867400"/>
-            <a:ext cx="5334000" cy="584776"/>
+        <p:spPr bwMode="auto">
+          <a:xfrm>
+            <a:off x="8153400" y="4724400"/>
+            <a:ext cx="381000" cy="533400"/>
           </a:xfrm>
           <a:prstGeom prst="rect">
             <a:avLst/>
           </a:prstGeom>
-        </p:spPr>
-        <p:txBody>
-          <a:bodyPr wrap="square">
-            <a:spAutoFit/>
+          <a:solidFill>
+            <a:srgbClr val="D1E318"/>
+          </a:solidFill>
+          <a:ln w="9525" cap="flat" cmpd="sng" algn="ctr">
+            <a:solidFill>
+              <a:schemeClr val="tx1"/>
+            </a:solidFill>
+            <a:prstDash val="solid"/>
+            <a:round/>
+            <a:headEnd type="none" w="med" len="med"/>
+            <a:tailEnd type="none" w="med" len="med"/>
+          </a:ln>
+          <a:effectLst/>
+        </p:spPr>
+        <p:txBody>
+          <a:bodyPr vert="horz" wrap="square" lIns="91440" tIns="45720" rIns="91440" bIns="45720" numCol="1" rtlCol="0" anchor="t" anchorCtr="0" compatLnSpc="1">
+            <a:prstTxWarp prst="textNoShape">
+              <a:avLst/>
+            </a:prstTxWarp>
           </a:bodyPr>
           <a:lstStyle/>
           <a:p>
-            <a:r>
-              <a:rPr lang="en-US" sz="1600" dirty="0" smtClean="0">
-                <a:latin typeface="Courier New"/>
-                <a:cs typeface="Courier New"/>
-              </a:rPr>
-              <a:t>(price-with-vat espresso) </a:t>
-            </a:r>
-          </a:p>
-          <a:p>
-            <a:r>
-              <a:rPr lang="en-US" sz="1600" dirty="0" smtClean="0">
-                <a:latin typeface="Courier New"/>
-                <a:cs typeface="Courier New"/>
-              </a:rPr>
-              <a:t>(vat </a:t>
-            </a:r>
-            <a:r>
-              <a:rPr lang="en-US" sz="1600" dirty="0" err="1" smtClean="0">
-                <a:latin typeface="Courier New"/>
-                <a:cs typeface="Courier New"/>
-              </a:rPr>
-              <a:t>iver</a:t>
-            </a:r>
-            <a:r>
-              <a:rPr lang="en-US" sz="1600" dirty="0" smtClean="0">
-                <a:latin typeface="Courier New"/>
-                <a:cs typeface="Courier New"/>
-              </a:rPr>
-              <a:t>)</a:t>
-            </a:r>
-            <a:endParaRPr lang="en-US" sz="1600" dirty="0" smtClean="0">
-              <a:latin typeface="Courier New"/>
-              <a:cs typeface="Courier New"/>
+            <a:pPr marL="0" marR="0" indent="0" algn="l" defTabSz="914400" rtl="0" eaLnBrk="0" fontAlgn="base" latinLnBrk="0" hangingPunct="0">
+              <a:lnSpc>
+                <a:spcPct val="100000"/>
+              </a:lnSpc>
+              <a:spcBef>
+                <a:spcPct val="0"/>
+              </a:spcBef>
+              <a:spcAft>
+                <a:spcPct val="0"/>
+              </a:spcAft>
+              <a:buClrTx/>
+              <a:buSzTx/>
+              <a:buFontTx/>
+              <a:buNone/>
+              <a:tabLst/>
+            </a:pPr>
+            <a:r>
+              <a:rPr lang="en-US" dirty="0" smtClean="0">
+                <a:latin typeface="Neo Sans Std"/>
+              </a:rPr>
+              <a:t>2</a:t>
+            </a:r>
+            <a:endParaRPr kumimoji="0" lang="en-US" sz="2400" b="0" i="0" u="none" strike="noStrike" cap="none" normalizeH="0" baseline="0" dirty="0" smtClean="0">
+              <a:ln>
+                <a:noFill/>
+              </a:ln>
+              <a:solidFill>
+                <a:schemeClr val="tx1"/>
+              </a:solidFill>
+              <a:effectLst/>
+              <a:latin typeface="Neo Sans Std"/>
+              <a:ea typeface="ヒラギノ角ゴ Pro W3" pitchFamily="-80" charset="-128"/>
             </a:endParaRPr>
           </a:p>
         </p:txBody>
       </p:sp>
+      <p:cxnSp>
+        <p:nvCxnSpPr>
+          <p:cNvPr id="24" name="Straight Arrow Connector 23"/>
+          <p:cNvCxnSpPr>
+            <a:stCxn id="22" idx="3"/>
+            <a:endCxn id="23" idx="1"/>
+          </p:cNvCxnSpPr>
+          <p:nvPr/>
+        </p:nvCxnSpPr>
+        <p:spPr bwMode="auto">
+          <a:xfrm>
+            <a:off x="7620000" y="4991100"/>
+            <a:ext cx="533400" cy="1588"/>
+          </a:xfrm>
+          <a:prstGeom prst="straightConnector1">
+            <a:avLst/>
+          </a:prstGeom>
+          <a:solidFill>
+            <a:schemeClr val="accent1"/>
+          </a:solidFill>
+          <a:ln w="9525" cap="flat" cmpd="sng" algn="ctr">
+            <a:solidFill>
+              <a:schemeClr val="tx1"/>
+            </a:solidFill>
+            <a:prstDash val="solid"/>
+            <a:round/>
+            <a:headEnd type="none" w="med" len="med"/>
+            <a:tailEnd type="arrow"/>
+          </a:ln>
+          <a:effectLst/>
+        </p:spPr>
+      </p:cxnSp>
+      <p:sp>
+        <p:nvSpPr>
+          <p:cNvPr id="26" name="Oval 25"/>
+          <p:cNvSpPr/>
+          <p:nvPr/>
+        </p:nvSpPr>
+        <p:spPr bwMode="auto">
+          <a:xfrm>
+            <a:off x="5257800" y="4267200"/>
+            <a:ext cx="838200" cy="609600"/>
+          </a:xfrm>
+          <a:prstGeom prst="ellipse">
+            <a:avLst/>
+          </a:prstGeom>
+          <a:solidFill>
+            <a:srgbClr val="D1E318"/>
+          </a:solidFill>
+          <a:ln w="9525" cap="flat" cmpd="sng" algn="ctr">
+            <a:solidFill>
+              <a:schemeClr val="tx1"/>
+            </a:solidFill>
+            <a:prstDash val="solid"/>
+            <a:round/>
+            <a:headEnd type="none" w="med" len="med"/>
+            <a:tailEnd type="none" w="med" len="med"/>
+          </a:ln>
+          <a:effectLst/>
+        </p:spPr>
+        <p:txBody>
+          <a:bodyPr vert="horz" wrap="square" lIns="91440" tIns="45720" rIns="91440" bIns="45720" numCol="1" rtlCol="0" anchor="t" anchorCtr="0" compatLnSpc="1">
+            <a:prstTxWarp prst="textNoShape">
+              <a:avLst/>
+            </a:prstTxWarp>
+          </a:bodyPr>
+          <a:lstStyle/>
+          <a:p>
+            <a:r>
+              <a:rPr lang="en-US" dirty="0" smtClean="0">
+                <a:latin typeface="Neo Sans Std"/>
+              </a:rPr>
+              <a:t>ref</a:t>
+            </a:r>
+          </a:p>
+        </p:txBody>
+      </p:sp>
+      <p:cxnSp>
+        <p:nvCxnSpPr>
+          <p:cNvPr id="27" name="Straight Arrow Connector 26"/>
+          <p:cNvCxnSpPr/>
+          <p:nvPr/>
+        </p:nvCxnSpPr>
+        <p:spPr bwMode="auto">
+          <a:xfrm>
+            <a:off x="6172200" y="4800600"/>
+            <a:ext cx="762000" cy="152400"/>
+          </a:xfrm>
+          <a:prstGeom prst="straightConnector1">
+            <a:avLst/>
+          </a:prstGeom>
+          <a:solidFill>
+            <a:schemeClr val="accent1"/>
+          </a:solidFill>
+          <a:ln w="38100" cap="flat" cmpd="sng" algn="ctr">
+            <a:solidFill>
+              <a:schemeClr val="tx1"/>
+            </a:solidFill>
+            <a:prstDash val="solid"/>
+            <a:round/>
+            <a:headEnd type="none" w="med" len="med"/>
+            <a:tailEnd type="arrow" w="med" len="med"/>
+          </a:ln>
+          <a:effectLst/>
+        </p:spPr>
+      </p:cxnSp>
+      <p:cxnSp>
+        <p:nvCxnSpPr>
+          <p:cNvPr id="38" name="Straight Arrow Connector 37"/>
+          <p:cNvCxnSpPr/>
+          <p:nvPr/>
+        </p:nvCxnSpPr>
+        <p:spPr bwMode="auto">
+          <a:xfrm rot="5400000">
+            <a:off x="6324600" y="4572000"/>
+            <a:ext cx="304800" cy="1588"/>
+          </a:xfrm>
+          <a:prstGeom prst="straightConnector1">
+            <a:avLst/>
+          </a:prstGeom>
+          <a:solidFill>
+            <a:schemeClr val="accent1"/>
+          </a:solidFill>
+          <a:ln w="9525" cap="flat" cmpd="sng" algn="ctr">
+            <a:solidFill>
+              <a:schemeClr val="tx1"/>
+            </a:solidFill>
+            <a:prstDash val="solid"/>
+            <a:round/>
+            <a:headEnd type="none" w="med" len="med"/>
+            <a:tailEnd type="arrow"/>
+          </a:ln>
+          <a:effectLst/>
+        </p:spPr>
+      </p:cxnSp>
     </p:spTree>
   </p:cSld>
   <p:clrMapOvr>
     <a:masterClrMapping/>
   </p:clrMapOvr>
+  <p:timing>
+    <p:tnLst>
+      <p:par>
+        <p:cTn id="1" dur="indefinite" restart="never" nodeType="tmRoot"/>
+      </p:par>
+    </p:tnLst>
+  </p:timing>
 </p:sld>
 </file>
 
@@ -7746,27 +8382,75 @@
             <p:ph type="title"/>
           </p:nvPr>
         </p:nvSpPr>
-        <p:spPr>
-          <a:xfrm>
-            <a:off x="533400" y="1066800"/>
-            <a:ext cx="6858000" cy="685800"/>
-          </a:xfrm>
-        </p:spPr>
+        <p:spPr/>
         <p:txBody>
           <a:bodyPr/>
           <a:lstStyle/>
           <a:p>
             <a:r>
               <a:rPr lang="en-US" dirty="0" smtClean="0"/>
-              <a:t>Multi-methods</a:t>
+              <a:t>Object Oriented with Protocols</a:t>
             </a:r>
             <a:endParaRPr lang="en-US" dirty="0"/>
+          </a:p>
+        </p:txBody>
+      </p:sp>
+      <p:sp>
+        <p:nvSpPr>
+          <p:cNvPr id="3" name="TextBox 2"/>
+          <p:cNvSpPr txBox="1"/>
+          <p:nvPr/>
+        </p:nvSpPr>
+        <p:spPr>
+          <a:xfrm>
+            <a:off x="1143000" y="6096000"/>
+            <a:ext cx="7322664" cy="276999"/>
+          </a:xfrm>
+          <a:prstGeom prst="rect">
+            <a:avLst/>
+          </a:prstGeom>
+          <a:noFill/>
+        </p:spPr>
+        <p:txBody>
+          <a:bodyPr wrap="square" rtlCol="0">
+            <a:spAutoFit/>
+          </a:bodyPr>
+          <a:lstStyle/>
+          <a:p>
+            <a:pPr algn="r"/>
+            <a:r>
+              <a:rPr lang="en-US" sz="1200" dirty="0" smtClean="0">
+                <a:solidFill>
+                  <a:srgbClr val="808080"/>
+                </a:solidFill>
+                <a:latin typeface="Neo Sans Std Medium"/>
+                <a:cs typeface="Handwriting - Dakota"/>
+              </a:rPr>
+              <a:t>file: </a:t>
+            </a:r>
+            <a:r>
+              <a:rPr lang="en-US" sz="1200" dirty="0" err="1" smtClean="0">
+                <a:solidFill>
+                  <a:srgbClr val="808080"/>
+                </a:solidFill>
+                <a:latin typeface="Neo Sans Std Medium"/>
+                <a:cs typeface="Handwriting - Dakota"/>
+              </a:rPr>
+              <a:t>oo.clj</a:t>
+            </a:r>
+            <a:endParaRPr lang="en-US" sz="1200" dirty="0">
+              <a:solidFill>
+                <a:srgbClr val="808080"/>
+              </a:solidFill>
+              <a:latin typeface="Neo Sans Std Medium"/>
+              <a:cs typeface="Handwriting - Dakota"/>
+            </a:endParaRPr>
           </a:p>
         </p:txBody>
       </p:sp>
       <p:pic>
         <p:nvPicPr>
-          <p:cNvPr id="4" name="Picture 3"/>
+          <p:cNvPr id="6" name="Picture 5"/>
           <p:cNvPicPr>
             <a:picLocks noChangeAspect="1"/>
           </p:cNvPicPr>
@@ -7780,56 +8464,14 @@
         </p:blipFill>
         <p:spPr>
           <a:xfrm>
-            <a:off x="1447800" y="5257800"/>
-            <a:ext cx="6540500" cy="838200"/>
+            <a:off x="609600" y="1676400"/>
+            <a:ext cx="2578100" cy="2298700"/>
           </a:xfrm>
           <a:prstGeom prst="rect">
             <a:avLst/>
           </a:prstGeom>
         </p:spPr>
       </p:pic>
-      <p:sp>
-        <p:nvSpPr>
-          <p:cNvPr id="6" name="TextBox 5"/>
-          <p:cNvSpPr txBox="1"/>
-          <p:nvPr/>
-        </p:nvSpPr>
-        <p:spPr>
-          <a:xfrm rot="188625">
-            <a:off x="4130516" y="4797022"/>
-            <a:ext cx="2666181" cy="646331"/>
-          </a:xfrm>
-          <a:prstGeom prst="rect">
-            <a:avLst/>
-          </a:prstGeom>
-          <a:noFill/>
-        </p:spPr>
-        <p:txBody>
-          <a:bodyPr wrap="square" rtlCol="0">
-            <a:spAutoFit/>
-          </a:bodyPr>
-          <a:lstStyle/>
-          <a:p>
-            <a:r>
-              <a:rPr lang="en-US" sz="1800" dirty="0" smtClean="0">
-                <a:solidFill>
-                  <a:srgbClr val="808080"/>
-                </a:solidFill>
-                <a:latin typeface="Handwriting - Dakota"/>
-                <a:cs typeface="Handwriting - Dakota"/>
-              </a:rPr>
-              <a:t>Not your mother’s dispatch</a:t>
-            </a:r>
-            <a:endParaRPr lang="en-US" sz="1800" dirty="0">
-              <a:solidFill>
-                <a:srgbClr val="808080"/>
-              </a:solidFill>
-              <a:latin typeface="Handwriting - Dakota"/>
-              <a:cs typeface="Handwriting - Dakota"/>
-            </a:endParaRPr>
-          </a:p>
-        </p:txBody>
-      </p:sp>
       <p:pic>
         <p:nvPicPr>
           <p:cNvPr id="8" name="Picture 7"/>
@@ -7846,8 +8488,8 @@
         </p:blipFill>
         <p:spPr>
           <a:xfrm>
-            <a:off x="2057400" y="3505200"/>
-            <a:ext cx="4686300" cy="952500"/>
+            <a:off x="4267200" y="2057400"/>
+            <a:ext cx="3860800" cy="711200"/>
           </a:xfrm>
           <a:prstGeom prst="rect">
             <a:avLst/>
@@ -7856,7 +8498,7 @@
       </p:pic>
       <p:pic>
         <p:nvPicPr>
-          <p:cNvPr id="9" name="Picture 8"/>
+          <p:cNvPr id="10" name="Picture 9"/>
           <p:cNvPicPr>
             <a:picLocks noChangeAspect="1"/>
           </p:cNvPicPr>
@@ -7870,24 +8512,72 @@
         </p:blipFill>
         <p:spPr>
           <a:xfrm>
-            <a:off x="533400" y="1981200"/>
-            <a:ext cx="5765800" cy="1206500"/>
+            <a:off x="4267200" y="2971800"/>
+            <a:ext cx="4597400" cy="863600"/>
           </a:xfrm>
           <a:prstGeom prst="rect">
             <a:avLst/>
           </a:prstGeom>
         </p:spPr>
       </p:pic>
-      <p:sp>
-        <p:nvSpPr>
-          <p:cNvPr id="5" name="TextBox 4"/>
+      <p:pic>
+        <p:nvPicPr>
+          <p:cNvPr id="11" name="Picture 10"/>
+          <p:cNvPicPr>
+            <a:picLocks noChangeAspect="1"/>
+          </p:cNvPicPr>
+          <p:nvPr/>
+        </p:nvPicPr>
+        <p:blipFill>
+          <a:blip r:embed="rId5"/>
+          <a:stretch>
+            <a:fillRect/>
+          </a:stretch>
+        </p:blipFill>
+        <p:spPr>
+          <a:xfrm>
+            <a:off x="1143000" y="4470400"/>
+            <a:ext cx="2641600" cy="1092200"/>
+          </a:xfrm>
+          <a:prstGeom prst="rect">
+            <a:avLst/>
+          </a:prstGeom>
+        </p:spPr>
+      </p:pic>
+      <p:pic>
+        <p:nvPicPr>
+          <p:cNvPr id="12" name="Picture 11"/>
+          <p:cNvPicPr>
+            <a:picLocks noChangeAspect="1"/>
+          </p:cNvPicPr>
+          <p:nvPr/>
+        </p:nvPicPr>
+        <p:blipFill>
+          <a:blip r:embed="rId6"/>
+          <a:stretch>
+            <a:fillRect/>
+          </a:stretch>
+        </p:blipFill>
+        <p:spPr>
+          <a:xfrm>
+            <a:off x="4114800" y="4394200"/>
+            <a:ext cx="2451100" cy="1320800"/>
+          </a:xfrm>
+          <a:prstGeom prst="rect">
+            <a:avLst/>
+          </a:prstGeom>
+        </p:spPr>
+      </p:pic>
+      <p:sp>
+        <p:nvSpPr>
+          <p:cNvPr id="13" name="TextBox 12"/>
           <p:cNvSpPr txBox="1"/>
           <p:nvPr/>
         </p:nvSpPr>
         <p:spPr>
-          <a:xfrm rot="1123954">
-            <a:off x="6205368" y="2392204"/>
-            <a:ext cx="2666181" cy="646331"/>
+          <a:xfrm rot="1269026">
+            <a:off x="6103135" y="4638982"/>
+            <a:ext cx="3026188" cy="646331"/>
           </a:xfrm>
           <a:prstGeom prst="rect">
             <a:avLst/>
@@ -7908,7 +8598,7 @@
                 <a:latin typeface="Handwriting - Dakota"/>
                 <a:cs typeface="Handwriting - Dakota"/>
               </a:rPr>
-              <a:t>Open-Closed Principle goodness</a:t>
+              <a:t>Open for extension, closed for modification</a:t>
             </a:r>
             <a:endParaRPr lang="en-US" sz="1800" dirty="0">
               <a:solidFill>
@@ -7922,14 +8612,14 @@
       </p:sp>
       <p:sp>
         <p:nvSpPr>
-          <p:cNvPr id="10" name="Right Arrow 9"/>
+          <p:cNvPr id="15" name="Right Arrow 14"/>
           <p:cNvSpPr/>
           <p:nvPr/>
         </p:nvSpPr>
         <p:spPr bwMode="auto">
-          <a:xfrm rot="7864782">
-            <a:off x="2690226" y="1923168"/>
-            <a:ext cx="351052" cy="221315"/>
+          <a:xfrm rot="3587848">
+            <a:off x="3020153" y="3925070"/>
+            <a:ext cx="660814" cy="379459"/>
           </a:xfrm>
           <a:prstGeom prst="rightArrow">
             <a:avLst/>
@@ -7962,14 +8652,14 @@
       </p:sp>
       <p:sp>
         <p:nvSpPr>
-          <p:cNvPr id="11" name="Right Arrow 10"/>
+          <p:cNvPr id="16" name="Right Arrow 15"/>
           <p:cNvSpPr/>
           <p:nvPr/>
         </p:nvSpPr>
         <p:spPr bwMode="auto">
-          <a:xfrm rot="7864782">
-            <a:off x="3757027" y="5123568"/>
-            <a:ext cx="351052" cy="221315"/>
+          <a:xfrm rot="6619868">
+            <a:off x="4153301" y="4072214"/>
+            <a:ext cx="660814" cy="379459"/>
           </a:xfrm>
           <a:prstGeom prst="rightArrow">
             <a:avLst/>
@@ -8002,64 +8692,95 @@
       </p:sp>
       <p:sp>
         <p:nvSpPr>
-          <p:cNvPr id="12" name="TextBox 11"/>
-          <p:cNvSpPr txBox="1"/>
+          <p:cNvPr id="17" name="Right Arrow 16"/>
+          <p:cNvSpPr/>
           <p:nvPr/>
         </p:nvSpPr>
+        <p:spPr bwMode="auto">
+          <a:xfrm rot="5400000">
+            <a:off x="3593122" y="5474678"/>
+            <a:ext cx="660814" cy="379459"/>
+          </a:xfrm>
+          <a:prstGeom prst="rightArrow">
+            <a:avLst/>
+          </a:prstGeom>
+          <a:solidFill>
+            <a:schemeClr val="accent3">
+              <a:lumMod val="85000"/>
+            </a:schemeClr>
+          </a:solidFill>
+          <a:ln w="9525" cap="flat" cmpd="sng" algn="ctr">
+            <a:solidFill>
+              <a:schemeClr val="tx1"/>
+            </a:solidFill>
+            <a:prstDash val="solid"/>
+            <a:round/>
+            <a:headEnd type="none" w="med" len="med"/>
+            <a:tailEnd type="none" w="med" len="med"/>
+          </a:ln>
+          <a:effectLst/>
+        </p:spPr>
+        <p:txBody>
+          <a:bodyPr/>
+          <a:lstStyle/>
+          <a:p>
+            <a:endParaRPr lang="en-US" sz="1400" dirty="0" smtClean="0">
+              <a:latin typeface="Neo Sans Std"/>
+            </a:endParaRPr>
+          </a:p>
+        </p:txBody>
+      </p:sp>
+      <p:sp>
+        <p:nvSpPr>
+          <p:cNvPr id="18" name="Rectangle 17"/>
+          <p:cNvSpPr/>
+          <p:nvPr/>
+        </p:nvSpPr>
         <p:spPr>
           <a:xfrm>
-            <a:off x="1143000" y="6096000"/>
-            <a:ext cx="7322664" cy="276999"/>
+            <a:off x="1981200" y="5867400"/>
+            <a:ext cx="5334000" cy="584776"/>
           </a:xfrm>
           <a:prstGeom prst="rect">
             <a:avLst/>
           </a:prstGeom>
-          <a:noFill/>
-        </p:spPr>
-        <p:txBody>
-          <a:bodyPr wrap="square" rtlCol="0">
+        </p:spPr>
+        <p:txBody>
+          <a:bodyPr wrap="square">
             <a:spAutoFit/>
           </a:bodyPr>
           <a:lstStyle/>
           <a:p>
-            <a:pPr algn="r"/>
-            <a:r>
-              <a:rPr lang="en-US" sz="1200" dirty="0" smtClean="0">
-                <a:solidFill>
-                  <a:srgbClr val="808080"/>
-                </a:solidFill>
-                <a:latin typeface="Neo Sans Std Medium"/>
-                <a:cs typeface="Handwriting - Dakota"/>
-              </a:rPr>
-              <a:t>file:</a:t>
-            </a:r>
-            <a:r>
-              <a:rPr lang="en-US" sz="1200" dirty="0" smtClean="0">
-                <a:solidFill>
-                  <a:srgbClr val="808080"/>
-                </a:solidFill>
-                <a:latin typeface="Neo Sans Std Medium"/>
-                <a:cs typeface="Handwriting - Dakota"/>
-              </a:rPr>
-              <a:t> </a:t>
-            </a:r>
-            <a:r>
-              <a:rPr lang="en-US" sz="1200" dirty="0" err="1" smtClean="0">
-                <a:solidFill>
-                  <a:srgbClr val="808080"/>
-                </a:solidFill>
-                <a:latin typeface="Neo Sans Std Medium"/>
-                <a:cs typeface="Handwriting - Dakota"/>
-              </a:rPr>
-              <a:t>multi.clj</a:t>
-            </a:r>
-            <a:endParaRPr lang="en-US" sz="1200" dirty="0">
-              <a:solidFill>
-                <a:srgbClr val="808080"/>
-              </a:solidFill>
-              <a:latin typeface="Neo Sans Std Medium"/>
-              <a:cs typeface="Handwriting - Dakota"/>
-            </a:endParaRPr>
+            <a:r>
+              <a:rPr lang="en-US" sz="1600" b="1" dirty="0" smtClean="0">
+                <a:latin typeface="Courier New"/>
+                <a:cs typeface="Courier New"/>
+              </a:rPr>
+              <a:t>(price-with-vat espresso) </a:t>
+            </a:r>
+          </a:p>
+          <a:p>
+            <a:r>
+              <a:rPr lang="en-US" sz="1600" b="1" dirty="0" smtClean="0">
+                <a:latin typeface="Courier New"/>
+                <a:cs typeface="Courier New"/>
+              </a:rPr>
+              <a:t>(vat </a:t>
+            </a:r>
+            <a:r>
+              <a:rPr lang="en-US" sz="1600" b="1" dirty="0" err="1" smtClean="0">
+                <a:latin typeface="Courier New"/>
+                <a:cs typeface="Courier New"/>
+              </a:rPr>
+              <a:t>iver</a:t>
+            </a:r>
+            <a:r>
+              <a:rPr lang="en-US" sz="1600" b="1" dirty="0" smtClean="0">
+                <a:latin typeface="Courier New"/>
+                <a:cs typeface="Courier New"/>
+              </a:rPr>
+              <a:t>)</a:t>
+            </a:r>
           </a:p>
         </p:txBody>
       </p:sp>
@@ -8068,6 +8789,13 @@
   <p:clrMapOvr>
     <a:masterClrMapping/>
   </p:clrMapOvr>
+  <p:timing>
+    <p:tnLst>
+      <p:par>
+        <p:cTn id="1" dur="indefinite" restart="never" nodeType="tmRoot"/>
+      </p:par>
+    </p:tnLst>
+  </p:timing>
 </p:sld>
 </file>
 
